--- a/4_Dokumente/48_Präsentation & Demonstration/IPA_Präsentation_Carigiet_Nico_20170529.pptx
+++ b/4_Dokumente/48_Präsentation & Demonstration/IPA_Präsentation_Carigiet_Nico_20170529.pptx
@@ -5,16 +5,31 @@
     <p:sldMasterId id="2147483648" r:id="rId1"/>
   </p:sldMasterIdLst>
   <p:notesMasterIdLst>
-    <p:notesMasterId r:id="rId9"/>
+    <p:notesMasterId r:id="rId24"/>
   </p:notesMasterIdLst>
   <p:sldIdLst>
     <p:sldId id="262" r:id="rId2"/>
     <p:sldId id="261" r:id="rId3"/>
     <p:sldId id="263" r:id="rId4"/>
     <p:sldId id="267" r:id="rId5"/>
-    <p:sldId id="266" r:id="rId6"/>
-    <p:sldId id="265" r:id="rId7"/>
-    <p:sldId id="264" r:id="rId8"/>
+    <p:sldId id="281" r:id="rId6"/>
+    <p:sldId id="266" r:id="rId7"/>
+    <p:sldId id="265" r:id="rId8"/>
+    <p:sldId id="264" r:id="rId9"/>
+    <p:sldId id="282" r:id="rId10"/>
+    <p:sldId id="268" r:id="rId11"/>
+    <p:sldId id="269" r:id="rId12"/>
+    <p:sldId id="270" r:id="rId13"/>
+    <p:sldId id="271" r:id="rId14"/>
+    <p:sldId id="272" r:id="rId15"/>
+    <p:sldId id="273" r:id="rId16"/>
+    <p:sldId id="274" r:id="rId17"/>
+    <p:sldId id="275" r:id="rId18"/>
+    <p:sldId id="276" r:id="rId19"/>
+    <p:sldId id="277" r:id="rId20"/>
+    <p:sldId id="278" r:id="rId21"/>
+    <p:sldId id="280" r:id="rId22"/>
+    <p:sldId id="279" r:id="rId23"/>
   </p:sldIdLst>
   <p:sldSz cx="12192000" cy="6858000"/>
   <p:notesSz cx="6858000" cy="9144000"/>
@@ -214,7 +229,7 @@
           <a:p>
             <a:fld id="{5E6328E6-ADD7-4F93-B5D9-B133993AEF8D}" type="datetimeFigureOut">
               <a:rPr lang="de-CH" smtClean="0"/>
-              <a:t>29.05.2017</a:t>
+              <a:t>30.05.2017</a:t>
             </a:fld>
             <a:endParaRPr lang="de-CH"/>
           </a:p>
@@ -848,7 +863,7 @@
       </p:sp>
       <p:pic>
         <p:nvPicPr>
-          <p:cNvPr id="12" name="Grafik 11"/>
+          <p:cNvPr id="13" name="Grafik 12"/>
           <p:cNvPicPr>
             <a:picLocks noChangeAspect="1"/>
           </p:cNvPicPr>
@@ -868,7 +883,7 @@
         </p:blipFill>
         <p:spPr>
           <a:xfrm>
-            <a:off x="9867900" y="491692"/>
+            <a:off x="9705975" y="558367"/>
             <a:ext cx="1636712" cy="952660"/>
           </a:xfrm>
           <a:prstGeom prst="rect">
@@ -4259,6 +4274,36 @@
           </a:p>
         </p:txBody>
       </p:sp>
+      <p:pic>
+        <p:nvPicPr>
+          <p:cNvPr id="10" name="Grafik 9"/>
+          <p:cNvPicPr>
+            <a:picLocks noChangeAspect="1"/>
+          </p:cNvPicPr>
+          <p:nvPr userDrawn="1"/>
+        </p:nvPicPr>
+        <p:blipFill>
+          <a:blip r:embed="rId2">
+            <a:extLst>
+              <a:ext uri="{28A0092B-C50C-407E-A947-70E740481C1C}">
+                <a14:useLocalDpi xmlns:a14="http://schemas.microsoft.com/office/drawing/2010/main" val="0"/>
+              </a:ext>
+            </a:extLst>
+          </a:blip>
+          <a:stretch>
+            <a:fillRect/>
+          </a:stretch>
+        </p:blipFill>
+        <p:spPr>
+          <a:xfrm>
+            <a:off x="9705975" y="558367"/>
+            <a:ext cx="1636712" cy="952660"/>
+          </a:xfrm>
+          <a:prstGeom prst="rect">
+            <a:avLst/>
+          </a:prstGeom>
+        </p:spPr>
+      </p:pic>
     </p:spTree>
   </p:cSld>
   <p:clrMapOvr>
@@ -4275,6 +4320,611 @@
 </file>
 
 <file path=ppt/slideLayouts/slideLayout4.xml><?xml version="1.0" encoding="utf-8"?>
+<p:sldLayout xmlns:a="http://schemas.openxmlformats.org/drawingml/2006/main" xmlns:r="http://schemas.openxmlformats.org/officeDocument/2006/relationships" xmlns:p="http://schemas.openxmlformats.org/presentationml/2006/main" type="twoObj" preserve="1">
+  <p:cSld name="Zwei Inhalte">
+    <p:spTree>
+      <p:nvGrpSpPr>
+        <p:cNvPr id="1" name=""/>
+        <p:cNvGrpSpPr/>
+        <p:nvPr/>
+      </p:nvGrpSpPr>
+      <p:grpSpPr>
+        <a:xfrm>
+          <a:off x="0" y="0"/>
+          <a:ext cx="0" cy="0"/>
+          <a:chOff x="0" y="0"/>
+          <a:chExt cx="0" cy="0"/>
+        </a:xfrm>
+      </p:grpSpPr>
+      <p:sp>
+        <p:nvSpPr>
+          <p:cNvPr id="8" name="Title 7"/>
+          <p:cNvSpPr>
+            <a:spLocks noGrp="1"/>
+          </p:cNvSpPr>
+          <p:nvPr>
+            <p:ph type="title"/>
+          </p:nvPr>
+        </p:nvSpPr>
+        <p:spPr/>
+        <p:txBody>
+          <a:bodyPr>
+            <a:noAutofit/>
+          </a:bodyPr>
+          <a:lstStyle>
+            <a:lvl1pPr>
+              <a:defRPr sz="4000"/>
+            </a:lvl1pPr>
+          </a:lstStyle>
+          <a:p>
+            <a:r>
+              <a:rPr lang="de-DE" dirty="0" smtClean="0"/>
+              <a:t>Titelmasterformat durch Klicken bearbeiten</a:t>
+            </a:r>
+            <a:endParaRPr lang="en-US" dirty="0"/>
+          </a:p>
+        </p:txBody>
+      </p:sp>
+      <p:sp>
+        <p:nvSpPr>
+          <p:cNvPr id="3" name="Content Placeholder 2"/>
+          <p:cNvSpPr>
+            <a:spLocks noGrp="1"/>
+          </p:cNvSpPr>
+          <p:nvPr>
+            <p:ph sz="half" idx="1"/>
+          </p:nvPr>
+        </p:nvSpPr>
+        <p:spPr>
+          <a:xfrm>
+            <a:off x="2589212" y="2133600"/>
+            <a:ext cx="4313864" cy="3777622"/>
+          </a:xfrm>
+        </p:spPr>
+        <p:txBody>
+          <a:bodyPr>
+            <a:normAutofit/>
+          </a:bodyPr>
+          <a:lstStyle/>
+          <a:p>
+            <a:pPr lvl="0"/>
+            <a:r>
+              <a:rPr lang="de-DE" dirty="0" smtClean="0"/>
+              <a:t>Textmasterformat bearbeiten</a:t>
+            </a:r>
+          </a:p>
+          <a:p>
+            <a:pPr lvl="1"/>
+            <a:r>
+              <a:rPr lang="de-DE" dirty="0" smtClean="0"/>
+              <a:t>Zweite Ebene</a:t>
+            </a:r>
+          </a:p>
+          <a:p>
+            <a:pPr lvl="2"/>
+            <a:r>
+              <a:rPr lang="de-DE" dirty="0" smtClean="0"/>
+              <a:t>Dritte Ebene</a:t>
+            </a:r>
+          </a:p>
+          <a:p>
+            <a:pPr lvl="3"/>
+            <a:r>
+              <a:rPr lang="de-DE" dirty="0" smtClean="0"/>
+              <a:t>Vierte Ebene</a:t>
+            </a:r>
+          </a:p>
+          <a:p>
+            <a:pPr lvl="4"/>
+            <a:r>
+              <a:rPr lang="de-DE" dirty="0" smtClean="0"/>
+              <a:t>Fünfte Ebene</a:t>
+            </a:r>
+            <a:endParaRPr lang="en-US" dirty="0"/>
+          </a:p>
+        </p:txBody>
+      </p:sp>
+      <p:sp>
+        <p:nvSpPr>
+          <p:cNvPr id="4" name="Content Placeholder 3"/>
+          <p:cNvSpPr>
+            <a:spLocks noGrp="1"/>
+          </p:cNvSpPr>
+          <p:nvPr>
+            <p:ph sz="half" idx="2"/>
+          </p:nvPr>
+        </p:nvSpPr>
+        <p:spPr>
+          <a:xfrm>
+            <a:off x="7190747" y="2126222"/>
+            <a:ext cx="4313864" cy="3777622"/>
+          </a:xfrm>
+        </p:spPr>
+        <p:txBody>
+          <a:bodyPr>
+            <a:normAutofit/>
+          </a:bodyPr>
+          <a:lstStyle/>
+          <a:p>
+            <a:pPr lvl="0"/>
+            <a:r>
+              <a:rPr lang="de-DE" dirty="0" smtClean="0"/>
+              <a:t>Textmasterformat bearbeiten</a:t>
+            </a:r>
+          </a:p>
+          <a:p>
+            <a:pPr lvl="1"/>
+            <a:r>
+              <a:rPr lang="de-DE" dirty="0" smtClean="0"/>
+              <a:t>Zweite Ebene</a:t>
+            </a:r>
+          </a:p>
+          <a:p>
+            <a:pPr lvl="2"/>
+            <a:r>
+              <a:rPr lang="de-DE" dirty="0" smtClean="0"/>
+              <a:t>Dritte Ebene</a:t>
+            </a:r>
+          </a:p>
+          <a:p>
+            <a:pPr lvl="3"/>
+            <a:r>
+              <a:rPr lang="de-DE" dirty="0" smtClean="0"/>
+              <a:t>Vierte Ebene</a:t>
+            </a:r>
+          </a:p>
+          <a:p>
+            <a:pPr lvl="4"/>
+            <a:r>
+              <a:rPr lang="de-DE" dirty="0" smtClean="0"/>
+              <a:t>Fünfte Ebene</a:t>
+            </a:r>
+            <a:endParaRPr lang="en-US" dirty="0"/>
+          </a:p>
+        </p:txBody>
+      </p:sp>
+      <p:sp>
+        <p:nvSpPr>
+          <p:cNvPr id="5" name="Date Placeholder 4"/>
+          <p:cNvSpPr>
+            <a:spLocks noGrp="1"/>
+          </p:cNvSpPr>
+          <p:nvPr>
+            <p:ph type="dt" sz="half" idx="10"/>
+          </p:nvPr>
+        </p:nvSpPr>
+        <p:spPr/>
+        <p:txBody>
+          <a:bodyPr/>
+          <a:lstStyle>
+            <a:lvl1pPr>
+              <a:defRPr sz="1100" b="1">
+                <a:solidFill>
+                  <a:schemeClr val="tx1">
+                    <a:lumMod val="75000"/>
+                    <a:lumOff val="25000"/>
+                  </a:schemeClr>
+                </a:solidFill>
+              </a:defRPr>
+            </a:lvl1pPr>
+          </a:lstStyle>
+          <a:p>
+            <a:r>
+              <a:rPr lang="de-CH" smtClean="0"/>
+              <a:t>02.06.2017</a:t>
+            </a:r>
+            <a:endParaRPr lang="en-US" dirty="0"/>
+          </a:p>
+        </p:txBody>
+      </p:sp>
+      <p:sp>
+        <p:nvSpPr>
+          <p:cNvPr id="6" name="Footer Placeholder 5"/>
+          <p:cNvSpPr>
+            <a:spLocks noGrp="1"/>
+          </p:cNvSpPr>
+          <p:nvPr>
+            <p:ph type="ftr" sz="quarter" idx="11"/>
+          </p:nvPr>
+        </p:nvSpPr>
+        <p:spPr/>
+        <p:txBody>
+          <a:bodyPr/>
+          <a:lstStyle>
+            <a:lvl1pPr>
+              <a:defRPr sz="1100" b="1">
+                <a:solidFill>
+                  <a:schemeClr val="tx1">
+                    <a:lumMod val="75000"/>
+                    <a:lumOff val="25000"/>
+                  </a:schemeClr>
+                </a:solidFill>
+              </a:defRPr>
+            </a:lvl1pPr>
+          </a:lstStyle>
+          <a:p>
+            <a:r>
+              <a:rPr lang="en-US" smtClean="0"/>
+              <a:t>Referent: Carigiet Nico</a:t>
+            </a:r>
+            <a:endParaRPr lang="en-US" dirty="0"/>
+          </a:p>
+        </p:txBody>
+      </p:sp>
+      <p:sp>
+        <p:nvSpPr>
+          <p:cNvPr id="12" name="Freeform 11"/>
+          <p:cNvSpPr/>
+          <p:nvPr/>
+        </p:nvSpPr>
+        <p:spPr bwMode="auto">
+          <a:xfrm flipV="1">
+            <a:off x="-4189" y="714375"/>
+            <a:ext cx="1588527" cy="507297"/>
+          </a:xfrm>
+          <a:custGeom>
+            <a:avLst/>
+            <a:gdLst/>
+            <a:ahLst/>
+            <a:cxnLst/>
+            <a:rect l="l" t="t" r="r" b="b"/>
+            <a:pathLst>
+              <a:path w="9248" h="10000">
+                <a:moveTo>
+                  <a:pt x="9248" y="4701"/>
+                </a:moveTo>
+                <a:lnTo>
+                  <a:pt x="7915" y="188"/>
+                </a:lnTo>
+                <a:cubicBezTo>
+                  <a:pt x="7906" y="156"/>
+                  <a:pt x="7895" y="126"/>
+                  <a:pt x="7886" y="94"/>
+                </a:cubicBezTo>
+                <a:cubicBezTo>
+                  <a:pt x="7859" y="0"/>
+                  <a:pt x="7831" y="0"/>
+                  <a:pt x="7803" y="0"/>
+                </a:cubicBezTo>
+                <a:lnTo>
+                  <a:pt x="7275" y="0"/>
+                </a:lnTo>
+                <a:lnTo>
+                  <a:pt x="0" y="70"/>
+                </a:lnTo>
+                <a:cubicBezTo>
+                  <a:pt x="8" y="3380"/>
+                  <a:pt x="17" y="6690"/>
+                  <a:pt x="25" y="10000"/>
+                </a:cubicBezTo>
+                <a:lnTo>
+                  <a:pt x="7275" y="9966"/>
+                </a:lnTo>
+                <a:lnTo>
+                  <a:pt x="7803" y="9966"/>
+                </a:lnTo>
+                <a:cubicBezTo>
+                  <a:pt x="7831" y="9966"/>
+                  <a:pt x="7859" y="9872"/>
+                  <a:pt x="7886" y="9872"/>
+                </a:cubicBezTo>
+                <a:cubicBezTo>
+                  <a:pt x="7886" y="9778"/>
+                  <a:pt x="7915" y="9778"/>
+                  <a:pt x="7915" y="9778"/>
+                </a:cubicBezTo>
+                <a:lnTo>
+                  <a:pt x="9248" y="5265"/>
+                </a:lnTo>
+                <a:cubicBezTo>
+                  <a:pt x="9303" y="5077"/>
+                  <a:pt x="9303" y="4889"/>
+                  <a:pt x="9248" y="4701"/>
+                </a:cubicBezTo>
+                <a:close/>
+              </a:path>
+            </a:pathLst>
+          </a:custGeom>
+          <a:solidFill>
+            <a:schemeClr val="accent1"/>
+          </a:solidFill>
+          <a:ln>
+            <a:noFill/>
+          </a:ln>
+        </p:spPr>
+      </p:sp>
+      <p:sp>
+        <p:nvSpPr>
+          <p:cNvPr id="13" name="Slide Number Placeholder 5"/>
+          <p:cNvSpPr>
+            <a:spLocks noGrp="1"/>
+          </p:cNvSpPr>
+          <p:nvPr>
+            <p:ph type="sldNum" sz="quarter" idx="12"/>
+          </p:nvPr>
+        </p:nvSpPr>
+        <p:spPr>
+          <a:xfrm>
+            <a:off x="531812" y="787782"/>
+            <a:ext cx="779767" cy="365125"/>
+          </a:xfrm>
+        </p:spPr>
+        <p:txBody>
+          <a:bodyPr/>
+          <a:lstStyle/>
+          <a:p>
+            <a:fld id="{D57F1E4F-1CFF-5643-939E-217C01CDF565}" type="slidenum">
+              <a:rPr lang="en-US" dirty="0"/>
+              <a:pPr/>
+              <a:t>‹Nr.›</a:t>
+            </a:fld>
+            <a:endParaRPr lang="en-US" dirty="0"/>
+          </a:p>
+        </p:txBody>
+      </p:sp>
+    </p:spTree>
+  </p:cSld>
+  <p:clrMapOvr>
+    <a:masterClrMapping/>
+  </p:clrMapOvr>
+  <p:timing>
+    <p:tnLst>
+      <p:par>
+        <p:cTn id="1" dur="indefinite" restart="never" nodeType="tmRoot"/>
+      </p:par>
+    </p:tnLst>
+  </p:timing>
+</p:sldLayout>
+</file>
+
+<file path=ppt/slideLayouts/slideLayout5.xml><?xml version="1.0" encoding="utf-8"?>
+<p:sldLayout xmlns:a="http://schemas.openxmlformats.org/drawingml/2006/main" xmlns:r="http://schemas.openxmlformats.org/officeDocument/2006/relationships" xmlns:p="http://schemas.openxmlformats.org/presentationml/2006/main" type="titleOnly" preserve="1">
+  <p:cSld name="O_Nur Titel">
+    <p:spTree>
+      <p:nvGrpSpPr>
+        <p:cNvPr id="1" name=""/>
+        <p:cNvGrpSpPr/>
+        <p:nvPr/>
+      </p:nvGrpSpPr>
+      <p:grpSpPr>
+        <a:xfrm>
+          <a:off x="0" y="0"/>
+          <a:ext cx="0" cy="0"/>
+          <a:chOff x="0" y="0"/>
+          <a:chExt cx="0" cy="0"/>
+        </a:xfrm>
+      </p:grpSpPr>
+      <p:sp>
+        <p:nvSpPr>
+          <p:cNvPr id="2" name="Title 1"/>
+          <p:cNvSpPr>
+            <a:spLocks noGrp="1"/>
+          </p:cNvSpPr>
+          <p:nvPr>
+            <p:ph type="title"/>
+          </p:nvPr>
+        </p:nvSpPr>
+        <p:spPr/>
+        <p:txBody>
+          <a:bodyPr>
+            <a:noAutofit/>
+          </a:bodyPr>
+          <a:lstStyle>
+            <a:lvl1pPr>
+              <a:defRPr sz="4000"/>
+            </a:lvl1pPr>
+          </a:lstStyle>
+          <a:p>
+            <a:r>
+              <a:rPr lang="de-DE" dirty="0" smtClean="0"/>
+              <a:t>Titelmasterformat durch Klicken bearbeiten</a:t>
+            </a:r>
+            <a:endParaRPr lang="en-US" dirty="0"/>
+          </a:p>
+        </p:txBody>
+      </p:sp>
+      <p:sp>
+        <p:nvSpPr>
+          <p:cNvPr id="3" name="Date Placeholder 2"/>
+          <p:cNvSpPr>
+            <a:spLocks noGrp="1"/>
+          </p:cNvSpPr>
+          <p:nvPr>
+            <p:ph type="dt" sz="half" idx="10"/>
+          </p:nvPr>
+        </p:nvSpPr>
+        <p:spPr/>
+        <p:txBody>
+          <a:bodyPr/>
+          <a:lstStyle>
+            <a:lvl1pPr>
+              <a:defRPr sz="1100" b="1">
+                <a:solidFill>
+                  <a:schemeClr val="tx1">
+                    <a:lumMod val="75000"/>
+                    <a:lumOff val="25000"/>
+                  </a:schemeClr>
+                </a:solidFill>
+              </a:defRPr>
+            </a:lvl1pPr>
+          </a:lstStyle>
+          <a:p>
+            <a:r>
+              <a:rPr lang="de-CH" dirty="0" smtClean="0"/>
+              <a:t>02.06.2017</a:t>
+            </a:r>
+            <a:endParaRPr lang="en-US" dirty="0"/>
+          </a:p>
+        </p:txBody>
+      </p:sp>
+      <p:sp>
+        <p:nvSpPr>
+          <p:cNvPr id="4" name="Footer Placeholder 3"/>
+          <p:cNvSpPr>
+            <a:spLocks noGrp="1"/>
+          </p:cNvSpPr>
+          <p:nvPr>
+            <p:ph type="ftr" sz="quarter" idx="11"/>
+          </p:nvPr>
+        </p:nvSpPr>
+        <p:spPr/>
+        <p:txBody>
+          <a:bodyPr/>
+          <a:lstStyle>
+            <a:lvl1pPr>
+              <a:defRPr sz="1100" b="1">
+                <a:solidFill>
+                  <a:schemeClr val="tx1">
+                    <a:lumMod val="75000"/>
+                    <a:lumOff val="25000"/>
+                  </a:schemeClr>
+                </a:solidFill>
+              </a:defRPr>
+            </a:lvl1pPr>
+          </a:lstStyle>
+          <a:p>
+            <a:r>
+              <a:rPr lang="en-US" dirty="0" smtClean="0"/>
+              <a:t>Referent: </a:t>
+            </a:r>
+            <a:r>
+              <a:rPr lang="en-US" dirty="0" err="1" smtClean="0"/>
+              <a:t>Carigiet</a:t>
+            </a:r>
+            <a:r>
+              <a:rPr lang="en-US" dirty="0" smtClean="0"/>
+              <a:t> </a:t>
+            </a:r>
+            <a:r>
+              <a:rPr lang="en-US" dirty="0" err="1" smtClean="0"/>
+              <a:t>Nico</a:t>
+            </a:r>
+            <a:endParaRPr lang="en-US" dirty="0"/>
+          </a:p>
+        </p:txBody>
+      </p:sp>
+      <p:sp>
+        <p:nvSpPr>
+          <p:cNvPr id="7" name="Freeform 11"/>
+          <p:cNvSpPr/>
+          <p:nvPr/>
+        </p:nvSpPr>
+        <p:spPr bwMode="auto">
+          <a:xfrm flipV="1">
+            <a:off x="-4189" y="714375"/>
+            <a:ext cx="1588527" cy="507297"/>
+          </a:xfrm>
+          <a:custGeom>
+            <a:avLst/>
+            <a:gdLst/>
+            <a:ahLst/>
+            <a:cxnLst/>
+            <a:rect l="l" t="t" r="r" b="b"/>
+            <a:pathLst>
+              <a:path w="9248" h="10000">
+                <a:moveTo>
+                  <a:pt x="9248" y="4701"/>
+                </a:moveTo>
+                <a:lnTo>
+                  <a:pt x="7915" y="188"/>
+                </a:lnTo>
+                <a:cubicBezTo>
+                  <a:pt x="7906" y="156"/>
+                  <a:pt x="7895" y="126"/>
+                  <a:pt x="7886" y="94"/>
+                </a:cubicBezTo>
+                <a:cubicBezTo>
+                  <a:pt x="7859" y="0"/>
+                  <a:pt x="7831" y="0"/>
+                  <a:pt x="7803" y="0"/>
+                </a:cubicBezTo>
+                <a:lnTo>
+                  <a:pt x="7275" y="0"/>
+                </a:lnTo>
+                <a:lnTo>
+                  <a:pt x="0" y="70"/>
+                </a:lnTo>
+                <a:cubicBezTo>
+                  <a:pt x="8" y="3380"/>
+                  <a:pt x="17" y="6690"/>
+                  <a:pt x="25" y="10000"/>
+                </a:cubicBezTo>
+                <a:lnTo>
+                  <a:pt x="7275" y="9966"/>
+                </a:lnTo>
+                <a:lnTo>
+                  <a:pt x="7803" y="9966"/>
+                </a:lnTo>
+                <a:cubicBezTo>
+                  <a:pt x="7831" y="9966"/>
+                  <a:pt x="7859" y="9872"/>
+                  <a:pt x="7886" y="9872"/>
+                </a:cubicBezTo>
+                <a:cubicBezTo>
+                  <a:pt x="7886" y="9778"/>
+                  <a:pt x="7915" y="9778"/>
+                  <a:pt x="7915" y="9778"/>
+                </a:cubicBezTo>
+                <a:lnTo>
+                  <a:pt x="9248" y="5265"/>
+                </a:lnTo>
+                <a:cubicBezTo>
+                  <a:pt x="9303" y="5077"/>
+                  <a:pt x="9303" y="4889"/>
+                  <a:pt x="9248" y="4701"/>
+                </a:cubicBezTo>
+                <a:close/>
+              </a:path>
+            </a:pathLst>
+          </a:custGeom>
+          <a:solidFill>
+            <a:schemeClr val="accent1"/>
+          </a:solidFill>
+          <a:ln>
+            <a:noFill/>
+          </a:ln>
+        </p:spPr>
+      </p:sp>
+      <p:sp>
+        <p:nvSpPr>
+          <p:cNvPr id="5" name="Slide Number Placeholder 4"/>
+          <p:cNvSpPr>
+            <a:spLocks noGrp="1"/>
+          </p:cNvSpPr>
+          <p:nvPr>
+            <p:ph type="sldNum" sz="quarter" idx="12"/>
+          </p:nvPr>
+        </p:nvSpPr>
+        <p:spPr/>
+        <p:txBody>
+          <a:bodyPr/>
+          <a:lstStyle/>
+          <a:p>
+            <a:fld id="{D57F1E4F-1CFF-5643-939E-217C01CDF565}" type="slidenum">
+              <a:rPr lang="en-US" dirty="0"/>
+              <a:pPr/>
+              <a:t>‹Nr.›</a:t>
+            </a:fld>
+            <a:endParaRPr lang="en-US" dirty="0"/>
+          </a:p>
+        </p:txBody>
+      </p:sp>
+    </p:spTree>
+  </p:cSld>
+  <p:clrMapOvr>
+    <a:masterClrMapping/>
+  </p:clrMapOvr>
+  <p:timing>
+    <p:tnLst>
+      <p:par>
+        <p:cTn id="1" dur="indefinite" restart="never" nodeType="tmRoot"/>
+      </p:par>
+    </p:tnLst>
+  </p:timing>
+</p:sldLayout>
+</file>
+
+<file path=ppt/slideLayouts/slideLayout6.xml><?xml version="1.0" encoding="utf-8"?>
 <p:sldLayout xmlns:a="http://schemas.openxmlformats.org/drawingml/2006/main" xmlns:r="http://schemas.openxmlformats.org/officeDocument/2006/relationships" xmlns:p="http://schemas.openxmlformats.org/presentationml/2006/main" type="title" preserve="1">
   <p:cSld name="Titelfolie">
     <p:spTree>
@@ -4641,9 +5291,9 @@
 </p:sldLayout>
 </file>
 
-<file path=ppt/slideLayouts/slideLayout5.xml><?xml version="1.0" encoding="utf-8"?>
-<p:sldLayout xmlns:a="http://schemas.openxmlformats.org/drawingml/2006/main" xmlns:r="http://schemas.openxmlformats.org/officeDocument/2006/relationships" xmlns:p="http://schemas.openxmlformats.org/presentationml/2006/main" type="twoObj" preserve="1">
-  <p:cSld name="Zwei Inhalte">
+<file path=ppt/slideLayouts/slideLayout7.xml><?xml version="1.0" encoding="utf-8"?>
+<p:sldLayout xmlns:a="http://schemas.openxmlformats.org/drawingml/2006/main" xmlns:r="http://schemas.openxmlformats.org/officeDocument/2006/relationships" xmlns:p="http://schemas.openxmlformats.org/presentationml/2006/main" type="twoTxTwoObj" preserve="1">
+  <p:cSld name="Vergleich">
     <p:spTree>
       <p:nvGrpSpPr>
         <p:cNvPr id="1" name=""/>
@@ -4660,7 +5310,7 @@
       </p:grpSpPr>
       <p:sp>
         <p:nvSpPr>
-          <p:cNvPr id="8" name="Title 7"/>
+          <p:cNvPr id="10" name="Title 9"/>
           <p:cNvSpPr>
             <a:spLocks noGrp="1"/>
           </p:cNvSpPr>
@@ -4674,7 +5324,7 @@
           <a:lstStyle/>
           <a:p>
             <a:r>
-              <a:rPr lang="de-DE" dirty="0" smtClean="0"/>
+              <a:rPr lang="de-DE" smtClean="0"/>
               <a:t>Titelmasterformat durch Klicken bearbeiten</a:t>
             </a:r>
             <a:endParaRPr lang="en-US" dirty="0"/>
@@ -4683,18 +5333,85 @@
       </p:sp>
       <p:sp>
         <p:nvSpPr>
-          <p:cNvPr id="3" name="Content Placeholder 2"/>
-          <p:cNvSpPr>
-            <a:spLocks noGrp="1"/>
-          </p:cNvSpPr>
-          <p:nvPr>
-            <p:ph sz="half" idx="1"/>
+          <p:cNvPr id="3" name="Text Placeholder 2"/>
+          <p:cNvSpPr>
+            <a:spLocks noGrp="1"/>
+          </p:cNvSpPr>
+          <p:nvPr>
+            <p:ph type="body" idx="1"/>
           </p:nvPr>
         </p:nvSpPr>
         <p:spPr>
           <a:xfrm>
-            <a:off x="2589212" y="2133600"/>
-            <a:ext cx="4313864" cy="3777622"/>
+            <a:off x="2939373" y="1972703"/>
+            <a:ext cx="3992732" cy="576262"/>
+          </a:xfrm>
+        </p:spPr>
+        <p:txBody>
+          <a:bodyPr anchor="b">
+            <a:noAutofit/>
+          </a:bodyPr>
+          <a:lstStyle>
+            <a:lvl1pPr marL="0" indent="0">
+              <a:buNone/>
+              <a:defRPr sz="2400" b="0"/>
+            </a:lvl1pPr>
+            <a:lvl2pPr marL="457200" indent="0">
+              <a:buNone/>
+              <a:defRPr sz="2000" b="1"/>
+            </a:lvl2pPr>
+            <a:lvl3pPr marL="914400" indent="0">
+              <a:buNone/>
+              <a:defRPr sz="1800" b="1"/>
+            </a:lvl3pPr>
+            <a:lvl4pPr marL="1371600" indent="0">
+              <a:buNone/>
+              <a:defRPr sz="1600" b="1"/>
+            </a:lvl4pPr>
+            <a:lvl5pPr marL="1828800" indent="0">
+              <a:buNone/>
+              <a:defRPr sz="1600" b="1"/>
+            </a:lvl5pPr>
+            <a:lvl6pPr marL="2286000" indent="0">
+              <a:buNone/>
+              <a:defRPr sz="1600" b="1"/>
+            </a:lvl6pPr>
+            <a:lvl7pPr marL="2743200" indent="0">
+              <a:buNone/>
+              <a:defRPr sz="1600" b="1"/>
+            </a:lvl7pPr>
+            <a:lvl8pPr marL="3200400" indent="0">
+              <a:buNone/>
+              <a:defRPr sz="1600" b="1"/>
+            </a:lvl8pPr>
+            <a:lvl9pPr marL="3657600" indent="0">
+              <a:buNone/>
+              <a:defRPr sz="1600" b="1"/>
+            </a:lvl9pPr>
+          </a:lstStyle>
+          <a:p>
+            <a:pPr lvl="0"/>
+            <a:r>
+              <a:rPr lang="de-DE" smtClean="0"/>
+              <a:t>Textmasterformat bearbeiten</a:t>
+            </a:r>
+          </a:p>
+        </p:txBody>
+      </p:sp>
+      <p:sp>
+        <p:nvSpPr>
+          <p:cNvPr id="4" name="Content Placeholder 3"/>
+          <p:cNvSpPr>
+            <a:spLocks noGrp="1"/>
+          </p:cNvSpPr>
+          <p:nvPr>
+            <p:ph sz="half" idx="2"/>
+          </p:nvPr>
+        </p:nvSpPr>
+        <p:spPr>
+          <a:xfrm>
+            <a:off x="2589212" y="2548966"/>
+            <a:ext cx="4342893" cy="3354060"/>
           </a:xfrm>
         </p:spPr>
         <p:txBody>
@@ -4705,35 +5422,35 @@
           <a:p>
             <a:pPr lvl="0"/>
             <a:r>
-              <a:rPr lang="de-DE" dirty="0" smtClean="0"/>
+              <a:rPr lang="de-DE" smtClean="0"/>
               <a:t>Textmasterformat bearbeiten</a:t>
             </a:r>
           </a:p>
           <a:p>
             <a:pPr lvl="1"/>
             <a:r>
-              <a:rPr lang="de-DE" dirty="0" smtClean="0"/>
+              <a:rPr lang="de-DE" smtClean="0"/>
               <a:t>Zweite Ebene</a:t>
             </a:r>
           </a:p>
           <a:p>
             <a:pPr lvl="2"/>
             <a:r>
-              <a:rPr lang="de-DE" dirty="0" smtClean="0"/>
+              <a:rPr lang="de-DE" smtClean="0"/>
               <a:t>Dritte Ebene</a:t>
             </a:r>
           </a:p>
           <a:p>
             <a:pPr lvl="3"/>
             <a:r>
-              <a:rPr lang="de-DE" dirty="0" smtClean="0"/>
+              <a:rPr lang="de-DE" smtClean="0"/>
               <a:t>Vierte Ebene</a:t>
             </a:r>
           </a:p>
           <a:p>
             <a:pPr lvl="4"/>
             <a:r>
-              <a:rPr lang="de-DE" dirty="0" smtClean="0"/>
+              <a:rPr lang="de-DE" smtClean="0"/>
               <a:t>Fünfte Ebene</a:t>
             </a:r>
             <a:endParaRPr lang="en-US" dirty="0"/>
@@ -4742,18 +5459,85 @@
       </p:sp>
       <p:sp>
         <p:nvSpPr>
-          <p:cNvPr id="4" name="Content Placeholder 3"/>
-          <p:cNvSpPr>
-            <a:spLocks noGrp="1"/>
-          </p:cNvSpPr>
-          <p:nvPr>
-            <p:ph sz="half" idx="2"/>
+          <p:cNvPr id="5" name="Text Placeholder 4"/>
+          <p:cNvSpPr>
+            <a:spLocks noGrp="1"/>
+          </p:cNvSpPr>
+          <p:nvPr>
+            <p:ph type="body" sz="quarter" idx="3"/>
           </p:nvPr>
         </p:nvSpPr>
         <p:spPr>
           <a:xfrm>
-            <a:off x="7190747" y="2126222"/>
-            <a:ext cx="4313864" cy="3777622"/>
+            <a:off x="7506629" y="1969475"/>
+            <a:ext cx="3999001" cy="576262"/>
+          </a:xfrm>
+        </p:spPr>
+        <p:txBody>
+          <a:bodyPr anchor="b">
+            <a:noAutofit/>
+          </a:bodyPr>
+          <a:lstStyle>
+            <a:lvl1pPr marL="0" indent="0">
+              <a:buNone/>
+              <a:defRPr sz="2400" b="0"/>
+            </a:lvl1pPr>
+            <a:lvl2pPr marL="457200" indent="0">
+              <a:buNone/>
+              <a:defRPr sz="2000" b="1"/>
+            </a:lvl2pPr>
+            <a:lvl3pPr marL="914400" indent="0">
+              <a:buNone/>
+              <a:defRPr sz="1800" b="1"/>
+            </a:lvl3pPr>
+            <a:lvl4pPr marL="1371600" indent="0">
+              <a:buNone/>
+              <a:defRPr sz="1600" b="1"/>
+            </a:lvl4pPr>
+            <a:lvl5pPr marL="1828800" indent="0">
+              <a:buNone/>
+              <a:defRPr sz="1600" b="1"/>
+            </a:lvl5pPr>
+            <a:lvl6pPr marL="2286000" indent="0">
+              <a:buNone/>
+              <a:defRPr sz="1600" b="1"/>
+            </a:lvl6pPr>
+            <a:lvl7pPr marL="2743200" indent="0">
+              <a:buNone/>
+              <a:defRPr sz="1600" b="1"/>
+            </a:lvl7pPr>
+            <a:lvl8pPr marL="3200400" indent="0">
+              <a:buNone/>
+              <a:defRPr sz="1600" b="1"/>
+            </a:lvl8pPr>
+            <a:lvl9pPr marL="3657600" indent="0">
+              <a:buNone/>
+              <a:defRPr sz="1600" b="1"/>
+            </a:lvl9pPr>
+          </a:lstStyle>
+          <a:p>
+            <a:pPr lvl="0"/>
+            <a:r>
+              <a:rPr lang="de-DE" smtClean="0"/>
+              <a:t>Textmasterformat bearbeiten</a:t>
+            </a:r>
+          </a:p>
+        </p:txBody>
+      </p:sp>
+      <p:sp>
+        <p:nvSpPr>
+          <p:cNvPr id="6" name="Content Placeholder 5"/>
+          <p:cNvSpPr>
+            <a:spLocks noGrp="1"/>
+          </p:cNvSpPr>
+          <p:nvPr>
+            <p:ph sz="quarter" idx="4"/>
+          </p:nvPr>
+        </p:nvSpPr>
+        <p:spPr>
+          <a:xfrm>
+            <a:off x="7166957" y="2545738"/>
+            <a:ext cx="4338674" cy="3354060"/>
           </a:xfrm>
         </p:spPr>
         <p:txBody>
@@ -4764,35 +5548,35 @@
           <a:p>
             <a:pPr lvl="0"/>
             <a:r>
-              <a:rPr lang="de-DE" dirty="0" smtClean="0"/>
+              <a:rPr lang="de-DE" smtClean="0"/>
               <a:t>Textmasterformat bearbeiten</a:t>
             </a:r>
           </a:p>
           <a:p>
             <a:pPr lvl="1"/>
             <a:r>
-              <a:rPr lang="de-DE" dirty="0" smtClean="0"/>
+              <a:rPr lang="de-DE" smtClean="0"/>
               <a:t>Zweite Ebene</a:t>
             </a:r>
           </a:p>
           <a:p>
             <a:pPr lvl="2"/>
             <a:r>
-              <a:rPr lang="de-DE" dirty="0" smtClean="0"/>
+              <a:rPr lang="de-DE" smtClean="0"/>
               <a:t>Dritte Ebene</a:t>
             </a:r>
           </a:p>
           <a:p>
             <a:pPr lvl="3"/>
             <a:r>
-              <a:rPr lang="de-DE" dirty="0" smtClean="0"/>
+              <a:rPr lang="de-DE" smtClean="0"/>
               <a:t>Vierte Ebene</a:t>
             </a:r>
           </a:p>
           <a:p>
             <a:pPr lvl="4"/>
             <a:r>
-              <a:rPr lang="de-DE" dirty="0" smtClean="0"/>
+              <a:rPr lang="de-DE" smtClean="0"/>
               <a:t>Fünfte Ebene</a:t>
             </a:r>
             <a:endParaRPr lang="en-US" dirty="0"/>
@@ -4801,7 +5585,7 @@
       </p:sp>
       <p:sp>
         <p:nvSpPr>
-          <p:cNvPr id="5" name="Date Placeholder 4"/>
+          <p:cNvPr id="7" name="Date Placeholder 6"/>
           <p:cNvSpPr>
             <a:spLocks noGrp="1"/>
           </p:cNvSpPr>
@@ -4824,7 +5608,7 @@
       </p:sp>
       <p:sp>
         <p:nvSpPr>
-          <p:cNvPr id="6" name="Footer Placeholder 5"/>
+          <p:cNvPr id="8" name="Footer Placeholder 7"/>
           <p:cNvSpPr>
             <a:spLocks noGrp="1"/>
           </p:cNvSpPr>
@@ -4971,9 +5755,9 @@
 </p:sldLayout>
 </file>
 
-<file path=ppt/slideLayouts/slideLayout6.xml><?xml version="1.0" encoding="utf-8"?>
-<p:sldLayout xmlns:a="http://schemas.openxmlformats.org/drawingml/2006/main" xmlns:r="http://schemas.openxmlformats.org/officeDocument/2006/relationships" xmlns:p="http://schemas.openxmlformats.org/presentationml/2006/main" type="twoTxTwoObj" preserve="1">
-  <p:cSld name="Vergleich">
+<file path=ppt/slideLayouts/slideLayout8.xml><?xml version="1.0" encoding="utf-8"?>
+<p:sldLayout xmlns:a="http://schemas.openxmlformats.org/drawingml/2006/main" xmlns:r="http://schemas.openxmlformats.org/officeDocument/2006/relationships" xmlns:p="http://schemas.openxmlformats.org/presentationml/2006/main" type="blank" preserve="1">
+  <p:cSld name="Leer">
     <p:spTree>
       <p:nvGrpSpPr>
         <p:cNvPr id="1" name=""/>
@@ -4990,282 +5774,7 @@
       </p:grpSpPr>
       <p:sp>
         <p:nvSpPr>
-          <p:cNvPr id="10" name="Title 9"/>
-          <p:cNvSpPr>
-            <a:spLocks noGrp="1"/>
-          </p:cNvSpPr>
-          <p:nvPr>
-            <p:ph type="title"/>
-          </p:nvPr>
-        </p:nvSpPr>
-        <p:spPr/>
-        <p:txBody>
-          <a:bodyPr/>
-          <a:lstStyle/>
-          <a:p>
-            <a:r>
-              <a:rPr lang="de-DE" smtClean="0"/>
-              <a:t>Titelmasterformat durch Klicken bearbeiten</a:t>
-            </a:r>
-            <a:endParaRPr lang="en-US" dirty="0"/>
-          </a:p>
-        </p:txBody>
-      </p:sp>
-      <p:sp>
-        <p:nvSpPr>
-          <p:cNvPr id="3" name="Text Placeholder 2"/>
-          <p:cNvSpPr>
-            <a:spLocks noGrp="1"/>
-          </p:cNvSpPr>
-          <p:nvPr>
-            <p:ph type="body" idx="1"/>
-          </p:nvPr>
-        </p:nvSpPr>
-        <p:spPr>
-          <a:xfrm>
-            <a:off x="2939373" y="1972703"/>
-            <a:ext cx="3992732" cy="576262"/>
-          </a:xfrm>
-        </p:spPr>
-        <p:txBody>
-          <a:bodyPr anchor="b">
-            <a:noAutofit/>
-          </a:bodyPr>
-          <a:lstStyle>
-            <a:lvl1pPr marL="0" indent="0">
-              <a:buNone/>
-              <a:defRPr sz="2400" b="0"/>
-            </a:lvl1pPr>
-            <a:lvl2pPr marL="457200" indent="0">
-              <a:buNone/>
-              <a:defRPr sz="2000" b="1"/>
-            </a:lvl2pPr>
-            <a:lvl3pPr marL="914400" indent="0">
-              <a:buNone/>
-              <a:defRPr sz="1800" b="1"/>
-            </a:lvl3pPr>
-            <a:lvl4pPr marL="1371600" indent="0">
-              <a:buNone/>
-              <a:defRPr sz="1600" b="1"/>
-            </a:lvl4pPr>
-            <a:lvl5pPr marL="1828800" indent="0">
-              <a:buNone/>
-              <a:defRPr sz="1600" b="1"/>
-            </a:lvl5pPr>
-            <a:lvl6pPr marL="2286000" indent="0">
-              <a:buNone/>
-              <a:defRPr sz="1600" b="1"/>
-            </a:lvl6pPr>
-            <a:lvl7pPr marL="2743200" indent="0">
-              <a:buNone/>
-              <a:defRPr sz="1600" b="1"/>
-            </a:lvl7pPr>
-            <a:lvl8pPr marL="3200400" indent="0">
-              <a:buNone/>
-              <a:defRPr sz="1600" b="1"/>
-            </a:lvl8pPr>
-            <a:lvl9pPr marL="3657600" indent="0">
-              <a:buNone/>
-              <a:defRPr sz="1600" b="1"/>
-            </a:lvl9pPr>
-          </a:lstStyle>
-          <a:p>
-            <a:pPr lvl="0"/>
-            <a:r>
-              <a:rPr lang="de-DE" smtClean="0"/>
-              <a:t>Textmasterformat bearbeiten</a:t>
-            </a:r>
-          </a:p>
-        </p:txBody>
-      </p:sp>
-      <p:sp>
-        <p:nvSpPr>
-          <p:cNvPr id="4" name="Content Placeholder 3"/>
-          <p:cNvSpPr>
-            <a:spLocks noGrp="1"/>
-          </p:cNvSpPr>
-          <p:nvPr>
-            <p:ph sz="half" idx="2"/>
-          </p:nvPr>
-        </p:nvSpPr>
-        <p:spPr>
-          <a:xfrm>
-            <a:off x="2589212" y="2548966"/>
-            <a:ext cx="4342893" cy="3354060"/>
-          </a:xfrm>
-        </p:spPr>
-        <p:txBody>
-          <a:bodyPr>
-            <a:normAutofit/>
-          </a:bodyPr>
-          <a:lstStyle/>
-          <a:p>
-            <a:pPr lvl="0"/>
-            <a:r>
-              <a:rPr lang="de-DE" smtClean="0"/>
-              <a:t>Textmasterformat bearbeiten</a:t>
-            </a:r>
-          </a:p>
-          <a:p>
-            <a:pPr lvl="1"/>
-            <a:r>
-              <a:rPr lang="de-DE" smtClean="0"/>
-              <a:t>Zweite Ebene</a:t>
-            </a:r>
-          </a:p>
-          <a:p>
-            <a:pPr lvl="2"/>
-            <a:r>
-              <a:rPr lang="de-DE" smtClean="0"/>
-              <a:t>Dritte Ebene</a:t>
-            </a:r>
-          </a:p>
-          <a:p>
-            <a:pPr lvl="3"/>
-            <a:r>
-              <a:rPr lang="de-DE" smtClean="0"/>
-              <a:t>Vierte Ebene</a:t>
-            </a:r>
-          </a:p>
-          <a:p>
-            <a:pPr lvl="4"/>
-            <a:r>
-              <a:rPr lang="de-DE" smtClean="0"/>
-              <a:t>Fünfte Ebene</a:t>
-            </a:r>
-            <a:endParaRPr lang="en-US" dirty="0"/>
-          </a:p>
-        </p:txBody>
-      </p:sp>
-      <p:sp>
-        <p:nvSpPr>
-          <p:cNvPr id="5" name="Text Placeholder 4"/>
-          <p:cNvSpPr>
-            <a:spLocks noGrp="1"/>
-          </p:cNvSpPr>
-          <p:nvPr>
-            <p:ph type="body" sz="quarter" idx="3"/>
-          </p:nvPr>
-        </p:nvSpPr>
-        <p:spPr>
-          <a:xfrm>
-            <a:off x="7506629" y="1969475"/>
-            <a:ext cx="3999001" cy="576262"/>
-          </a:xfrm>
-        </p:spPr>
-        <p:txBody>
-          <a:bodyPr anchor="b">
-            <a:noAutofit/>
-          </a:bodyPr>
-          <a:lstStyle>
-            <a:lvl1pPr marL="0" indent="0">
-              <a:buNone/>
-              <a:defRPr sz="2400" b="0"/>
-            </a:lvl1pPr>
-            <a:lvl2pPr marL="457200" indent="0">
-              <a:buNone/>
-              <a:defRPr sz="2000" b="1"/>
-            </a:lvl2pPr>
-            <a:lvl3pPr marL="914400" indent="0">
-              <a:buNone/>
-              <a:defRPr sz="1800" b="1"/>
-            </a:lvl3pPr>
-            <a:lvl4pPr marL="1371600" indent="0">
-              <a:buNone/>
-              <a:defRPr sz="1600" b="1"/>
-            </a:lvl4pPr>
-            <a:lvl5pPr marL="1828800" indent="0">
-              <a:buNone/>
-              <a:defRPr sz="1600" b="1"/>
-            </a:lvl5pPr>
-            <a:lvl6pPr marL="2286000" indent="0">
-              <a:buNone/>
-              <a:defRPr sz="1600" b="1"/>
-            </a:lvl6pPr>
-            <a:lvl7pPr marL="2743200" indent="0">
-              <a:buNone/>
-              <a:defRPr sz="1600" b="1"/>
-            </a:lvl7pPr>
-            <a:lvl8pPr marL="3200400" indent="0">
-              <a:buNone/>
-              <a:defRPr sz="1600" b="1"/>
-            </a:lvl8pPr>
-            <a:lvl9pPr marL="3657600" indent="0">
-              <a:buNone/>
-              <a:defRPr sz="1600" b="1"/>
-            </a:lvl9pPr>
-          </a:lstStyle>
-          <a:p>
-            <a:pPr lvl="0"/>
-            <a:r>
-              <a:rPr lang="de-DE" smtClean="0"/>
-              <a:t>Textmasterformat bearbeiten</a:t>
-            </a:r>
-          </a:p>
-        </p:txBody>
-      </p:sp>
-      <p:sp>
-        <p:nvSpPr>
-          <p:cNvPr id="6" name="Content Placeholder 5"/>
-          <p:cNvSpPr>
-            <a:spLocks noGrp="1"/>
-          </p:cNvSpPr>
-          <p:nvPr>
-            <p:ph sz="quarter" idx="4"/>
-          </p:nvPr>
-        </p:nvSpPr>
-        <p:spPr>
-          <a:xfrm>
-            <a:off x="7166957" y="2545738"/>
-            <a:ext cx="4338674" cy="3354060"/>
-          </a:xfrm>
-        </p:spPr>
-        <p:txBody>
-          <a:bodyPr>
-            <a:normAutofit/>
-          </a:bodyPr>
-          <a:lstStyle/>
-          <a:p>
-            <a:pPr lvl="0"/>
-            <a:r>
-              <a:rPr lang="de-DE" smtClean="0"/>
-              <a:t>Textmasterformat bearbeiten</a:t>
-            </a:r>
-          </a:p>
-          <a:p>
-            <a:pPr lvl="1"/>
-            <a:r>
-              <a:rPr lang="de-DE" smtClean="0"/>
-              <a:t>Zweite Ebene</a:t>
-            </a:r>
-          </a:p>
-          <a:p>
-            <a:pPr lvl="2"/>
-            <a:r>
-              <a:rPr lang="de-DE" smtClean="0"/>
-              <a:t>Dritte Ebene</a:t>
-            </a:r>
-          </a:p>
-          <a:p>
-            <a:pPr lvl="3"/>
-            <a:r>
-              <a:rPr lang="de-DE" smtClean="0"/>
-              <a:t>Vierte Ebene</a:t>
-            </a:r>
-          </a:p>
-          <a:p>
-            <a:pPr lvl="4"/>
-            <a:r>
-              <a:rPr lang="de-DE" smtClean="0"/>
-              <a:t>Fünfte Ebene</a:t>
-            </a:r>
-            <a:endParaRPr lang="en-US" dirty="0"/>
-          </a:p>
-        </p:txBody>
-      </p:sp>
-      <p:sp>
-        <p:nvSpPr>
-          <p:cNvPr id="7" name="Date Placeholder 6"/>
+          <p:cNvPr id="2" name="Date Placeholder 1"/>
           <p:cNvSpPr>
             <a:spLocks noGrp="1"/>
           </p:cNvSpPr>
@@ -5288,7 +5797,7 @@
       </p:sp>
       <p:sp>
         <p:nvSpPr>
-          <p:cNvPr id="8" name="Footer Placeholder 7"/>
+          <p:cNvPr id="3" name="Footer Placeholder 2"/>
           <p:cNvSpPr>
             <a:spLocks noGrp="1"/>
           </p:cNvSpPr>
@@ -5311,7 +5820,7 @@
       </p:sp>
       <p:sp>
         <p:nvSpPr>
-          <p:cNvPr id="12" name="Freeform 11"/>
+          <p:cNvPr id="6" name="Freeform 11"/>
           <p:cNvSpPr/>
           <p:nvPr/>
         </p:nvSpPr>
@@ -5393,7 +5902,7 @@
       </p:sp>
       <p:sp>
         <p:nvSpPr>
-          <p:cNvPr id="13" name="Slide Number Placeholder 5"/>
+          <p:cNvPr id="4" name="Slide Number Placeholder 3"/>
           <p:cNvSpPr>
             <a:spLocks noGrp="1"/>
           </p:cNvSpPr>
@@ -5401,12 +5910,7 @@
             <p:ph type="sldNum" sz="quarter" idx="12"/>
           </p:nvPr>
         </p:nvSpPr>
-        <p:spPr>
-          <a:xfrm>
-            <a:off x="531812" y="787782"/>
-            <a:ext cx="779767" cy="365125"/>
-          </a:xfrm>
-        </p:spPr>
+        <p:spPr/>
         <p:txBody>
           <a:bodyPr/>
           <a:lstStyle/>
@@ -5435,9 +5939,9 @@
 </p:sldLayout>
 </file>
 
-<file path=ppt/slideLayouts/slideLayout7.xml><?xml version="1.0" encoding="utf-8"?>
-<p:sldLayout xmlns:a="http://schemas.openxmlformats.org/drawingml/2006/main" xmlns:r="http://schemas.openxmlformats.org/officeDocument/2006/relationships" xmlns:p="http://schemas.openxmlformats.org/presentationml/2006/main" type="titleOnly" preserve="1">
-  <p:cSld name="Nur Titel">
+<file path=ppt/slideLayouts/slideLayout9.xml><?xml version="1.0" encoding="utf-8"?>
+<p:sldLayout xmlns:a="http://schemas.openxmlformats.org/drawingml/2006/main" xmlns:r="http://schemas.openxmlformats.org/officeDocument/2006/relationships" xmlns:p="http://schemas.openxmlformats.org/presentationml/2006/main" type="objTx" preserve="1">
+  <p:cSld name="Inhalt mit Überschrift">
     <p:spTree>
       <p:nvGrpSpPr>
         <p:cNvPr id="1" name=""/>
@@ -5462,10 +5966,19 @@
             <p:ph type="title"/>
           </p:nvPr>
         </p:nvSpPr>
-        <p:spPr/>
-        <p:txBody>
-          <a:bodyPr/>
-          <a:lstStyle/>
+        <p:spPr>
+          <a:xfrm>
+            <a:off x="2589212" y="446088"/>
+            <a:ext cx="3505199" cy="976312"/>
+          </a:xfrm>
+        </p:spPr>
+        <p:txBody>
+          <a:bodyPr anchor="b"/>
+          <a:lstStyle>
+            <a:lvl1pPr algn="l">
+              <a:defRPr sz="2000" b="0"/>
+            </a:lvl1pPr>
+          </a:lstStyle>
           <a:p>
             <a:r>
               <a:rPr lang="de-DE" smtClean="0"/>
@@ -5477,7 +5990,131 @@
       </p:sp>
       <p:sp>
         <p:nvSpPr>
-          <p:cNvPr id="3" name="Date Placeholder 2"/>
+          <p:cNvPr id="3" name="Content Placeholder 2"/>
+          <p:cNvSpPr>
+            <a:spLocks noGrp="1"/>
+          </p:cNvSpPr>
+          <p:nvPr>
+            <p:ph idx="1"/>
+          </p:nvPr>
+        </p:nvSpPr>
+        <p:spPr>
+          <a:xfrm>
+            <a:off x="6323012" y="446088"/>
+            <a:ext cx="5181600" cy="5414963"/>
+          </a:xfrm>
+        </p:spPr>
+        <p:txBody>
+          <a:bodyPr anchor="ctr">
+            <a:normAutofit/>
+          </a:bodyPr>
+          <a:lstStyle/>
+          <a:p>
+            <a:pPr lvl="0"/>
+            <a:r>
+              <a:rPr lang="de-DE" smtClean="0"/>
+              <a:t>Textmasterformat bearbeiten</a:t>
+            </a:r>
+          </a:p>
+          <a:p>
+            <a:pPr lvl="1"/>
+            <a:r>
+              <a:rPr lang="de-DE" smtClean="0"/>
+              <a:t>Zweite Ebene</a:t>
+            </a:r>
+          </a:p>
+          <a:p>
+            <a:pPr lvl="2"/>
+            <a:r>
+              <a:rPr lang="de-DE" smtClean="0"/>
+              <a:t>Dritte Ebene</a:t>
+            </a:r>
+          </a:p>
+          <a:p>
+            <a:pPr lvl="3"/>
+            <a:r>
+              <a:rPr lang="de-DE" smtClean="0"/>
+              <a:t>Vierte Ebene</a:t>
+            </a:r>
+          </a:p>
+          <a:p>
+            <a:pPr lvl="4"/>
+            <a:r>
+              <a:rPr lang="de-DE" smtClean="0"/>
+              <a:t>Fünfte Ebene</a:t>
+            </a:r>
+            <a:endParaRPr lang="en-US" dirty="0"/>
+          </a:p>
+        </p:txBody>
+      </p:sp>
+      <p:sp>
+        <p:nvSpPr>
+          <p:cNvPr id="4" name="Text Placeholder 3"/>
+          <p:cNvSpPr>
+            <a:spLocks noGrp="1"/>
+          </p:cNvSpPr>
+          <p:nvPr>
+            <p:ph type="body" sz="half" idx="2"/>
+          </p:nvPr>
+        </p:nvSpPr>
+        <p:spPr>
+          <a:xfrm>
+            <a:off x="2589212" y="1598613"/>
+            <a:ext cx="3505199" cy="4262436"/>
+          </a:xfrm>
+        </p:spPr>
+        <p:txBody>
+          <a:bodyPr/>
+          <a:lstStyle>
+            <a:lvl1pPr marL="0" indent="0">
+              <a:buNone/>
+              <a:defRPr sz="1400"/>
+            </a:lvl1pPr>
+            <a:lvl2pPr marL="457200" indent="0">
+              <a:buNone/>
+              <a:defRPr sz="1200"/>
+            </a:lvl2pPr>
+            <a:lvl3pPr marL="914400" indent="0">
+              <a:buNone/>
+              <a:defRPr sz="1000"/>
+            </a:lvl3pPr>
+            <a:lvl4pPr marL="1371600" indent="0">
+              <a:buNone/>
+              <a:defRPr sz="900"/>
+            </a:lvl4pPr>
+            <a:lvl5pPr marL="1828800" indent="0">
+              <a:buNone/>
+              <a:defRPr sz="900"/>
+            </a:lvl5pPr>
+            <a:lvl6pPr marL="2286000" indent="0">
+              <a:buNone/>
+              <a:defRPr sz="900"/>
+            </a:lvl6pPr>
+            <a:lvl7pPr marL="2743200" indent="0">
+              <a:buNone/>
+              <a:defRPr sz="900"/>
+            </a:lvl7pPr>
+            <a:lvl8pPr marL="3200400" indent="0">
+              <a:buNone/>
+              <a:defRPr sz="900"/>
+            </a:lvl8pPr>
+            <a:lvl9pPr marL="3657600" indent="0">
+              <a:buNone/>
+              <a:defRPr sz="900"/>
+            </a:lvl9pPr>
+          </a:lstStyle>
+          <a:p>
+            <a:pPr lvl="0"/>
+            <a:r>
+              <a:rPr lang="de-DE" smtClean="0"/>
+              <a:t>Textmasterformat bearbeiten</a:t>
+            </a:r>
+          </a:p>
+        </p:txBody>
+      </p:sp>
+      <p:sp>
+        <p:nvSpPr>
+          <p:cNvPr id="5" name="Date Placeholder 4"/>
           <p:cNvSpPr>
             <a:spLocks noGrp="1"/>
           </p:cNvSpPr>
@@ -5500,7 +6137,7 @@
       </p:sp>
       <p:sp>
         <p:nvSpPr>
-          <p:cNvPr id="4" name="Footer Placeholder 3"/>
+          <p:cNvPr id="6" name="Footer Placeholder 5"/>
           <p:cNvSpPr>
             <a:spLocks noGrp="1"/>
           </p:cNvSpPr>
@@ -5523,7 +6160,7 @@
       </p:sp>
       <p:sp>
         <p:nvSpPr>
-          <p:cNvPr id="7" name="Freeform 11"/>
+          <p:cNvPr id="9" name="Freeform 11"/>
           <p:cNvSpPr/>
           <p:nvPr/>
         </p:nvSpPr>
@@ -5605,530 +6242,6 @@
       </p:sp>
       <p:sp>
         <p:nvSpPr>
-          <p:cNvPr id="5" name="Slide Number Placeholder 4"/>
-          <p:cNvSpPr>
-            <a:spLocks noGrp="1"/>
-          </p:cNvSpPr>
-          <p:nvPr>
-            <p:ph type="sldNum" sz="quarter" idx="12"/>
-          </p:nvPr>
-        </p:nvSpPr>
-        <p:spPr/>
-        <p:txBody>
-          <a:bodyPr/>
-          <a:lstStyle/>
-          <a:p>
-            <a:fld id="{D57F1E4F-1CFF-5643-939E-217C01CDF565}" type="slidenum">
-              <a:rPr lang="en-US" dirty="0"/>
-              <a:pPr/>
-              <a:t>‹Nr.›</a:t>
-            </a:fld>
-            <a:endParaRPr lang="en-US" dirty="0"/>
-          </a:p>
-        </p:txBody>
-      </p:sp>
-    </p:spTree>
-  </p:cSld>
-  <p:clrMapOvr>
-    <a:masterClrMapping/>
-  </p:clrMapOvr>
-  <p:timing>
-    <p:tnLst>
-      <p:par>
-        <p:cTn id="1" dur="indefinite" restart="never" nodeType="tmRoot"/>
-      </p:par>
-    </p:tnLst>
-  </p:timing>
-</p:sldLayout>
-</file>
-
-<file path=ppt/slideLayouts/slideLayout8.xml><?xml version="1.0" encoding="utf-8"?>
-<p:sldLayout xmlns:a="http://schemas.openxmlformats.org/drawingml/2006/main" xmlns:r="http://schemas.openxmlformats.org/officeDocument/2006/relationships" xmlns:p="http://schemas.openxmlformats.org/presentationml/2006/main" type="blank" preserve="1">
-  <p:cSld name="Leer">
-    <p:spTree>
-      <p:nvGrpSpPr>
-        <p:cNvPr id="1" name=""/>
-        <p:cNvGrpSpPr/>
-        <p:nvPr/>
-      </p:nvGrpSpPr>
-      <p:grpSpPr>
-        <a:xfrm>
-          <a:off x="0" y="0"/>
-          <a:ext cx="0" cy="0"/>
-          <a:chOff x="0" y="0"/>
-          <a:chExt cx="0" cy="0"/>
-        </a:xfrm>
-      </p:grpSpPr>
-      <p:sp>
-        <p:nvSpPr>
-          <p:cNvPr id="2" name="Date Placeholder 1"/>
-          <p:cNvSpPr>
-            <a:spLocks noGrp="1"/>
-          </p:cNvSpPr>
-          <p:nvPr>
-            <p:ph type="dt" sz="half" idx="10"/>
-          </p:nvPr>
-        </p:nvSpPr>
-        <p:spPr/>
-        <p:txBody>
-          <a:bodyPr/>
-          <a:lstStyle/>
-          <a:p>
-            <a:r>
-              <a:rPr lang="de-CH" smtClean="0"/>
-              <a:t>02.06.2017</a:t>
-            </a:r>
-            <a:endParaRPr lang="en-US" dirty="0"/>
-          </a:p>
-        </p:txBody>
-      </p:sp>
-      <p:sp>
-        <p:nvSpPr>
-          <p:cNvPr id="3" name="Footer Placeholder 2"/>
-          <p:cNvSpPr>
-            <a:spLocks noGrp="1"/>
-          </p:cNvSpPr>
-          <p:nvPr>
-            <p:ph type="ftr" sz="quarter" idx="11"/>
-          </p:nvPr>
-        </p:nvSpPr>
-        <p:spPr/>
-        <p:txBody>
-          <a:bodyPr/>
-          <a:lstStyle/>
-          <a:p>
-            <a:r>
-              <a:rPr lang="en-US" smtClean="0"/>
-              <a:t>Referent: Carigiet Nico</a:t>
-            </a:r>
-            <a:endParaRPr lang="en-US" dirty="0"/>
-          </a:p>
-        </p:txBody>
-      </p:sp>
-      <p:sp>
-        <p:nvSpPr>
-          <p:cNvPr id="6" name="Freeform 11"/>
-          <p:cNvSpPr/>
-          <p:nvPr/>
-        </p:nvSpPr>
-        <p:spPr bwMode="auto">
-          <a:xfrm flipV="1">
-            <a:off x="-4189" y="714375"/>
-            <a:ext cx="1588527" cy="507297"/>
-          </a:xfrm>
-          <a:custGeom>
-            <a:avLst/>
-            <a:gdLst/>
-            <a:ahLst/>
-            <a:cxnLst/>
-            <a:rect l="l" t="t" r="r" b="b"/>
-            <a:pathLst>
-              <a:path w="9248" h="10000">
-                <a:moveTo>
-                  <a:pt x="9248" y="4701"/>
-                </a:moveTo>
-                <a:lnTo>
-                  <a:pt x="7915" y="188"/>
-                </a:lnTo>
-                <a:cubicBezTo>
-                  <a:pt x="7906" y="156"/>
-                  <a:pt x="7895" y="126"/>
-                  <a:pt x="7886" y="94"/>
-                </a:cubicBezTo>
-                <a:cubicBezTo>
-                  <a:pt x="7859" y="0"/>
-                  <a:pt x="7831" y="0"/>
-                  <a:pt x="7803" y="0"/>
-                </a:cubicBezTo>
-                <a:lnTo>
-                  <a:pt x="7275" y="0"/>
-                </a:lnTo>
-                <a:lnTo>
-                  <a:pt x="0" y="70"/>
-                </a:lnTo>
-                <a:cubicBezTo>
-                  <a:pt x="8" y="3380"/>
-                  <a:pt x="17" y="6690"/>
-                  <a:pt x="25" y="10000"/>
-                </a:cubicBezTo>
-                <a:lnTo>
-                  <a:pt x="7275" y="9966"/>
-                </a:lnTo>
-                <a:lnTo>
-                  <a:pt x="7803" y="9966"/>
-                </a:lnTo>
-                <a:cubicBezTo>
-                  <a:pt x="7831" y="9966"/>
-                  <a:pt x="7859" y="9872"/>
-                  <a:pt x="7886" y="9872"/>
-                </a:cubicBezTo>
-                <a:cubicBezTo>
-                  <a:pt x="7886" y="9778"/>
-                  <a:pt x="7915" y="9778"/>
-                  <a:pt x="7915" y="9778"/>
-                </a:cubicBezTo>
-                <a:lnTo>
-                  <a:pt x="9248" y="5265"/>
-                </a:lnTo>
-                <a:cubicBezTo>
-                  <a:pt x="9303" y="5077"/>
-                  <a:pt x="9303" y="4889"/>
-                  <a:pt x="9248" y="4701"/>
-                </a:cubicBezTo>
-                <a:close/>
-              </a:path>
-            </a:pathLst>
-          </a:custGeom>
-          <a:solidFill>
-            <a:schemeClr val="accent1"/>
-          </a:solidFill>
-          <a:ln>
-            <a:noFill/>
-          </a:ln>
-        </p:spPr>
-      </p:sp>
-      <p:sp>
-        <p:nvSpPr>
-          <p:cNvPr id="4" name="Slide Number Placeholder 3"/>
-          <p:cNvSpPr>
-            <a:spLocks noGrp="1"/>
-          </p:cNvSpPr>
-          <p:nvPr>
-            <p:ph type="sldNum" sz="quarter" idx="12"/>
-          </p:nvPr>
-        </p:nvSpPr>
-        <p:spPr/>
-        <p:txBody>
-          <a:bodyPr/>
-          <a:lstStyle/>
-          <a:p>
-            <a:fld id="{D57F1E4F-1CFF-5643-939E-217C01CDF565}" type="slidenum">
-              <a:rPr lang="en-US" dirty="0"/>
-              <a:pPr/>
-              <a:t>‹Nr.›</a:t>
-            </a:fld>
-            <a:endParaRPr lang="en-US" dirty="0"/>
-          </a:p>
-        </p:txBody>
-      </p:sp>
-    </p:spTree>
-  </p:cSld>
-  <p:clrMapOvr>
-    <a:masterClrMapping/>
-  </p:clrMapOvr>
-  <p:timing>
-    <p:tnLst>
-      <p:par>
-        <p:cTn id="1" dur="indefinite" restart="never" nodeType="tmRoot"/>
-      </p:par>
-    </p:tnLst>
-  </p:timing>
-</p:sldLayout>
-</file>
-
-<file path=ppt/slideLayouts/slideLayout9.xml><?xml version="1.0" encoding="utf-8"?>
-<p:sldLayout xmlns:a="http://schemas.openxmlformats.org/drawingml/2006/main" xmlns:r="http://schemas.openxmlformats.org/officeDocument/2006/relationships" xmlns:p="http://schemas.openxmlformats.org/presentationml/2006/main" type="objTx" preserve="1">
-  <p:cSld name="Inhalt mit Überschrift">
-    <p:spTree>
-      <p:nvGrpSpPr>
-        <p:cNvPr id="1" name=""/>
-        <p:cNvGrpSpPr/>
-        <p:nvPr/>
-      </p:nvGrpSpPr>
-      <p:grpSpPr>
-        <a:xfrm>
-          <a:off x="0" y="0"/>
-          <a:ext cx="0" cy="0"/>
-          <a:chOff x="0" y="0"/>
-          <a:chExt cx="0" cy="0"/>
-        </a:xfrm>
-      </p:grpSpPr>
-      <p:sp>
-        <p:nvSpPr>
-          <p:cNvPr id="2" name="Title 1"/>
-          <p:cNvSpPr>
-            <a:spLocks noGrp="1"/>
-          </p:cNvSpPr>
-          <p:nvPr>
-            <p:ph type="title"/>
-          </p:nvPr>
-        </p:nvSpPr>
-        <p:spPr>
-          <a:xfrm>
-            <a:off x="2589212" y="446088"/>
-            <a:ext cx="3505199" cy="976312"/>
-          </a:xfrm>
-        </p:spPr>
-        <p:txBody>
-          <a:bodyPr anchor="b"/>
-          <a:lstStyle>
-            <a:lvl1pPr algn="l">
-              <a:defRPr sz="2000" b="0"/>
-            </a:lvl1pPr>
-          </a:lstStyle>
-          <a:p>
-            <a:r>
-              <a:rPr lang="de-DE" smtClean="0"/>
-              <a:t>Titelmasterformat durch Klicken bearbeiten</a:t>
-            </a:r>
-            <a:endParaRPr lang="en-US" dirty="0"/>
-          </a:p>
-        </p:txBody>
-      </p:sp>
-      <p:sp>
-        <p:nvSpPr>
-          <p:cNvPr id="3" name="Content Placeholder 2"/>
-          <p:cNvSpPr>
-            <a:spLocks noGrp="1"/>
-          </p:cNvSpPr>
-          <p:nvPr>
-            <p:ph idx="1"/>
-          </p:nvPr>
-        </p:nvSpPr>
-        <p:spPr>
-          <a:xfrm>
-            <a:off x="6323012" y="446088"/>
-            <a:ext cx="5181600" cy="5414963"/>
-          </a:xfrm>
-        </p:spPr>
-        <p:txBody>
-          <a:bodyPr anchor="ctr">
-            <a:normAutofit/>
-          </a:bodyPr>
-          <a:lstStyle/>
-          <a:p>
-            <a:pPr lvl="0"/>
-            <a:r>
-              <a:rPr lang="de-DE" smtClean="0"/>
-              <a:t>Textmasterformat bearbeiten</a:t>
-            </a:r>
-          </a:p>
-          <a:p>
-            <a:pPr lvl="1"/>
-            <a:r>
-              <a:rPr lang="de-DE" smtClean="0"/>
-              <a:t>Zweite Ebene</a:t>
-            </a:r>
-          </a:p>
-          <a:p>
-            <a:pPr lvl="2"/>
-            <a:r>
-              <a:rPr lang="de-DE" smtClean="0"/>
-              <a:t>Dritte Ebene</a:t>
-            </a:r>
-          </a:p>
-          <a:p>
-            <a:pPr lvl="3"/>
-            <a:r>
-              <a:rPr lang="de-DE" smtClean="0"/>
-              <a:t>Vierte Ebene</a:t>
-            </a:r>
-          </a:p>
-          <a:p>
-            <a:pPr lvl="4"/>
-            <a:r>
-              <a:rPr lang="de-DE" smtClean="0"/>
-              <a:t>Fünfte Ebene</a:t>
-            </a:r>
-            <a:endParaRPr lang="en-US" dirty="0"/>
-          </a:p>
-        </p:txBody>
-      </p:sp>
-      <p:sp>
-        <p:nvSpPr>
-          <p:cNvPr id="4" name="Text Placeholder 3"/>
-          <p:cNvSpPr>
-            <a:spLocks noGrp="1"/>
-          </p:cNvSpPr>
-          <p:nvPr>
-            <p:ph type="body" sz="half" idx="2"/>
-          </p:nvPr>
-        </p:nvSpPr>
-        <p:spPr>
-          <a:xfrm>
-            <a:off x="2589212" y="1598613"/>
-            <a:ext cx="3505199" cy="4262436"/>
-          </a:xfrm>
-        </p:spPr>
-        <p:txBody>
-          <a:bodyPr/>
-          <a:lstStyle>
-            <a:lvl1pPr marL="0" indent="0">
-              <a:buNone/>
-              <a:defRPr sz="1400"/>
-            </a:lvl1pPr>
-            <a:lvl2pPr marL="457200" indent="0">
-              <a:buNone/>
-              <a:defRPr sz="1200"/>
-            </a:lvl2pPr>
-            <a:lvl3pPr marL="914400" indent="0">
-              <a:buNone/>
-              <a:defRPr sz="1000"/>
-            </a:lvl3pPr>
-            <a:lvl4pPr marL="1371600" indent="0">
-              <a:buNone/>
-              <a:defRPr sz="900"/>
-            </a:lvl4pPr>
-            <a:lvl5pPr marL="1828800" indent="0">
-              <a:buNone/>
-              <a:defRPr sz="900"/>
-            </a:lvl5pPr>
-            <a:lvl6pPr marL="2286000" indent="0">
-              <a:buNone/>
-              <a:defRPr sz="900"/>
-            </a:lvl6pPr>
-            <a:lvl7pPr marL="2743200" indent="0">
-              <a:buNone/>
-              <a:defRPr sz="900"/>
-            </a:lvl7pPr>
-            <a:lvl8pPr marL="3200400" indent="0">
-              <a:buNone/>
-              <a:defRPr sz="900"/>
-            </a:lvl8pPr>
-            <a:lvl9pPr marL="3657600" indent="0">
-              <a:buNone/>
-              <a:defRPr sz="900"/>
-            </a:lvl9pPr>
-          </a:lstStyle>
-          <a:p>
-            <a:pPr lvl="0"/>
-            <a:r>
-              <a:rPr lang="de-DE" smtClean="0"/>
-              <a:t>Textmasterformat bearbeiten</a:t>
-            </a:r>
-          </a:p>
-        </p:txBody>
-      </p:sp>
-      <p:sp>
-        <p:nvSpPr>
-          <p:cNvPr id="5" name="Date Placeholder 4"/>
-          <p:cNvSpPr>
-            <a:spLocks noGrp="1"/>
-          </p:cNvSpPr>
-          <p:nvPr>
-            <p:ph type="dt" sz="half" idx="10"/>
-          </p:nvPr>
-        </p:nvSpPr>
-        <p:spPr/>
-        <p:txBody>
-          <a:bodyPr/>
-          <a:lstStyle/>
-          <a:p>
-            <a:r>
-              <a:rPr lang="de-CH" smtClean="0"/>
-              <a:t>02.06.2017</a:t>
-            </a:r>
-            <a:endParaRPr lang="en-US" dirty="0"/>
-          </a:p>
-        </p:txBody>
-      </p:sp>
-      <p:sp>
-        <p:nvSpPr>
-          <p:cNvPr id="6" name="Footer Placeholder 5"/>
-          <p:cNvSpPr>
-            <a:spLocks noGrp="1"/>
-          </p:cNvSpPr>
-          <p:nvPr>
-            <p:ph type="ftr" sz="quarter" idx="11"/>
-          </p:nvPr>
-        </p:nvSpPr>
-        <p:spPr/>
-        <p:txBody>
-          <a:bodyPr/>
-          <a:lstStyle/>
-          <a:p>
-            <a:r>
-              <a:rPr lang="en-US" smtClean="0"/>
-              <a:t>Referent: Carigiet Nico</a:t>
-            </a:r>
-            <a:endParaRPr lang="en-US" dirty="0"/>
-          </a:p>
-        </p:txBody>
-      </p:sp>
-      <p:sp>
-        <p:nvSpPr>
-          <p:cNvPr id="9" name="Freeform 11"/>
-          <p:cNvSpPr/>
-          <p:nvPr/>
-        </p:nvSpPr>
-        <p:spPr bwMode="auto">
-          <a:xfrm flipV="1">
-            <a:off x="-4189" y="714375"/>
-            <a:ext cx="1588527" cy="507297"/>
-          </a:xfrm>
-          <a:custGeom>
-            <a:avLst/>
-            <a:gdLst/>
-            <a:ahLst/>
-            <a:cxnLst/>
-            <a:rect l="l" t="t" r="r" b="b"/>
-            <a:pathLst>
-              <a:path w="9248" h="10000">
-                <a:moveTo>
-                  <a:pt x="9248" y="4701"/>
-                </a:moveTo>
-                <a:lnTo>
-                  <a:pt x="7915" y="188"/>
-                </a:lnTo>
-                <a:cubicBezTo>
-                  <a:pt x="7906" y="156"/>
-                  <a:pt x="7895" y="126"/>
-                  <a:pt x="7886" y="94"/>
-                </a:cubicBezTo>
-                <a:cubicBezTo>
-                  <a:pt x="7859" y="0"/>
-                  <a:pt x="7831" y="0"/>
-                  <a:pt x="7803" y="0"/>
-                </a:cubicBezTo>
-                <a:lnTo>
-                  <a:pt x="7275" y="0"/>
-                </a:lnTo>
-                <a:lnTo>
-                  <a:pt x="0" y="70"/>
-                </a:lnTo>
-                <a:cubicBezTo>
-                  <a:pt x="8" y="3380"/>
-                  <a:pt x="17" y="6690"/>
-                  <a:pt x="25" y="10000"/>
-                </a:cubicBezTo>
-                <a:lnTo>
-                  <a:pt x="7275" y="9966"/>
-                </a:lnTo>
-                <a:lnTo>
-                  <a:pt x="7803" y="9966"/>
-                </a:lnTo>
-                <a:cubicBezTo>
-                  <a:pt x="7831" y="9966"/>
-                  <a:pt x="7859" y="9872"/>
-                  <a:pt x="7886" y="9872"/>
-                </a:cubicBezTo>
-                <a:cubicBezTo>
-                  <a:pt x="7886" y="9778"/>
-                  <a:pt x="7915" y="9778"/>
-                  <a:pt x="7915" y="9778"/>
-                </a:cubicBezTo>
-                <a:lnTo>
-                  <a:pt x="9248" y="5265"/>
-                </a:lnTo>
-                <a:cubicBezTo>
-                  <a:pt x="9303" y="5077"/>
-                  <a:pt x="9303" y="4889"/>
-                  <a:pt x="9248" y="4701"/>
-                </a:cubicBezTo>
-                <a:close/>
-              </a:path>
-            </a:pathLst>
-          </a:custGeom>
-          <a:solidFill>
-            <a:schemeClr val="accent1"/>
-          </a:solidFill>
-          <a:ln>
-            <a:noFill/>
-          </a:ln>
-        </p:spPr>
-      </p:sp>
-      <p:sp>
-        <p:nvSpPr>
           <p:cNvPr id="7" name="Slide Number Placeholder 6"/>
           <p:cNvSpPr>
             <a:spLocks noGrp="1"/>
@@ -8222,10 +8335,10 @@
     <p:sldLayoutId id="2147483665" r:id="rId1"/>
     <p:sldLayoutId id="2147483650" r:id="rId2"/>
     <p:sldLayoutId id="2147483651" r:id="rId3"/>
-    <p:sldLayoutId id="2147483649" r:id="rId4"/>
-    <p:sldLayoutId id="2147483652" r:id="rId5"/>
-    <p:sldLayoutId id="2147483653" r:id="rId6"/>
-    <p:sldLayoutId id="2147483654" r:id="rId7"/>
+    <p:sldLayoutId id="2147483652" r:id="rId4"/>
+    <p:sldLayoutId id="2147483654" r:id="rId5"/>
+    <p:sldLayoutId id="2147483649" r:id="rId6"/>
+    <p:sldLayoutId id="2147483653" r:id="rId7"/>
     <p:sldLayoutId id="2147483655" r:id="rId8"/>
     <p:sldLayoutId id="2147483656" r:id="rId9"/>
     <p:sldLayoutId id="2147483657" r:id="rId10"/>
@@ -8841,6 +8954,2149 @@
 </p:sld>
 </file>
 
+<file path=ppt/slides/slide10.xml><?xml version="1.0" encoding="utf-8"?>
+<p:sld xmlns:a="http://schemas.openxmlformats.org/drawingml/2006/main" xmlns:r="http://schemas.openxmlformats.org/officeDocument/2006/relationships" xmlns:p="http://schemas.openxmlformats.org/presentationml/2006/main">
+  <p:cSld>
+    <p:spTree>
+      <p:nvGrpSpPr>
+        <p:cNvPr id="1" name=""/>
+        <p:cNvGrpSpPr/>
+        <p:nvPr/>
+      </p:nvGrpSpPr>
+      <p:grpSpPr>
+        <a:xfrm>
+          <a:off x="0" y="0"/>
+          <a:ext cx="0" cy="0"/>
+          <a:chOff x="0" y="0"/>
+          <a:chExt cx="0" cy="0"/>
+        </a:xfrm>
+      </p:grpSpPr>
+      <p:sp>
+        <p:nvSpPr>
+          <p:cNvPr id="2" name="Titel 1"/>
+          <p:cNvSpPr>
+            <a:spLocks noGrp="1"/>
+          </p:cNvSpPr>
+          <p:nvPr>
+            <p:ph type="title"/>
+          </p:nvPr>
+        </p:nvSpPr>
+        <p:spPr>
+          <a:xfrm>
+            <a:off x="2592925" y="624110"/>
+            <a:ext cx="8911687" cy="728440"/>
+          </a:xfrm>
+        </p:spPr>
+        <p:txBody>
+          <a:bodyPr>
+            <a:normAutofit/>
+          </a:bodyPr>
+          <a:lstStyle/>
+          <a:p>
+            <a:r>
+              <a:rPr lang="de-CH" dirty="0" err="1" smtClean="0"/>
+              <a:t>Active</a:t>
+            </a:r>
+            <a:r>
+              <a:rPr lang="de-CH" dirty="0" smtClean="0"/>
+              <a:t> Directory AD</a:t>
+            </a:r>
+            <a:endParaRPr lang="de-CH" sz="4000" dirty="0"/>
+          </a:p>
+        </p:txBody>
+      </p:sp>
+      <p:sp>
+        <p:nvSpPr>
+          <p:cNvPr id="4" name="Foliennummernplatzhalter 3"/>
+          <p:cNvSpPr>
+            <a:spLocks noGrp="1"/>
+          </p:cNvSpPr>
+          <p:nvPr>
+            <p:ph type="sldNum" sz="quarter" idx="12"/>
+          </p:nvPr>
+        </p:nvSpPr>
+        <p:spPr/>
+        <p:txBody>
+          <a:bodyPr/>
+          <a:lstStyle/>
+          <a:p>
+            <a:fld id="{D57F1E4F-1CFF-5643-939E-217C01CDF565}" type="slidenum">
+              <a:rPr lang="en-US" smtClean="0"/>
+              <a:pPr/>
+              <a:t>10</a:t>
+            </a:fld>
+            <a:endParaRPr lang="en-US" dirty="0"/>
+          </a:p>
+        </p:txBody>
+      </p:sp>
+      <p:sp>
+        <p:nvSpPr>
+          <p:cNvPr id="5" name="Datumsplatzhalter 4"/>
+          <p:cNvSpPr>
+            <a:spLocks noGrp="1"/>
+          </p:cNvSpPr>
+          <p:nvPr>
+            <p:ph type="dt" sz="half" idx="13"/>
+          </p:nvPr>
+        </p:nvSpPr>
+        <p:spPr/>
+        <p:txBody>
+          <a:bodyPr/>
+          <a:lstStyle/>
+          <a:p>
+            <a:r>
+              <a:rPr lang="de-CH" b="1" dirty="0" smtClean="0"/>
+              <a:t>02.06.2017</a:t>
+            </a:r>
+            <a:endParaRPr lang="en-US" sz="1000" b="1" dirty="0"/>
+          </a:p>
+        </p:txBody>
+      </p:sp>
+      <p:sp>
+        <p:nvSpPr>
+          <p:cNvPr id="6" name="Fußzeilenplatzhalter 5"/>
+          <p:cNvSpPr>
+            <a:spLocks noGrp="1"/>
+          </p:cNvSpPr>
+          <p:nvPr>
+            <p:ph type="ftr" sz="quarter" idx="14"/>
+          </p:nvPr>
+        </p:nvSpPr>
+        <p:spPr/>
+        <p:txBody>
+          <a:bodyPr/>
+          <a:lstStyle/>
+          <a:p>
+            <a:r>
+              <a:rPr lang="en-US" b="1" dirty="0" smtClean="0"/>
+              <a:t>Referent: </a:t>
+            </a:r>
+            <a:r>
+              <a:rPr lang="en-US" b="1" dirty="0" err="1" smtClean="0"/>
+              <a:t>Carigiet</a:t>
+            </a:r>
+            <a:r>
+              <a:rPr lang="en-US" b="1" dirty="0" smtClean="0"/>
+              <a:t> </a:t>
+            </a:r>
+            <a:r>
+              <a:rPr lang="en-US" b="1" dirty="0" err="1" smtClean="0"/>
+              <a:t>Nico</a:t>
+            </a:r>
+            <a:endParaRPr lang="en-US" b="1" dirty="0"/>
+          </a:p>
+        </p:txBody>
+      </p:sp>
+      <p:sp>
+        <p:nvSpPr>
+          <p:cNvPr id="7" name="Inhaltsplatzhalter 2"/>
+          <p:cNvSpPr>
+            <a:spLocks noGrp="1"/>
+          </p:cNvSpPr>
+          <p:nvPr>
+            <p:ph idx="1"/>
+          </p:nvPr>
+        </p:nvSpPr>
+        <p:spPr>
+          <a:xfrm>
+            <a:off x="2589212" y="1628776"/>
+            <a:ext cx="8915400" cy="4286249"/>
+          </a:xfrm>
+        </p:spPr>
+        <p:txBody>
+          <a:bodyPr>
+            <a:normAutofit/>
+          </a:bodyPr>
+          <a:lstStyle/>
+          <a:p>
+            <a:endParaRPr lang="de-CH" dirty="0" smtClean="0"/>
+          </a:p>
+          <a:p>
+            <a:r>
+              <a:rPr lang="de-CH" dirty="0" smtClean="0"/>
+              <a:t>Domänenstruktur</a:t>
+            </a:r>
+          </a:p>
+          <a:p>
+            <a:endParaRPr lang="de-CH" dirty="0" smtClean="0"/>
+          </a:p>
+          <a:p>
+            <a:r>
+              <a:rPr lang="de-CH" dirty="0" smtClean="0"/>
+              <a:t>Organisationseinheit</a:t>
+            </a:r>
+          </a:p>
+          <a:p>
+            <a:endParaRPr lang="de-CH" dirty="0" smtClean="0"/>
+          </a:p>
+          <a:p>
+            <a:r>
+              <a:rPr lang="de-CH" dirty="0" smtClean="0"/>
+              <a:t>Benutzer und Gruppen Konzept</a:t>
+            </a:r>
+          </a:p>
+          <a:p>
+            <a:endParaRPr lang="de-CH" dirty="0" smtClean="0"/>
+          </a:p>
+          <a:p>
+            <a:r>
+              <a:rPr lang="de-CH" dirty="0"/>
+              <a:t>Freigaben und Rechte</a:t>
+            </a:r>
+          </a:p>
+          <a:p>
+            <a:pPr marL="0" indent="0">
+              <a:buNone/>
+            </a:pPr>
+            <a:endParaRPr lang="de-CH" dirty="0" smtClean="0"/>
+          </a:p>
+        </p:txBody>
+      </p:sp>
+    </p:spTree>
+    <p:extLst>
+      <p:ext uri="{BB962C8B-B14F-4D97-AF65-F5344CB8AC3E}">
+        <p14:creationId xmlns:p14="http://schemas.microsoft.com/office/powerpoint/2010/main" val="3267587248"/>
+      </p:ext>
+    </p:extLst>
+  </p:cSld>
+  <p:clrMapOvr>
+    <a:masterClrMapping/>
+  </p:clrMapOvr>
+  <p:timing>
+    <p:tnLst>
+      <p:par>
+        <p:cTn id="1" dur="indefinite" restart="never" nodeType="tmRoot"/>
+      </p:par>
+    </p:tnLst>
+  </p:timing>
+</p:sld>
+</file>
+
+<file path=ppt/slides/slide11.xml><?xml version="1.0" encoding="utf-8"?>
+<p:sld xmlns:a="http://schemas.openxmlformats.org/drawingml/2006/main" xmlns:r="http://schemas.openxmlformats.org/officeDocument/2006/relationships" xmlns:p="http://schemas.openxmlformats.org/presentationml/2006/main">
+  <p:cSld>
+    <p:spTree>
+      <p:nvGrpSpPr>
+        <p:cNvPr id="1" name=""/>
+        <p:cNvGrpSpPr/>
+        <p:nvPr/>
+      </p:nvGrpSpPr>
+      <p:grpSpPr>
+        <a:xfrm>
+          <a:off x="0" y="0"/>
+          <a:ext cx="0" cy="0"/>
+          <a:chOff x="0" y="0"/>
+          <a:chExt cx="0" cy="0"/>
+        </a:xfrm>
+      </p:grpSpPr>
+      <p:sp>
+        <p:nvSpPr>
+          <p:cNvPr id="2" name="Titel 1"/>
+          <p:cNvSpPr>
+            <a:spLocks noGrp="1"/>
+          </p:cNvSpPr>
+          <p:nvPr>
+            <p:ph type="title"/>
+          </p:nvPr>
+        </p:nvSpPr>
+        <p:spPr>
+          <a:xfrm>
+            <a:off x="2592925" y="624110"/>
+            <a:ext cx="8911687" cy="728440"/>
+          </a:xfrm>
+        </p:spPr>
+        <p:txBody>
+          <a:bodyPr>
+            <a:normAutofit/>
+          </a:bodyPr>
+          <a:lstStyle/>
+          <a:p>
+            <a:r>
+              <a:rPr lang="de-CH" dirty="0" smtClean="0"/>
+              <a:t>Namensauflösung DNS</a:t>
+            </a:r>
+            <a:endParaRPr lang="de-CH" sz="4000" dirty="0"/>
+          </a:p>
+        </p:txBody>
+      </p:sp>
+      <p:sp>
+        <p:nvSpPr>
+          <p:cNvPr id="4" name="Foliennummernplatzhalter 3"/>
+          <p:cNvSpPr>
+            <a:spLocks noGrp="1"/>
+          </p:cNvSpPr>
+          <p:nvPr>
+            <p:ph type="sldNum" sz="quarter" idx="12"/>
+          </p:nvPr>
+        </p:nvSpPr>
+        <p:spPr/>
+        <p:txBody>
+          <a:bodyPr/>
+          <a:lstStyle/>
+          <a:p>
+            <a:fld id="{D57F1E4F-1CFF-5643-939E-217C01CDF565}" type="slidenum">
+              <a:rPr lang="en-US" smtClean="0"/>
+              <a:pPr/>
+              <a:t>11</a:t>
+            </a:fld>
+            <a:endParaRPr lang="en-US" dirty="0"/>
+          </a:p>
+        </p:txBody>
+      </p:sp>
+      <p:sp>
+        <p:nvSpPr>
+          <p:cNvPr id="5" name="Datumsplatzhalter 4"/>
+          <p:cNvSpPr>
+            <a:spLocks noGrp="1"/>
+          </p:cNvSpPr>
+          <p:nvPr>
+            <p:ph type="dt" sz="half" idx="13"/>
+          </p:nvPr>
+        </p:nvSpPr>
+        <p:spPr/>
+        <p:txBody>
+          <a:bodyPr/>
+          <a:lstStyle/>
+          <a:p>
+            <a:r>
+              <a:rPr lang="de-CH" b="1" dirty="0" smtClean="0"/>
+              <a:t>02.06.2017</a:t>
+            </a:r>
+            <a:endParaRPr lang="en-US" sz="1000" b="1" dirty="0"/>
+          </a:p>
+        </p:txBody>
+      </p:sp>
+      <p:sp>
+        <p:nvSpPr>
+          <p:cNvPr id="6" name="Fußzeilenplatzhalter 5"/>
+          <p:cNvSpPr>
+            <a:spLocks noGrp="1"/>
+          </p:cNvSpPr>
+          <p:nvPr>
+            <p:ph type="ftr" sz="quarter" idx="14"/>
+          </p:nvPr>
+        </p:nvSpPr>
+        <p:spPr/>
+        <p:txBody>
+          <a:bodyPr/>
+          <a:lstStyle/>
+          <a:p>
+            <a:r>
+              <a:rPr lang="en-US" b="1" dirty="0" smtClean="0"/>
+              <a:t>Referent: </a:t>
+            </a:r>
+            <a:r>
+              <a:rPr lang="en-US" b="1" dirty="0" err="1" smtClean="0"/>
+              <a:t>Carigiet</a:t>
+            </a:r>
+            <a:r>
+              <a:rPr lang="en-US" b="1" dirty="0" smtClean="0"/>
+              <a:t> </a:t>
+            </a:r>
+            <a:r>
+              <a:rPr lang="en-US" b="1" dirty="0" err="1" smtClean="0"/>
+              <a:t>Nico</a:t>
+            </a:r>
+            <a:endParaRPr lang="en-US" b="1" dirty="0"/>
+          </a:p>
+        </p:txBody>
+      </p:sp>
+      <p:sp>
+        <p:nvSpPr>
+          <p:cNvPr id="7" name="Inhaltsplatzhalter 2"/>
+          <p:cNvSpPr>
+            <a:spLocks noGrp="1"/>
+          </p:cNvSpPr>
+          <p:nvPr>
+            <p:ph idx="1"/>
+          </p:nvPr>
+        </p:nvSpPr>
+        <p:spPr>
+          <a:xfrm>
+            <a:off x="2589212" y="1628776"/>
+            <a:ext cx="8915400" cy="4286249"/>
+          </a:xfrm>
+        </p:spPr>
+        <p:txBody>
+          <a:bodyPr>
+            <a:normAutofit/>
+          </a:bodyPr>
+          <a:lstStyle/>
+          <a:p>
+            <a:endParaRPr lang="de-CH" dirty="0" smtClean="0"/>
+          </a:p>
+          <a:p>
+            <a:r>
+              <a:rPr lang="de-CH" dirty="0" smtClean="0"/>
+              <a:t>Zonen</a:t>
+            </a:r>
+          </a:p>
+          <a:p>
+            <a:endParaRPr lang="de-CH" dirty="0"/>
+          </a:p>
+          <a:p>
+            <a:r>
+              <a:rPr lang="de-CH" dirty="0" smtClean="0"/>
+              <a:t>Einträge</a:t>
+            </a:r>
+          </a:p>
+          <a:p>
+            <a:endParaRPr lang="de-CH" dirty="0"/>
+          </a:p>
+          <a:p>
+            <a:r>
+              <a:rPr lang="de-CH" dirty="0" err="1" smtClean="0"/>
+              <a:t>Forwarder</a:t>
+            </a:r>
+            <a:endParaRPr lang="de-CH" dirty="0" smtClean="0"/>
+          </a:p>
+          <a:p>
+            <a:endParaRPr lang="de-CH" dirty="0"/>
+          </a:p>
+          <a:p>
+            <a:r>
+              <a:rPr lang="de-CH" dirty="0" smtClean="0"/>
+              <a:t>IP Version</a:t>
+            </a:r>
+          </a:p>
+        </p:txBody>
+      </p:sp>
+    </p:spTree>
+    <p:extLst>
+      <p:ext uri="{BB962C8B-B14F-4D97-AF65-F5344CB8AC3E}">
+        <p14:creationId xmlns:p14="http://schemas.microsoft.com/office/powerpoint/2010/main" val="3813655589"/>
+      </p:ext>
+    </p:extLst>
+  </p:cSld>
+  <p:clrMapOvr>
+    <a:masterClrMapping/>
+  </p:clrMapOvr>
+  <p:timing>
+    <p:tnLst>
+      <p:par>
+        <p:cTn id="1" dur="indefinite" restart="never" nodeType="tmRoot"/>
+      </p:par>
+    </p:tnLst>
+  </p:timing>
+</p:sld>
+</file>
+
+<file path=ppt/slides/slide12.xml><?xml version="1.0" encoding="utf-8"?>
+<p:sld xmlns:a="http://schemas.openxmlformats.org/drawingml/2006/main" xmlns:r="http://schemas.openxmlformats.org/officeDocument/2006/relationships" xmlns:p="http://schemas.openxmlformats.org/presentationml/2006/main">
+  <p:cSld>
+    <p:spTree>
+      <p:nvGrpSpPr>
+        <p:cNvPr id="1" name=""/>
+        <p:cNvGrpSpPr/>
+        <p:nvPr/>
+      </p:nvGrpSpPr>
+      <p:grpSpPr>
+        <a:xfrm>
+          <a:off x="0" y="0"/>
+          <a:ext cx="0" cy="0"/>
+          <a:chOff x="0" y="0"/>
+          <a:chExt cx="0" cy="0"/>
+        </a:xfrm>
+      </p:grpSpPr>
+      <p:sp>
+        <p:nvSpPr>
+          <p:cNvPr id="2" name="Titel 1"/>
+          <p:cNvSpPr>
+            <a:spLocks noGrp="1"/>
+          </p:cNvSpPr>
+          <p:nvPr>
+            <p:ph type="title"/>
+          </p:nvPr>
+        </p:nvSpPr>
+        <p:spPr>
+          <a:xfrm>
+            <a:off x="2592925" y="624110"/>
+            <a:ext cx="9033018" cy="728440"/>
+          </a:xfrm>
+        </p:spPr>
+        <p:txBody>
+          <a:bodyPr>
+            <a:noAutofit/>
+          </a:bodyPr>
+          <a:lstStyle/>
+          <a:p>
+            <a:r>
+              <a:rPr lang="de-CH" sz="4000" dirty="0" smtClean="0"/>
+              <a:t>Dynamische Adressverteilung DHCP</a:t>
+            </a:r>
+            <a:endParaRPr lang="de-CH" sz="4000" dirty="0"/>
+          </a:p>
+        </p:txBody>
+      </p:sp>
+      <p:sp>
+        <p:nvSpPr>
+          <p:cNvPr id="4" name="Foliennummernplatzhalter 3"/>
+          <p:cNvSpPr>
+            <a:spLocks noGrp="1"/>
+          </p:cNvSpPr>
+          <p:nvPr>
+            <p:ph type="sldNum" sz="quarter" idx="12"/>
+          </p:nvPr>
+        </p:nvSpPr>
+        <p:spPr/>
+        <p:txBody>
+          <a:bodyPr/>
+          <a:lstStyle/>
+          <a:p>
+            <a:fld id="{D57F1E4F-1CFF-5643-939E-217C01CDF565}" type="slidenum">
+              <a:rPr lang="en-US" smtClean="0"/>
+              <a:pPr/>
+              <a:t>12</a:t>
+            </a:fld>
+            <a:endParaRPr lang="en-US" dirty="0"/>
+          </a:p>
+        </p:txBody>
+      </p:sp>
+      <p:sp>
+        <p:nvSpPr>
+          <p:cNvPr id="5" name="Datumsplatzhalter 4"/>
+          <p:cNvSpPr>
+            <a:spLocks noGrp="1"/>
+          </p:cNvSpPr>
+          <p:nvPr>
+            <p:ph type="dt" sz="half" idx="13"/>
+          </p:nvPr>
+        </p:nvSpPr>
+        <p:spPr/>
+        <p:txBody>
+          <a:bodyPr/>
+          <a:lstStyle/>
+          <a:p>
+            <a:r>
+              <a:rPr lang="de-CH" b="1" dirty="0" smtClean="0"/>
+              <a:t>02.06.2017</a:t>
+            </a:r>
+            <a:endParaRPr lang="en-US" sz="1000" b="1" dirty="0"/>
+          </a:p>
+        </p:txBody>
+      </p:sp>
+      <p:sp>
+        <p:nvSpPr>
+          <p:cNvPr id="6" name="Fußzeilenplatzhalter 5"/>
+          <p:cNvSpPr>
+            <a:spLocks noGrp="1"/>
+          </p:cNvSpPr>
+          <p:nvPr>
+            <p:ph type="ftr" sz="quarter" idx="14"/>
+          </p:nvPr>
+        </p:nvSpPr>
+        <p:spPr/>
+        <p:txBody>
+          <a:bodyPr/>
+          <a:lstStyle/>
+          <a:p>
+            <a:r>
+              <a:rPr lang="en-US" b="1" dirty="0" smtClean="0"/>
+              <a:t>Referent: </a:t>
+            </a:r>
+            <a:r>
+              <a:rPr lang="en-US" b="1" dirty="0" err="1" smtClean="0"/>
+              <a:t>Carigiet</a:t>
+            </a:r>
+            <a:r>
+              <a:rPr lang="en-US" b="1" dirty="0" smtClean="0"/>
+              <a:t> </a:t>
+            </a:r>
+            <a:r>
+              <a:rPr lang="en-US" b="1" dirty="0" err="1" smtClean="0"/>
+              <a:t>Nico</a:t>
+            </a:r>
+            <a:endParaRPr lang="en-US" b="1" dirty="0"/>
+          </a:p>
+        </p:txBody>
+      </p:sp>
+      <p:sp>
+        <p:nvSpPr>
+          <p:cNvPr id="7" name="Inhaltsplatzhalter 2"/>
+          <p:cNvSpPr>
+            <a:spLocks noGrp="1"/>
+          </p:cNvSpPr>
+          <p:nvPr>
+            <p:ph idx="1"/>
+          </p:nvPr>
+        </p:nvSpPr>
+        <p:spPr>
+          <a:xfrm>
+            <a:off x="2589212" y="1628776"/>
+            <a:ext cx="8915400" cy="4286249"/>
+          </a:xfrm>
+        </p:spPr>
+        <p:txBody>
+          <a:bodyPr>
+            <a:normAutofit/>
+          </a:bodyPr>
+          <a:lstStyle/>
+          <a:p>
+            <a:endParaRPr lang="de-CH" dirty="0" smtClean="0"/>
+          </a:p>
+          <a:p>
+            <a:r>
+              <a:rPr lang="de-CH" dirty="0" smtClean="0"/>
+              <a:t>Bereich</a:t>
+            </a:r>
+          </a:p>
+          <a:p>
+            <a:endParaRPr lang="de-CH" dirty="0"/>
+          </a:p>
+          <a:p>
+            <a:r>
+              <a:rPr lang="de-CH" dirty="0" smtClean="0"/>
+              <a:t>Reservierungen</a:t>
+            </a:r>
+          </a:p>
+          <a:p>
+            <a:endParaRPr lang="de-CH" dirty="0"/>
+          </a:p>
+          <a:p>
+            <a:r>
+              <a:rPr lang="de-CH" dirty="0" smtClean="0"/>
+              <a:t>Einstellungen für Clients</a:t>
+            </a:r>
+            <a:endParaRPr lang="de-CH" dirty="0"/>
+          </a:p>
+        </p:txBody>
+      </p:sp>
+    </p:spTree>
+    <p:extLst>
+      <p:ext uri="{BB962C8B-B14F-4D97-AF65-F5344CB8AC3E}">
+        <p14:creationId xmlns:p14="http://schemas.microsoft.com/office/powerpoint/2010/main" val="151852067"/>
+      </p:ext>
+    </p:extLst>
+  </p:cSld>
+  <p:clrMapOvr>
+    <a:masterClrMapping/>
+  </p:clrMapOvr>
+  <p:timing>
+    <p:tnLst>
+      <p:par>
+        <p:cTn id="1" dur="indefinite" restart="never" nodeType="tmRoot"/>
+      </p:par>
+    </p:tnLst>
+  </p:timing>
+</p:sld>
+</file>
+
+<file path=ppt/slides/slide13.xml><?xml version="1.0" encoding="utf-8"?>
+<p:sld xmlns:a="http://schemas.openxmlformats.org/drawingml/2006/main" xmlns:r="http://schemas.openxmlformats.org/officeDocument/2006/relationships" xmlns:p="http://schemas.openxmlformats.org/presentationml/2006/main">
+  <p:cSld>
+    <p:spTree>
+      <p:nvGrpSpPr>
+        <p:cNvPr id="1" name=""/>
+        <p:cNvGrpSpPr/>
+        <p:nvPr/>
+      </p:nvGrpSpPr>
+      <p:grpSpPr>
+        <a:xfrm>
+          <a:off x="0" y="0"/>
+          <a:ext cx="0" cy="0"/>
+          <a:chOff x="0" y="0"/>
+          <a:chExt cx="0" cy="0"/>
+        </a:xfrm>
+      </p:grpSpPr>
+      <p:sp>
+        <p:nvSpPr>
+          <p:cNvPr id="2" name="Titel 1"/>
+          <p:cNvSpPr>
+            <a:spLocks noGrp="1"/>
+          </p:cNvSpPr>
+          <p:nvPr>
+            <p:ph type="title"/>
+          </p:nvPr>
+        </p:nvSpPr>
+        <p:spPr>
+          <a:xfrm>
+            <a:off x="2592925" y="624110"/>
+            <a:ext cx="8911687" cy="728440"/>
+          </a:xfrm>
+        </p:spPr>
+        <p:txBody>
+          <a:bodyPr>
+            <a:normAutofit/>
+          </a:bodyPr>
+          <a:lstStyle/>
+          <a:p>
+            <a:r>
+              <a:rPr lang="de-CH" dirty="0" smtClean="0"/>
+              <a:t>Zeitsynchronisation NTP</a:t>
+            </a:r>
+            <a:endParaRPr lang="de-CH" sz="4000" dirty="0"/>
+          </a:p>
+        </p:txBody>
+      </p:sp>
+      <p:sp>
+        <p:nvSpPr>
+          <p:cNvPr id="4" name="Foliennummernplatzhalter 3"/>
+          <p:cNvSpPr>
+            <a:spLocks noGrp="1"/>
+          </p:cNvSpPr>
+          <p:nvPr>
+            <p:ph type="sldNum" sz="quarter" idx="12"/>
+          </p:nvPr>
+        </p:nvSpPr>
+        <p:spPr/>
+        <p:txBody>
+          <a:bodyPr/>
+          <a:lstStyle/>
+          <a:p>
+            <a:fld id="{D57F1E4F-1CFF-5643-939E-217C01CDF565}" type="slidenum">
+              <a:rPr lang="en-US" smtClean="0"/>
+              <a:pPr/>
+              <a:t>13</a:t>
+            </a:fld>
+            <a:endParaRPr lang="en-US" dirty="0"/>
+          </a:p>
+        </p:txBody>
+      </p:sp>
+      <p:sp>
+        <p:nvSpPr>
+          <p:cNvPr id="5" name="Datumsplatzhalter 4"/>
+          <p:cNvSpPr>
+            <a:spLocks noGrp="1"/>
+          </p:cNvSpPr>
+          <p:nvPr>
+            <p:ph type="dt" sz="half" idx="13"/>
+          </p:nvPr>
+        </p:nvSpPr>
+        <p:spPr/>
+        <p:txBody>
+          <a:bodyPr/>
+          <a:lstStyle/>
+          <a:p>
+            <a:r>
+              <a:rPr lang="de-CH" b="1" dirty="0" smtClean="0"/>
+              <a:t>02.06.2017</a:t>
+            </a:r>
+            <a:endParaRPr lang="en-US" sz="1000" b="1" dirty="0"/>
+          </a:p>
+        </p:txBody>
+      </p:sp>
+      <p:sp>
+        <p:nvSpPr>
+          <p:cNvPr id="6" name="Fußzeilenplatzhalter 5"/>
+          <p:cNvSpPr>
+            <a:spLocks noGrp="1"/>
+          </p:cNvSpPr>
+          <p:nvPr>
+            <p:ph type="ftr" sz="quarter" idx="14"/>
+          </p:nvPr>
+        </p:nvSpPr>
+        <p:spPr/>
+        <p:txBody>
+          <a:bodyPr/>
+          <a:lstStyle/>
+          <a:p>
+            <a:r>
+              <a:rPr lang="en-US" b="1" dirty="0" smtClean="0"/>
+              <a:t>Referent: </a:t>
+            </a:r>
+            <a:r>
+              <a:rPr lang="en-US" b="1" dirty="0" err="1" smtClean="0"/>
+              <a:t>Carigiet</a:t>
+            </a:r>
+            <a:r>
+              <a:rPr lang="en-US" b="1" dirty="0" smtClean="0"/>
+              <a:t> </a:t>
+            </a:r>
+            <a:r>
+              <a:rPr lang="en-US" b="1" dirty="0" err="1" smtClean="0"/>
+              <a:t>Nico</a:t>
+            </a:r>
+            <a:endParaRPr lang="en-US" b="1" dirty="0"/>
+          </a:p>
+        </p:txBody>
+      </p:sp>
+      <p:sp>
+        <p:nvSpPr>
+          <p:cNvPr id="7" name="Inhaltsplatzhalter 2"/>
+          <p:cNvSpPr>
+            <a:spLocks noGrp="1"/>
+          </p:cNvSpPr>
+          <p:nvPr>
+            <p:ph idx="1"/>
+          </p:nvPr>
+        </p:nvSpPr>
+        <p:spPr>
+          <a:xfrm>
+            <a:off x="2589212" y="1628776"/>
+            <a:ext cx="8915400" cy="4286249"/>
+          </a:xfrm>
+        </p:spPr>
+        <p:txBody>
+          <a:bodyPr>
+            <a:normAutofit/>
+          </a:bodyPr>
+          <a:lstStyle/>
+          <a:p>
+            <a:endParaRPr lang="de-CH" dirty="0" smtClean="0"/>
+          </a:p>
+          <a:p>
+            <a:r>
+              <a:rPr lang="de-CH" dirty="0" smtClean="0"/>
+              <a:t>Synchronisierungsmethode</a:t>
+            </a:r>
+          </a:p>
+          <a:p>
+            <a:endParaRPr lang="de-CH" dirty="0" smtClean="0"/>
+          </a:p>
+          <a:p>
+            <a:r>
+              <a:rPr lang="de-CH" dirty="0" smtClean="0"/>
+              <a:t>WMI Filter</a:t>
+            </a:r>
+          </a:p>
+          <a:p>
+            <a:endParaRPr lang="de-CH" dirty="0"/>
+          </a:p>
+          <a:p>
+            <a:r>
+              <a:rPr lang="de-CH" dirty="0" smtClean="0"/>
+              <a:t>Gruppenrichtlinien</a:t>
+            </a:r>
+            <a:endParaRPr lang="de-CH" dirty="0"/>
+          </a:p>
+        </p:txBody>
+      </p:sp>
+      <p:pic>
+        <p:nvPicPr>
+          <p:cNvPr id="3" name="Grafik 2"/>
+          <p:cNvPicPr>
+            <a:picLocks noChangeAspect="1"/>
+          </p:cNvPicPr>
+          <p:nvPr/>
+        </p:nvPicPr>
+        <p:blipFill>
+          <a:blip r:embed="rId2">
+            <a:extLst>
+              <a:ext uri="{28A0092B-C50C-407E-A947-70E740481C1C}">
+                <a14:useLocalDpi xmlns:a14="http://schemas.microsoft.com/office/drawing/2010/main" val="0"/>
+              </a:ext>
+            </a:extLst>
+          </a:blip>
+          <a:stretch>
+            <a:fillRect/>
+          </a:stretch>
+        </p:blipFill>
+        <p:spPr>
+          <a:xfrm>
+            <a:off x="7493030" y="1628776"/>
+            <a:ext cx="4011582" cy="4286249"/>
+          </a:xfrm>
+          <a:prstGeom prst="rect">
+            <a:avLst/>
+          </a:prstGeom>
+        </p:spPr>
+      </p:pic>
+    </p:spTree>
+    <p:extLst>
+      <p:ext uri="{BB962C8B-B14F-4D97-AF65-F5344CB8AC3E}">
+        <p14:creationId xmlns:p14="http://schemas.microsoft.com/office/powerpoint/2010/main" val="4253251796"/>
+      </p:ext>
+    </p:extLst>
+  </p:cSld>
+  <p:clrMapOvr>
+    <a:masterClrMapping/>
+  </p:clrMapOvr>
+  <p:timing>
+    <p:tnLst>
+      <p:par>
+        <p:cTn id="1" dur="indefinite" restart="never" nodeType="tmRoot"/>
+      </p:par>
+    </p:tnLst>
+  </p:timing>
+</p:sld>
+</file>
+
+<file path=ppt/slides/slide14.xml><?xml version="1.0" encoding="utf-8"?>
+<p:sld xmlns:a="http://schemas.openxmlformats.org/drawingml/2006/main" xmlns:r="http://schemas.openxmlformats.org/officeDocument/2006/relationships" xmlns:p="http://schemas.openxmlformats.org/presentationml/2006/main">
+  <p:cSld>
+    <p:spTree>
+      <p:nvGrpSpPr>
+        <p:cNvPr id="1" name=""/>
+        <p:cNvGrpSpPr/>
+        <p:nvPr/>
+      </p:nvGrpSpPr>
+      <p:grpSpPr>
+        <a:xfrm>
+          <a:off x="0" y="0"/>
+          <a:ext cx="0" cy="0"/>
+          <a:chOff x="0" y="0"/>
+          <a:chExt cx="0" cy="0"/>
+        </a:xfrm>
+      </p:grpSpPr>
+      <p:sp>
+        <p:nvSpPr>
+          <p:cNvPr id="2" name="Titel 1"/>
+          <p:cNvSpPr>
+            <a:spLocks noGrp="1"/>
+          </p:cNvSpPr>
+          <p:nvPr>
+            <p:ph type="title"/>
+          </p:nvPr>
+        </p:nvSpPr>
+        <p:spPr>
+          <a:xfrm>
+            <a:off x="2592925" y="624110"/>
+            <a:ext cx="8911687" cy="728440"/>
+          </a:xfrm>
+        </p:spPr>
+        <p:txBody>
+          <a:bodyPr>
+            <a:normAutofit/>
+          </a:bodyPr>
+          <a:lstStyle/>
+          <a:p>
+            <a:r>
+              <a:rPr lang="de-CH" dirty="0" smtClean="0"/>
+              <a:t>Gruppenrichtlinien GPO</a:t>
+            </a:r>
+            <a:endParaRPr lang="de-CH" sz="4000" dirty="0"/>
+          </a:p>
+        </p:txBody>
+      </p:sp>
+      <p:sp>
+        <p:nvSpPr>
+          <p:cNvPr id="4" name="Foliennummernplatzhalter 3"/>
+          <p:cNvSpPr>
+            <a:spLocks noGrp="1"/>
+          </p:cNvSpPr>
+          <p:nvPr>
+            <p:ph type="sldNum" sz="quarter" idx="12"/>
+          </p:nvPr>
+        </p:nvSpPr>
+        <p:spPr/>
+        <p:txBody>
+          <a:bodyPr/>
+          <a:lstStyle/>
+          <a:p>
+            <a:fld id="{D57F1E4F-1CFF-5643-939E-217C01CDF565}" type="slidenum">
+              <a:rPr lang="en-US" smtClean="0"/>
+              <a:pPr/>
+              <a:t>14</a:t>
+            </a:fld>
+            <a:endParaRPr lang="en-US" dirty="0"/>
+          </a:p>
+        </p:txBody>
+      </p:sp>
+      <p:sp>
+        <p:nvSpPr>
+          <p:cNvPr id="5" name="Datumsplatzhalter 4"/>
+          <p:cNvSpPr>
+            <a:spLocks noGrp="1"/>
+          </p:cNvSpPr>
+          <p:nvPr>
+            <p:ph type="dt" sz="half" idx="13"/>
+          </p:nvPr>
+        </p:nvSpPr>
+        <p:spPr/>
+        <p:txBody>
+          <a:bodyPr/>
+          <a:lstStyle/>
+          <a:p>
+            <a:r>
+              <a:rPr lang="de-CH" b="1" dirty="0" smtClean="0"/>
+              <a:t>02.06.2017</a:t>
+            </a:r>
+            <a:endParaRPr lang="en-US" sz="1000" b="1" dirty="0"/>
+          </a:p>
+        </p:txBody>
+      </p:sp>
+      <p:sp>
+        <p:nvSpPr>
+          <p:cNvPr id="6" name="Fußzeilenplatzhalter 5"/>
+          <p:cNvSpPr>
+            <a:spLocks noGrp="1"/>
+          </p:cNvSpPr>
+          <p:nvPr>
+            <p:ph type="ftr" sz="quarter" idx="14"/>
+          </p:nvPr>
+        </p:nvSpPr>
+        <p:spPr/>
+        <p:txBody>
+          <a:bodyPr/>
+          <a:lstStyle/>
+          <a:p>
+            <a:r>
+              <a:rPr lang="en-US" b="1" dirty="0" smtClean="0"/>
+              <a:t>Referent: </a:t>
+            </a:r>
+            <a:r>
+              <a:rPr lang="en-US" b="1" dirty="0" err="1" smtClean="0"/>
+              <a:t>Carigiet</a:t>
+            </a:r>
+            <a:r>
+              <a:rPr lang="en-US" b="1" dirty="0" smtClean="0"/>
+              <a:t> </a:t>
+            </a:r>
+            <a:r>
+              <a:rPr lang="en-US" b="1" dirty="0" err="1" smtClean="0"/>
+              <a:t>Nico</a:t>
+            </a:r>
+            <a:endParaRPr lang="en-US" b="1" dirty="0"/>
+          </a:p>
+        </p:txBody>
+      </p:sp>
+      <p:sp>
+        <p:nvSpPr>
+          <p:cNvPr id="7" name="Inhaltsplatzhalter 2"/>
+          <p:cNvSpPr>
+            <a:spLocks noGrp="1"/>
+          </p:cNvSpPr>
+          <p:nvPr>
+            <p:ph idx="1"/>
+          </p:nvPr>
+        </p:nvSpPr>
+        <p:spPr>
+          <a:xfrm>
+            <a:off x="2589212" y="1628776"/>
+            <a:ext cx="8915400" cy="4286249"/>
+          </a:xfrm>
+        </p:spPr>
+        <p:txBody>
+          <a:bodyPr>
+            <a:normAutofit/>
+          </a:bodyPr>
+          <a:lstStyle/>
+          <a:p>
+            <a:endParaRPr lang="de-CH" dirty="0" smtClean="0"/>
+          </a:p>
+          <a:p>
+            <a:r>
+              <a:rPr lang="de-CH" dirty="0" smtClean="0"/>
+              <a:t>Unterteilung</a:t>
+            </a:r>
+          </a:p>
+          <a:p>
+            <a:endParaRPr lang="de-CH" dirty="0" smtClean="0"/>
+          </a:p>
+          <a:p>
+            <a:r>
+              <a:rPr lang="de-CH" dirty="0" smtClean="0"/>
+              <a:t>Servergespeicherte </a:t>
+            </a:r>
+            <a:r>
+              <a:rPr lang="de-CH" dirty="0"/>
+              <a:t>Profile und </a:t>
+            </a:r>
+            <a:r>
+              <a:rPr lang="de-CH" dirty="0" smtClean="0"/>
+              <a:t>Basisordner</a:t>
+            </a:r>
+          </a:p>
+          <a:p>
+            <a:r>
+              <a:rPr lang="de-CH" dirty="0"/>
+              <a:t>Offline </a:t>
+            </a:r>
+            <a:r>
+              <a:rPr lang="de-CH" dirty="0" smtClean="0"/>
+              <a:t>Dateien</a:t>
+            </a:r>
+          </a:p>
+          <a:p>
+            <a:r>
+              <a:rPr lang="de-CH" dirty="0" smtClean="0"/>
+              <a:t>Laufwerkzuordnung</a:t>
+            </a:r>
+          </a:p>
+          <a:p>
+            <a:r>
+              <a:rPr lang="de-CH" dirty="0"/>
+              <a:t>Ordnerumleitung</a:t>
+            </a:r>
+          </a:p>
+          <a:p>
+            <a:r>
+              <a:rPr lang="de-CH" dirty="0" smtClean="0"/>
+              <a:t>Lokale Admins</a:t>
+            </a:r>
+          </a:p>
+          <a:p>
+            <a:r>
+              <a:rPr lang="de-CH" dirty="0" smtClean="0"/>
+              <a:t>Office 2013 Vorlagen und Speicherort</a:t>
+            </a:r>
+          </a:p>
+        </p:txBody>
+      </p:sp>
+    </p:spTree>
+    <p:extLst>
+      <p:ext uri="{BB962C8B-B14F-4D97-AF65-F5344CB8AC3E}">
+        <p14:creationId xmlns:p14="http://schemas.microsoft.com/office/powerpoint/2010/main" val="2138057589"/>
+      </p:ext>
+    </p:extLst>
+  </p:cSld>
+  <p:clrMapOvr>
+    <a:masterClrMapping/>
+  </p:clrMapOvr>
+  <p:timing>
+    <p:tnLst>
+      <p:par>
+        <p:cTn id="1" dur="indefinite" restart="never" nodeType="tmRoot"/>
+      </p:par>
+    </p:tnLst>
+  </p:timing>
+</p:sld>
+</file>
+
+<file path=ppt/slides/slide15.xml><?xml version="1.0" encoding="utf-8"?>
+<p:sld xmlns:a="http://schemas.openxmlformats.org/drawingml/2006/main" xmlns:r="http://schemas.openxmlformats.org/officeDocument/2006/relationships" xmlns:p="http://schemas.openxmlformats.org/presentationml/2006/main">
+  <p:cSld>
+    <p:spTree>
+      <p:nvGrpSpPr>
+        <p:cNvPr id="1" name=""/>
+        <p:cNvGrpSpPr/>
+        <p:nvPr/>
+      </p:nvGrpSpPr>
+      <p:grpSpPr>
+        <a:xfrm>
+          <a:off x="0" y="0"/>
+          <a:ext cx="0" cy="0"/>
+          <a:chOff x="0" y="0"/>
+          <a:chExt cx="0" cy="0"/>
+        </a:xfrm>
+      </p:grpSpPr>
+      <p:sp>
+        <p:nvSpPr>
+          <p:cNvPr id="2" name="Titel 1"/>
+          <p:cNvSpPr>
+            <a:spLocks noGrp="1"/>
+          </p:cNvSpPr>
+          <p:nvPr>
+            <p:ph type="title"/>
+          </p:nvPr>
+        </p:nvSpPr>
+        <p:spPr>
+          <a:xfrm>
+            <a:off x="2592925" y="624110"/>
+            <a:ext cx="8911687" cy="728440"/>
+          </a:xfrm>
+        </p:spPr>
+        <p:txBody>
+          <a:bodyPr>
+            <a:normAutofit/>
+          </a:bodyPr>
+          <a:lstStyle/>
+          <a:p>
+            <a:r>
+              <a:rPr lang="de-CH" dirty="0" smtClean="0"/>
+              <a:t>Datenbanksystem MS SQL</a:t>
+            </a:r>
+            <a:endParaRPr lang="de-CH" sz="4000" dirty="0"/>
+          </a:p>
+        </p:txBody>
+      </p:sp>
+      <p:sp>
+        <p:nvSpPr>
+          <p:cNvPr id="4" name="Foliennummernplatzhalter 3"/>
+          <p:cNvSpPr>
+            <a:spLocks noGrp="1"/>
+          </p:cNvSpPr>
+          <p:nvPr>
+            <p:ph type="sldNum" sz="quarter" idx="12"/>
+          </p:nvPr>
+        </p:nvSpPr>
+        <p:spPr/>
+        <p:txBody>
+          <a:bodyPr/>
+          <a:lstStyle/>
+          <a:p>
+            <a:fld id="{D57F1E4F-1CFF-5643-939E-217C01CDF565}" type="slidenum">
+              <a:rPr lang="en-US" smtClean="0"/>
+              <a:pPr/>
+              <a:t>15</a:t>
+            </a:fld>
+            <a:endParaRPr lang="en-US" dirty="0"/>
+          </a:p>
+        </p:txBody>
+      </p:sp>
+      <p:sp>
+        <p:nvSpPr>
+          <p:cNvPr id="5" name="Datumsplatzhalter 4"/>
+          <p:cNvSpPr>
+            <a:spLocks noGrp="1"/>
+          </p:cNvSpPr>
+          <p:nvPr>
+            <p:ph type="dt" sz="half" idx="13"/>
+          </p:nvPr>
+        </p:nvSpPr>
+        <p:spPr/>
+        <p:txBody>
+          <a:bodyPr/>
+          <a:lstStyle/>
+          <a:p>
+            <a:r>
+              <a:rPr lang="de-CH" b="1" dirty="0" smtClean="0"/>
+              <a:t>02.06.2017</a:t>
+            </a:r>
+            <a:endParaRPr lang="en-US" sz="1000" b="1" dirty="0"/>
+          </a:p>
+        </p:txBody>
+      </p:sp>
+      <p:sp>
+        <p:nvSpPr>
+          <p:cNvPr id="6" name="Fußzeilenplatzhalter 5"/>
+          <p:cNvSpPr>
+            <a:spLocks noGrp="1"/>
+          </p:cNvSpPr>
+          <p:nvPr>
+            <p:ph type="ftr" sz="quarter" idx="14"/>
+          </p:nvPr>
+        </p:nvSpPr>
+        <p:spPr/>
+        <p:txBody>
+          <a:bodyPr/>
+          <a:lstStyle/>
+          <a:p>
+            <a:r>
+              <a:rPr lang="en-US" b="1" dirty="0" smtClean="0"/>
+              <a:t>Referent: </a:t>
+            </a:r>
+            <a:r>
+              <a:rPr lang="en-US" b="1" dirty="0" err="1" smtClean="0"/>
+              <a:t>Carigiet</a:t>
+            </a:r>
+            <a:r>
+              <a:rPr lang="en-US" b="1" dirty="0" smtClean="0"/>
+              <a:t> </a:t>
+            </a:r>
+            <a:r>
+              <a:rPr lang="en-US" b="1" dirty="0" err="1" smtClean="0"/>
+              <a:t>Nico</a:t>
+            </a:r>
+            <a:endParaRPr lang="en-US" b="1" dirty="0"/>
+          </a:p>
+        </p:txBody>
+      </p:sp>
+      <p:sp>
+        <p:nvSpPr>
+          <p:cNvPr id="7" name="Inhaltsplatzhalter 2"/>
+          <p:cNvSpPr>
+            <a:spLocks noGrp="1"/>
+          </p:cNvSpPr>
+          <p:nvPr>
+            <p:ph idx="1"/>
+          </p:nvPr>
+        </p:nvSpPr>
+        <p:spPr>
+          <a:xfrm>
+            <a:off x="2589212" y="1628776"/>
+            <a:ext cx="8915400" cy="4286249"/>
+          </a:xfrm>
+        </p:spPr>
+        <p:txBody>
+          <a:bodyPr>
+            <a:normAutofit/>
+          </a:bodyPr>
+          <a:lstStyle/>
+          <a:p>
+            <a:endParaRPr lang="de-CH" dirty="0" smtClean="0"/>
+          </a:p>
+          <a:p>
+            <a:r>
+              <a:rPr lang="de-CH" dirty="0" smtClean="0"/>
+              <a:t>Authentifizierung und Verbindung</a:t>
+            </a:r>
+          </a:p>
+          <a:p>
+            <a:endParaRPr lang="de-CH" dirty="0"/>
+          </a:p>
+          <a:p>
+            <a:r>
+              <a:rPr lang="de-CH" dirty="0" smtClean="0"/>
+              <a:t>Ablage</a:t>
+            </a:r>
+          </a:p>
+          <a:p>
+            <a:endParaRPr lang="de-CH" dirty="0"/>
+          </a:p>
+          <a:p>
+            <a:r>
+              <a:rPr lang="de-CH" dirty="0" smtClean="0"/>
+              <a:t>Sicherung</a:t>
+            </a:r>
+            <a:endParaRPr lang="de-CH" dirty="0"/>
+          </a:p>
+        </p:txBody>
+      </p:sp>
+    </p:spTree>
+    <p:extLst>
+      <p:ext uri="{BB962C8B-B14F-4D97-AF65-F5344CB8AC3E}">
+        <p14:creationId xmlns:p14="http://schemas.microsoft.com/office/powerpoint/2010/main" val="176109624"/>
+      </p:ext>
+    </p:extLst>
+  </p:cSld>
+  <p:clrMapOvr>
+    <a:masterClrMapping/>
+  </p:clrMapOvr>
+  <p:timing>
+    <p:tnLst>
+      <p:par>
+        <p:cTn id="1" dur="indefinite" restart="never" nodeType="tmRoot"/>
+      </p:par>
+    </p:tnLst>
+  </p:timing>
+</p:sld>
+</file>
+
+<file path=ppt/slides/slide16.xml><?xml version="1.0" encoding="utf-8"?>
+<p:sld xmlns:a="http://schemas.openxmlformats.org/drawingml/2006/main" xmlns:r="http://schemas.openxmlformats.org/officeDocument/2006/relationships" xmlns:p="http://schemas.openxmlformats.org/presentationml/2006/main">
+  <p:cSld>
+    <p:spTree>
+      <p:nvGrpSpPr>
+        <p:cNvPr id="1" name=""/>
+        <p:cNvGrpSpPr/>
+        <p:nvPr/>
+      </p:nvGrpSpPr>
+      <p:grpSpPr>
+        <a:xfrm>
+          <a:off x="0" y="0"/>
+          <a:ext cx="0" cy="0"/>
+          <a:chOff x="0" y="0"/>
+          <a:chExt cx="0" cy="0"/>
+        </a:xfrm>
+      </p:grpSpPr>
+      <p:sp>
+        <p:nvSpPr>
+          <p:cNvPr id="2" name="Titel 1"/>
+          <p:cNvSpPr>
+            <a:spLocks noGrp="1"/>
+          </p:cNvSpPr>
+          <p:nvPr>
+            <p:ph type="title"/>
+          </p:nvPr>
+        </p:nvSpPr>
+        <p:spPr>
+          <a:xfrm>
+            <a:off x="2592925" y="624110"/>
+            <a:ext cx="8911687" cy="728440"/>
+          </a:xfrm>
+        </p:spPr>
+        <p:txBody>
+          <a:bodyPr>
+            <a:normAutofit/>
+          </a:bodyPr>
+          <a:lstStyle/>
+          <a:p>
+            <a:r>
+              <a:rPr lang="de-CH" dirty="0" smtClean="0"/>
+              <a:t>Updatedienst WSUS</a:t>
+            </a:r>
+            <a:endParaRPr lang="de-CH" sz="4000" dirty="0"/>
+          </a:p>
+        </p:txBody>
+      </p:sp>
+      <p:sp>
+        <p:nvSpPr>
+          <p:cNvPr id="4" name="Foliennummernplatzhalter 3"/>
+          <p:cNvSpPr>
+            <a:spLocks noGrp="1"/>
+          </p:cNvSpPr>
+          <p:nvPr>
+            <p:ph type="sldNum" sz="quarter" idx="12"/>
+          </p:nvPr>
+        </p:nvSpPr>
+        <p:spPr/>
+        <p:txBody>
+          <a:bodyPr/>
+          <a:lstStyle/>
+          <a:p>
+            <a:fld id="{D57F1E4F-1CFF-5643-939E-217C01CDF565}" type="slidenum">
+              <a:rPr lang="en-US" smtClean="0"/>
+              <a:pPr/>
+              <a:t>16</a:t>
+            </a:fld>
+            <a:endParaRPr lang="en-US" dirty="0"/>
+          </a:p>
+        </p:txBody>
+      </p:sp>
+      <p:sp>
+        <p:nvSpPr>
+          <p:cNvPr id="5" name="Datumsplatzhalter 4"/>
+          <p:cNvSpPr>
+            <a:spLocks noGrp="1"/>
+          </p:cNvSpPr>
+          <p:nvPr>
+            <p:ph type="dt" sz="half" idx="13"/>
+          </p:nvPr>
+        </p:nvSpPr>
+        <p:spPr/>
+        <p:txBody>
+          <a:bodyPr/>
+          <a:lstStyle/>
+          <a:p>
+            <a:r>
+              <a:rPr lang="de-CH" b="1" dirty="0" smtClean="0"/>
+              <a:t>02.06.2017</a:t>
+            </a:r>
+            <a:endParaRPr lang="en-US" sz="1000" b="1" dirty="0"/>
+          </a:p>
+        </p:txBody>
+      </p:sp>
+      <p:sp>
+        <p:nvSpPr>
+          <p:cNvPr id="6" name="Fußzeilenplatzhalter 5"/>
+          <p:cNvSpPr>
+            <a:spLocks noGrp="1"/>
+          </p:cNvSpPr>
+          <p:nvPr>
+            <p:ph type="ftr" sz="quarter" idx="14"/>
+          </p:nvPr>
+        </p:nvSpPr>
+        <p:spPr/>
+        <p:txBody>
+          <a:bodyPr/>
+          <a:lstStyle/>
+          <a:p>
+            <a:r>
+              <a:rPr lang="en-US" b="1" dirty="0" smtClean="0"/>
+              <a:t>Referent: </a:t>
+            </a:r>
+            <a:r>
+              <a:rPr lang="en-US" b="1" dirty="0" err="1" smtClean="0"/>
+              <a:t>Carigiet</a:t>
+            </a:r>
+            <a:r>
+              <a:rPr lang="en-US" b="1" dirty="0" smtClean="0"/>
+              <a:t> </a:t>
+            </a:r>
+            <a:r>
+              <a:rPr lang="en-US" b="1" dirty="0" err="1" smtClean="0"/>
+              <a:t>Nico</a:t>
+            </a:r>
+            <a:endParaRPr lang="en-US" b="1" dirty="0"/>
+          </a:p>
+        </p:txBody>
+      </p:sp>
+      <p:sp>
+        <p:nvSpPr>
+          <p:cNvPr id="7" name="Inhaltsplatzhalter 2"/>
+          <p:cNvSpPr>
+            <a:spLocks noGrp="1"/>
+          </p:cNvSpPr>
+          <p:nvPr>
+            <p:ph idx="1"/>
+          </p:nvPr>
+        </p:nvSpPr>
+        <p:spPr>
+          <a:xfrm>
+            <a:off x="2589212" y="1628776"/>
+            <a:ext cx="8915400" cy="4286249"/>
+          </a:xfrm>
+        </p:spPr>
+        <p:txBody>
+          <a:bodyPr>
+            <a:normAutofit/>
+          </a:bodyPr>
+          <a:lstStyle/>
+          <a:p>
+            <a:endParaRPr lang="de-CH" dirty="0" smtClean="0"/>
+          </a:p>
+          <a:p>
+            <a:r>
+              <a:rPr lang="de-CH" dirty="0" smtClean="0"/>
+              <a:t>Servereinstellungen</a:t>
+            </a:r>
+          </a:p>
+          <a:p>
+            <a:pPr lvl="1"/>
+            <a:r>
+              <a:rPr lang="de-CH" dirty="0" smtClean="0"/>
+              <a:t>Datenbank</a:t>
+            </a:r>
+          </a:p>
+          <a:p>
+            <a:pPr lvl="1"/>
+            <a:r>
+              <a:rPr lang="de-CH" dirty="0" smtClean="0"/>
+              <a:t>Synchronisation</a:t>
+            </a:r>
+          </a:p>
+          <a:p>
+            <a:pPr lvl="1"/>
+            <a:endParaRPr lang="de-CH" dirty="0"/>
+          </a:p>
+          <a:p>
+            <a:r>
+              <a:rPr lang="de-CH" dirty="0" smtClean="0"/>
+              <a:t>Gruppenrichtlinien</a:t>
+            </a:r>
+            <a:endParaRPr lang="de-CH" dirty="0"/>
+          </a:p>
+          <a:p>
+            <a:pPr lvl="1"/>
+            <a:r>
+              <a:rPr lang="de-CH" dirty="0" smtClean="0"/>
+              <a:t>Computergruppe</a:t>
+            </a:r>
+          </a:p>
+          <a:p>
+            <a:pPr lvl="1"/>
+            <a:r>
+              <a:rPr lang="de-CH" dirty="0" smtClean="0"/>
+              <a:t>Updateverhalten</a:t>
+            </a:r>
+          </a:p>
+        </p:txBody>
+      </p:sp>
+    </p:spTree>
+    <p:extLst>
+      <p:ext uri="{BB962C8B-B14F-4D97-AF65-F5344CB8AC3E}">
+        <p14:creationId xmlns:p14="http://schemas.microsoft.com/office/powerpoint/2010/main" val="1172241110"/>
+      </p:ext>
+    </p:extLst>
+  </p:cSld>
+  <p:clrMapOvr>
+    <a:masterClrMapping/>
+  </p:clrMapOvr>
+  <p:timing>
+    <p:tnLst>
+      <p:par>
+        <p:cTn id="1" dur="indefinite" restart="never" nodeType="tmRoot"/>
+      </p:par>
+    </p:tnLst>
+  </p:timing>
+</p:sld>
+</file>
+
+<file path=ppt/slides/slide17.xml><?xml version="1.0" encoding="utf-8"?>
+<p:sld xmlns:a="http://schemas.openxmlformats.org/drawingml/2006/main" xmlns:r="http://schemas.openxmlformats.org/officeDocument/2006/relationships" xmlns:p="http://schemas.openxmlformats.org/presentationml/2006/main">
+  <p:cSld>
+    <p:spTree>
+      <p:nvGrpSpPr>
+        <p:cNvPr id="1" name=""/>
+        <p:cNvGrpSpPr/>
+        <p:nvPr/>
+      </p:nvGrpSpPr>
+      <p:grpSpPr>
+        <a:xfrm>
+          <a:off x="0" y="0"/>
+          <a:ext cx="0" cy="0"/>
+          <a:chOff x="0" y="0"/>
+          <a:chExt cx="0" cy="0"/>
+        </a:xfrm>
+      </p:grpSpPr>
+      <p:sp>
+        <p:nvSpPr>
+          <p:cNvPr id="2" name="Titel 1"/>
+          <p:cNvSpPr>
+            <a:spLocks noGrp="1"/>
+          </p:cNvSpPr>
+          <p:nvPr>
+            <p:ph type="title"/>
+          </p:nvPr>
+        </p:nvSpPr>
+        <p:spPr>
+          <a:xfrm>
+            <a:off x="2592925" y="624110"/>
+            <a:ext cx="8911687" cy="728440"/>
+          </a:xfrm>
+        </p:spPr>
+        <p:txBody>
+          <a:bodyPr>
+            <a:normAutofit/>
+          </a:bodyPr>
+          <a:lstStyle/>
+          <a:p>
+            <a:r>
+              <a:rPr lang="de-CH" dirty="0" smtClean="0"/>
+              <a:t>Antivirus G-DATA</a:t>
+            </a:r>
+            <a:endParaRPr lang="de-CH" sz="4000" dirty="0"/>
+          </a:p>
+        </p:txBody>
+      </p:sp>
+      <p:sp>
+        <p:nvSpPr>
+          <p:cNvPr id="4" name="Foliennummernplatzhalter 3"/>
+          <p:cNvSpPr>
+            <a:spLocks noGrp="1"/>
+          </p:cNvSpPr>
+          <p:nvPr>
+            <p:ph type="sldNum" sz="quarter" idx="12"/>
+          </p:nvPr>
+        </p:nvSpPr>
+        <p:spPr/>
+        <p:txBody>
+          <a:bodyPr/>
+          <a:lstStyle/>
+          <a:p>
+            <a:fld id="{D57F1E4F-1CFF-5643-939E-217C01CDF565}" type="slidenum">
+              <a:rPr lang="en-US" smtClean="0"/>
+              <a:pPr/>
+              <a:t>17</a:t>
+            </a:fld>
+            <a:endParaRPr lang="en-US" dirty="0"/>
+          </a:p>
+        </p:txBody>
+      </p:sp>
+      <p:sp>
+        <p:nvSpPr>
+          <p:cNvPr id="5" name="Datumsplatzhalter 4"/>
+          <p:cNvSpPr>
+            <a:spLocks noGrp="1"/>
+          </p:cNvSpPr>
+          <p:nvPr>
+            <p:ph type="dt" sz="half" idx="13"/>
+          </p:nvPr>
+        </p:nvSpPr>
+        <p:spPr/>
+        <p:txBody>
+          <a:bodyPr/>
+          <a:lstStyle/>
+          <a:p>
+            <a:r>
+              <a:rPr lang="de-CH" b="1" dirty="0" smtClean="0"/>
+              <a:t>02.06.2017</a:t>
+            </a:r>
+            <a:endParaRPr lang="en-US" sz="1000" b="1" dirty="0"/>
+          </a:p>
+        </p:txBody>
+      </p:sp>
+      <p:sp>
+        <p:nvSpPr>
+          <p:cNvPr id="6" name="Fußzeilenplatzhalter 5"/>
+          <p:cNvSpPr>
+            <a:spLocks noGrp="1"/>
+          </p:cNvSpPr>
+          <p:nvPr>
+            <p:ph type="ftr" sz="quarter" idx="14"/>
+          </p:nvPr>
+        </p:nvSpPr>
+        <p:spPr/>
+        <p:txBody>
+          <a:bodyPr/>
+          <a:lstStyle/>
+          <a:p>
+            <a:r>
+              <a:rPr lang="en-US" b="1" dirty="0" smtClean="0"/>
+              <a:t>Referent: </a:t>
+            </a:r>
+            <a:r>
+              <a:rPr lang="en-US" b="1" dirty="0" err="1" smtClean="0"/>
+              <a:t>Carigiet</a:t>
+            </a:r>
+            <a:r>
+              <a:rPr lang="en-US" b="1" dirty="0" smtClean="0"/>
+              <a:t> </a:t>
+            </a:r>
+            <a:r>
+              <a:rPr lang="en-US" b="1" dirty="0" err="1" smtClean="0"/>
+              <a:t>Nico</a:t>
+            </a:r>
+            <a:endParaRPr lang="en-US" b="1" dirty="0"/>
+          </a:p>
+        </p:txBody>
+      </p:sp>
+      <p:sp>
+        <p:nvSpPr>
+          <p:cNvPr id="7" name="Inhaltsplatzhalter 2"/>
+          <p:cNvSpPr>
+            <a:spLocks noGrp="1"/>
+          </p:cNvSpPr>
+          <p:nvPr>
+            <p:ph idx="1"/>
+          </p:nvPr>
+        </p:nvSpPr>
+        <p:spPr>
+          <a:xfrm>
+            <a:off x="2589212" y="1628776"/>
+            <a:ext cx="8915400" cy="4286249"/>
+          </a:xfrm>
+        </p:spPr>
+        <p:txBody>
+          <a:bodyPr>
+            <a:normAutofit/>
+          </a:bodyPr>
+          <a:lstStyle/>
+          <a:p>
+            <a:endParaRPr lang="de-CH" dirty="0" smtClean="0"/>
+          </a:p>
+          <a:p>
+            <a:r>
+              <a:rPr lang="de-CH" dirty="0" smtClean="0"/>
+              <a:t>Serverstruktur</a:t>
+            </a:r>
+          </a:p>
+          <a:p>
+            <a:endParaRPr lang="de-CH" dirty="0" smtClean="0"/>
+          </a:p>
+          <a:p>
+            <a:r>
+              <a:rPr lang="de-CH" dirty="0" smtClean="0"/>
+              <a:t>Datenbank</a:t>
+            </a:r>
+          </a:p>
+          <a:p>
+            <a:endParaRPr lang="de-CH" dirty="0"/>
+          </a:p>
+          <a:p>
+            <a:r>
+              <a:rPr lang="de-CH" dirty="0" smtClean="0"/>
+              <a:t>Clienteinbindung</a:t>
+            </a:r>
+            <a:endParaRPr lang="de-CH" dirty="0"/>
+          </a:p>
+          <a:p>
+            <a:pPr marL="0" indent="0">
+              <a:buNone/>
+            </a:pPr>
+            <a:endParaRPr lang="de-CH" dirty="0" smtClean="0"/>
+          </a:p>
+          <a:p>
+            <a:endParaRPr lang="de-CH" dirty="0"/>
+          </a:p>
+          <a:p>
+            <a:endParaRPr lang="de-CH" dirty="0"/>
+          </a:p>
+        </p:txBody>
+      </p:sp>
+    </p:spTree>
+    <p:extLst>
+      <p:ext uri="{BB962C8B-B14F-4D97-AF65-F5344CB8AC3E}">
+        <p14:creationId xmlns:p14="http://schemas.microsoft.com/office/powerpoint/2010/main" val="1088694241"/>
+      </p:ext>
+    </p:extLst>
+  </p:cSld>
+  <p:clrMapOvr>
+    <a:masterClrMapping/>
+  </p:clrMapOvr>
+  <p:timing>
+    <p:tnLst>
+      <p:par>
+        <p:cTn id="1" dur="indefinite" restart="never" nodeType="tmRoot"/>
+      </p:par>
+    </p:tnLst>
+  </p:timing>
+</p:sld>
+</file>
+
+<file path=ppt/slides/slide18.xml><?xml version="1.0" encoding="utf-8"?>
+<p:sld xmlns:a="http://schemas.openxmlformats.org/drawingml/2006/main" xmlns:r="http://schemas.openxmlformats.org/officeDocument/2006/relationships" xmlns:p="http://schemas.openxmlformats.org/presentationml/2006/main">
+  <p:cSld>
+    <p:spTree>
+      <p:nvGrpSpPr>
+        <p:cNvPr id="1" name=""/>
+        <p:cNvGrpSpPr/>
+        <p:nvPr/>
+      </p:nvGrpSpPr>
+      <p:grpSpPr>
+        <a:xfrm>
+          <a:off x="0" y="0"/>
+          <a:ext cx="0" cy="0"/>
+          <a:chOff x="0" y="0"/>
+          <a:chExt cx="0" cy="0"/>
+        </a:xfrm>
+      </p:grpSpPr>
+      <p:sp>
+        <p:nvSpPr>
+          <p:cNvPr id="2" name="Titel 1"/>
+          <p:cNvSpPr>
+            <a:spLocks noGrp="1"/>
+          </p:cNvSpPr>
+          <p:nvPr>
+            <p:ph type="title"/>
+          </p:nvPr>
+        </p:nvSpPr>
+        <p:spPr>
+          <a:xfrm>
+            <a:off x="2592925" y="624110"/>
+            <a:ext cx="8911687" cy="728440"/>
+          </a:xfrm>
+        </p:spPr>
+        <p:txBody>
+          <a:bodyPr>
+            <a:normAutofit/>
+          </a:bodyPr>
+          <a:lstStyle/>
+          <a:p>
+            <a:r>
+              <a:rPr lang="de-CH" dirty="0" smtClean="0"/>
+              <a:t>Netzwerkspeicher </a:t>
+            </a:r>
+            <a:r>
+              <a:rPr lang="de-CH" dirty="0" err="1" smtClean="0"/>
+              <a:t>Synology</a:t>
+            </a:r>
+            <a:r>
+              <a:rPr lang="de-CH" dirty="0" smtClean="0"/>
+              <a:t> NAS</a:t>
+            </a:r>
+            <a:endParaRPr lang="de-CH" sz="4000" dirty="0"/>
+          </a:p>
+        </p:txBody>
+      </p:sp>
+      <p:sp>
+        <p:nvSpPr>
+          <p:cNvPr id="4" name="Foliennummernplatzhalter 3"/>
+          <p:cNvSpPr>
+            <a:spLocks noGrp="1"/>
+          </p:cNvSpPr>
+          <p:nvPr>
+            <p:ph type="sldNum" sz="quarter" idx="12"/>
+          </p:nvPr>
+        </p:nvSpPr>
+        <p:spPr/>
+        <p:txBody>
+          <a:bodyPr/>
+          <a:lstStyle/>
+          <a:p>
+            <a:fld id="{D57F1E4F-1CFF-5643-939E-217C01CDF565}" type="slidenum">
+              <a:rPr lang="en-US" smtClean="0"/>
+              <a:pPr/>
+              <a:t>18</a:t>
+            </a:fld>
+            <a:endParaRPr lang="en-US" dirty="0"/>
+          </a:p>
+        </p:txBody>
+      </p:sp>
+      <p:sp>
+        <p:nvSpPr>
+          <p:cNvPr id="5" name="Datumsplatzhalter 4"/>
+          <p:cNvSpPr>
+            <a:spLocks noGrp="1"/>
+          </p:cNvSpPr>
+          <p:nvPr>
+            <p:ph type="dt" sz="half" idx="13"/>
+          </p:nvPr>
+        </p:nvSpPr>
+        <p:spPr/>
+        <p:txBody>
+          <a:bodyPr/>
+          <a:lstStyle/>
+          <a:p>
+            <a:r>
+              <a:rPr lang="de-CH" b="1" dirty="0" smtClean="0"/>
+              <a:t>02.06.2017</a:t>
+            </a:r>
+            <a:endParaRPr lang="en-US" sz="1000" b="1" dirty="0"/>
+          </a:p>
+        </p:txBody>
+      </p:sp>
+      <p:sp>
+        <p:nvSpPr>
+          <p:cNvPr id="6" name="Fußzeilenplatzhalter 5"/>
+          <p:cNvSpPr>
+            <a:spLocks noGrp="1"/>
+          </p:cNvSpPr>
+          <p:nvPr>
+            <p:ph type="ftr" sz="quarter" idx="14"/>
+          </p:nvPr>
+        </p:nvSpPr>
+        <p:spPr/>
+        <p:txBody>
+          <a:bodyPr/>
+          <a:lstStyle/>
+          <a:p>
+            <a:r>
+              <a:rPr lang="en-US" b="1" dirty="0" smtClean="0"/>
+              <a:t>Referent: </a:t>
+            </a:r>
+            <a:r>
+              <a:rPr lang="en-US" b="1" dirty="0" err="1" smtClean="0"/>
+              <a:t>Carigiet</a:t>
+            </a:r>
+            <a:r>
+              <a:rPr lang="en-US" b="1" dirty="0" smtClean="0"/>
+              <a:t> </a:t>
+            </a:r>
+            <a:r>
+              <a:rPr lang="en-US" b="1" dirty="0" err="1" smtClean="0"/>
+              <a:t>Nico</a:t>
+            </a:r>
+            <a:endParaRPr lang="en-US" b="1" dirty="0"/>
+          </a:p>
+        </p:txBody>
+      </p:sp>
+      <p:sp>
+        <p:nvSpPr>
+          <p:cNvPr id="7" name="Inhaltsplatzhalter 2"/>
+          <p:cNvSpPr>
+            <a:spLocks noGrp="1"/>
+          </p:cNvSpPr>
+          <p:nvPr>
+            <p:ph idx="1"/>
+          </p:nvPr>
+        </p:nvSpPr>
+        <p:spPr>
+          <a:xfrm>
+            <a:off x="2589212" y="1628776"/>
+            <a:ext cx="8915400" cy="4286249"/>
+          </a:xfrm>
+        </p:spPr>
+        <p:txBody>
+          <a:bodyPr>
+            <a:normAutofit/>
+          </a:bodyPr>
+          <a:lstStyle/>
+          <a:p>
+            <a:endParaRPr lang="de-CH" dirty="0" smtClean="0"/>
+          </a:p>
+          <a:p>
+            <a:r>
+              <a:rPr lang="de-CH" dirty="0" smtClean="0"/>
+              <a:t>Systemkonfiguration</a:t>
+            </a:r>
+          </a:p>
+          <a:p>
+            <a:r>
+              <a:rPr lang="de-CH" dirty="0" smtClean="0"/>
+              <a:t>Netzwerkkonfiguration</a:t>
+            </a:r>
+          </a:p>
+          <a:p>
+            <a:endParaRPr lang="de-CH" dirty="0" smtClean="0"/>
+          </a:p>
+          <a:p>
+            <a:r>
+              <a:rPr lang="de-CH" dirty="0" smtClean="0"/>
+              <a:t>Freigabe Benutzer und Rechte</a:t>
+            </a:r>
+            <a:endParaRPr lang="de-CH" dirty="0"/>
+          </a:p>
+          <a:p>
+            <a:r>
+              <a:rPr lang="de-CH" dirty="0" smtClean="0"/>
+              <a:t>Backupsoftware und Backupaufträge</a:t>
+            </a:r>
+          </a:p>
+        </p:txBody>
+      </p:sp>
+    </p:spTree>
+    <p:extLst>
+      <p:ext uri="{BB962C8B-B14F-4D97-AF65-F5344CB8AC3E}">
+        <p14:creationId xmlns:p14="http://schemas.microsoft.com/office/powerpoint/2010/main" val="1975432854"/>
+      </p:ext>
+    </p:extLst>
+  </p:cSld>
+  <p:clrMapOvr>
+    <a:masterClrMapping/>
+  </p:clrMapOvr>
+  <p:timing>
+    <p:tnLst>
+      <p:par>
+        <p:cTn id="1" dur="indefinite" restart="never" nodeType="tmRoot"/>
+      </p:par>
+    </p:tnLst>
+  </p:timing>
+</p:sld>
+</file>
+
+<file path=ppt/slides/slide19.xml><?xml version="1.0" encoding="utf-8"?>
+<p:sld xmlns:a="http://schemas.openxmlformats.org/drawingml/2006/main" xmlns:r="http://schemas.openxmlformats.org/officeDocument/2006/relationships" xmlns:p="http://schemas.openxmlformats.org/presentationml/2006/main">
+  <p:cSld>
+    <p:spTree>
+      <p:nvGrpSpPr>
+        <p:cNvPr id="1" name=""/>
+        <p:cNvGrpSpPr/>
+        <p:nvPr/>
+      </p:nvGrpSpPr>
+      <p:grpSpPr>
+        <a:xfrm>
+          <a:off x="0" y="0"/>
+          <a:ext cx="0" cy="0"/>
+          <a:chOff x="0" y="0"/>
+          <a:chExt cx="0" cy="0"/>
+        </a:xfrm>
+      </p:grpSpPr>
+      <p:sp>
+        <p:nvSpPr>
+          <p:cNvPr id="2" name="Titel 1"/>
+          <p:cNvSpPr>
+            <a:spLocks noGrp="1"/>
+          </p:cNvSpPr>
+          <p:nvPr>
+            <p:ph type="title"/>
+          </p:nvPr>
+        </p:nvSpPr>
+        <p:spPr>
+          <a:xfrm>
+            <a:off x="2592925" y="624110"/>
+            <a:ext cx="8911687" cy="728440"/>
+          </a:xfrm>
+        </p:spPr>
+        <p:txBody>
+          <a:bodyPr>
+            <a:normAutofit/>
+          </a:bodyPr>
+          <a:lstStyle/>
+          <a:p>
+            <a:r>
+              <a:rPr lang="de-CH" dirty="0" smtClean="0"/>
+              <a:t>Backupsoftware Acronis</a:t>
+            </a:r>
+            <a:endParaRPr lang="de-CH" sz="4000" dirty="0"/>
+          </a:p>
+        </p:txBody>
+      </p:sp>
+      <p:sp>
+        <p:nvSpPr>
+          <p:cNvPr id="4" name="Foliennummernplatzhalter 3"/>
+          <p:cNvSpPr>
+            <a:spLocks noGrp="1"/>
+          </p:cNvSpPr>
+          <p:nvPr>
+            <p:ph type="sldNum" sz="quarter" idx="12"/>
+          </p:nvPr>
+        </p:nvSpPr>
+        <p:spPr/>
+        <p:txBody>
+          <a:bodyPr/>
+          <a:lstStyle/>
+          <a:p>
+            <a:fld id="{D57F1E4F-1CFF-5643-939E-217C01CDF565}" type="slidenum">
+              <a:rPr lang="en-US" smtClean="0"/>
+              <a:pPr/>
+              <a:t>19</a:t>
+            </a:fld>
+            <a:endParaRPr lang="en-US" dirty="0"/>
+          </a:p>
+        </p:txBody>
+      </p:sp>
+      <p:sp>
+        <p:nvSpPr>
+          <p:cNvPr id="5" name="Datumsplatzhalter 4"/>
+          <p:cNvSpPr>
+            <a:spLocks noGrp="1"/>
+          </p:cNvSpPr>
+          <p:nvPr>
+            <p:ph type="dt" sz="half" idx="13"/>
+          </p:nvPr>
+        </p:nvSpPr>
+        <p:spPr/>
+        <p:txBody>
+          <a:bodyPr/>
+          <a:lstStyle/>
+          <a:p>
+            <a:r>
+              <a:rPr lang="de-CH" b="1" dirty="0" smtClean="0"/>
+              <a:t>02.06.2017</a:t>
+            </a:r>
+            <a:endParaRPr lang="en-US" sz="1000" b="1" dirty="0"/>
+          </a:p>
+        </p:txBody>
+      </p:sp>
+      <p:sp>
+        <p:nvSpPr>
+          <p:cNvPr id="6" name="Fußzeilenplatzhalter 5"/>
+          <p:cNvSpPr>
+            <a:spLocks noGrp="1"/>
+          </p:cNvSpPr>
+          <p:nvPr>
+            <p:ph type="ftr" sz="quarter" idx="14"/>
+          </p:nvPr>
+        </p:nvSpPr>
+        <p:spPr/>
+        <p:txBody>
+          <a:bodyPr/>
+          <a:lstStyle/>
+          <a:p>
+            <a:r>
+              <a:rPr lang="en-US" b="1" dirty="0" smtClean="0"/>
+              <a:t>Referent: </a:t>
+            </a:r>
+            <a:r>
+              <a:rPr lang="en-US" b="1" dirty="0" err="1" smtClean="0"/>
+              <a:t>Carigiet</a:t>
+            </a:r>
+            <a:r>
+              <a:rPr lang="en-US" b="1" dirty="0" smtClean="0"/>
+              <a:t> </a:t>
+            </a:r>
+            <a:r>
+              <a:rPr lang="en-US" b="1" dirty="0" err="1" smtClean="0"/>
+              <a:t>Nico</a:t>
+            </a:r>
+            <a:endParaRPr lang="en-US" b="1" dirty="0"/>
+          </a:p>
+        </p:txBody>
+      </p:sp>
+      <p:sp>
+        <p:nvSpPr>
+          <p:cNvPr id="7" name="Inhaltsplatzhalter 2"/>
+          <p:cNvSpPr>
+            <a:spLocks noGrp="1"/>
+          </p:cNvSpPr>
+          <p:nvPr>
+            <p:ph idx="1"/>
+          </p:nvPr>
+        </p:nvSpPr>
+        <p:spPr>
+          <a:xfrm>
+            <a:off x="2589212" y="1628776"/>
+            <a:ext cx="8915400" cy="4286249"/>
+          </a:xfrm>
+        </p:spPr>
+        <p:txBody>
+          <a:bodyPr>
+            <a:normAutofit/>
+          </a:bodyPr>
+          <a:lstStyle/>
+          <a:p>
+            <a:endParaRPr lang="de-CH" dirty="0" smtClean="0"/>
+          </a:p>
+          <a:p>
+            <a:r>
+              <a:rPr lang="de-CH" dirty="0" smtClean="0"/>
+              <a:t>Installationsart </a:t>
+            </a:r>
+            <a:r>
+              <a:rPr lang="de-CH" smtClean="0"/>
+              <a:t>&amp; Verwaltung</a:t>
+            </a:r>
+            <a:endParaRPr lang="de-CH" dirty="0" smtClean="0"/>
+          </a:p>
+          <a:p>
+            <a:endParaRPr lang="de-CH" dirty="0" smtClean="0"/>
+          </a:p>
+          <a:p>
+            <a:r>
+              <a:rPr lang="de-CH" dirty="0" smtClean="0"/>
+              <a:t>Backupziel</a:t>
+            </a:r>
+          </a:p>
+          <a:p>
+            <a:endParaRPr lang="de-CH" dirty="0"/>
+          </a:p>
+          <a:p>
+            <a:r>
+              <a:rPr lang="de-CH" dirty="0" smtClean="0"/>
+              <a:t>Backupauftrag</a:t>
+            </a:r>
+            <a:endParaRPr lang="de-CH" dirty="0"/>
+          </a:p>
+          <a:p>
+            <a:pPr marL="0" indent="0">
+              <a:buNone/>
+            </a:pPr>
+            <a:endParaRPr lang="de-CH" dirty="0"/>
+          </a:p>
+        </p:txBody>
+      </p:sp>
+    </p:spTree>
+    <p:extLst>
+      <p:ext uri="{BB962C8B-B14F-4D97-AF65-F5344CB8AC3E}">
+        <p14:creationId xmlns:p14="http://schemas.microsoft.com/office/powerpoint/2010/main" val="387608748"/>
+      </p:ext>
+    </p:extLst>
+  </p:cSld>
+  <p:clrMapOvr>
+    <a:masterClrMapping/>
+  </p:clrMapOvr>
+  <p:timing>
+    <p:tnLst>
+      <p:par>
+        <p:cTn id="1" dur="indefinite" restart="never" nodeType="tmRoot"/>
+      </p:par>
+    </p:tnLst>
+  </p:timing>
+</p:sld>
+</file>
+
 <file path=ppt/slides/slide2.xml><?xml version="1.0" encoding="utf-8"?>
 <p:sld xmlns:a="http://schemas.openxmlformats.org/drawingml/2006/main" xmlns:r="http://schemas.openxmlformats.org/officeDocument/2006/relationships" xmlns:p="http://schemas.openxmlformats.org/presentationml/2006/main">
   <p:cSld>
@@ -8881,9 +11137,10 @@
           <a:lstStyle/>
           <a:p>
             <a:r>
-              <a:rPr lang="de-CH" sz="4000" dirty="0"/>
-              <a:t>Ablauf</a:t>
-            </a:r>
+              <a:rPr lang="de-CH" sz="4000" dirty="0" smtClean="0"/>
+              <a:t>Ablauf Präsentation 1</a:t>
+            </a:r>
+            <a:endParaRPr lang="de-CH" sz="4000" dirty="0"/>
           </a:p>
         </p:txBody>
       </p:sp>
@@ -8991,7 +11248,53 @@
           </a:bodyPr>
           <a:lstStyle/>
           <a:p>
-            <a:endParaRPr lang="de-CH" dirty="0"/>
+            <a:endParaRPr lang="de-CH" dirty="0" smtClean="0"/>
+          </a:p>
+          <a:p>
+            <a:r>
+              <a:rPr lang="de-CH" dirty="0" smtClean="0"/>
+              <a:t>Netzwerk</a:t>
+            </a:r>
+          </a:p>
+          <a:p>
+            <a:r>
+              <a:rPr lang="de-CH" dirty="0" smtClean="0"/>
+              <a:t>Physischer Server HOST</a:t>
+            </a:r>
+          </a:p>
+          <a:p>
+            <a:r>
+              <a:rPr lang="de-CH" dirty="0" smtClean="0"/>
+              <a:t>Virtualisierung mit Hyper-V</a:t>
+            </a:r>
+          </a:p>
+          <a:p>
+            <a:r>
+              <a:rPr lang="de-CH" dirty="0" smtClean="0"/>
+              <a:t>Virtuelle Server VM</a:t>
+            </a:r>
+          </a:p>
+          <a:p>
+            <a:r>
+              <a:rPr lang="de-CH" dirty="0" err="1" smtClean="0"/>
+              <a:t>Active</a:t>
+            </a:r>
+            <a:r>
+              <a:rPr lang="de-CH" dirty="0" smtClean="0"/>
+              <a:t> Directory AD</a:t>
+            </a:r>
+          </a:p>
+          <a:p>
+            <a:r>
+              <a:rPr lang="de-CH" dirty="0" smtClean="0"/>
+              <a:t>Namensauflösung DNS</a:t>
+            </a:r>
+          </a:p>
+          <a:p>
+            <a:r>
+              <a:rPr lang="de-CH" dirty="0" smtClean="0"/>
+              <a:t>Dynamische Adressverteilung DHCP</a:t>
+            </a:r>
           </a:p>
         </p:txBody>
       </p:sp>
@@ -8999,6 +11302,498 @@
     <p:extLst>
       <p:ext uri="{BB962C8B-B14F-4D97-AF65-F5344CB8AC3E}">
         <p14:creationId xmlns:p14="http://schemas.microsoft.com/office/powerpoint/2010/main" val="1685192567"/>
+      </p:ext>
+    </p:extLst>
+  </p:cSld>
+  <p:clrMapOvr>
+    <a:masterClrMapping/>
+  </p:clrMapOvr>
+  <p:timing>
+    <p:tnLst>
+      <p:par>
+        <p:cTn id="1" dur="indefinite" restart="never" nodeType="tmRoot"/>
+      </p:par>
+    </p:tnLst>
+  </p:timing>
+</p:sld>
+</file>
+
+<file path=ppt/slides/slide20.xml><?xml version="1.0" encoding="utf-8"?>
+<p:sld xmlns:a="http://schemas.openxmlformats.org/drawingml/2006/main" xmlns:r="http://schemas.openxmlformats.org/officeDocument/2006/relationships" xmlns:p="http://schemas.openxmlformats.org/presentationml/2006/main">
+  <p:cSld>
+    <p:spTree>
+      <p:nvGrpSpPr>
+        <p:cNvPr id="1" name=""/>
+        <p:cNvGrpSpPr/>
+        <p:nvPr/>
+      </p:nvGrpSpPr>
+      <p:grpSpPr>
+        <a:xfrm>
+          <a:off x="0" y="0"/>
+          <a:ext cx="0" cy="0"/>
+          <a:chOff x="0" y="0"/>
+          <a:chExt cx="0" cy="0"/>
+        </a:xfrm>
+      </p:grpSpPr>
+      <p:sp>
+        <p:nvSpPr>
+          <p:cNvPr id="2" name="Titel 1"/>
+          <p:cNvSpPr>
+            <a:spLocks noGrp="1"/>
+          </p:cNvSpPr>
+          <p:nvPr>
+            <p:ph type="title"/>
+          </p:nvPr>
+        </p:nvSpPr>
+        <p:spPr>
+          <a:xfrm>
+            <a:off x="2589212" y="2730496"/>
+            <a:ext cx="8911687" cy="728440"/>
+          </a:xfrm>
+        </p:spPr>
+        <p:txBody>
+          <a:bodyPr>
+            <a:normAutofit/>
+          </a:bodyPr>
+          <a:lstStyle/>
+          <a:p>
+            <a:pPr algn="ctr"/>
+            <a:r>
+              <a:rPr lang="de-CH" sz="4000" dirty="0" smtClean="0"/>
+              <a:t>Vielen Dank für die Aufmerksamkeit</a:t>
+            </a:r>
+            <a:endParaRPr lang="de-CH" sz="4000" dirty="0"/>
+          </a:p>
+        </p:txBody>
+      </p:sp>
+      <p:sp>
+        <p:nvSpPr>
+          <p:cNvPr id="4" name="Foliennummernplatzhalter 3"/>
+          <p:cNvSpPr>
+            <a:spLocks noGrp="1"/>
+          </p:cNvSpPr>
+          <p:nvPr>
+            <p:ph type="sldNum" sz="quarter" idx="12"/>
+          </p:nvPr>
+        </p:nvSpPr>
+        <p:spPr/>
+        <p:txBody>
+          <a:bodyPr/>
+          <a:lstStyle/>
+          <a:p>
+            <a:fld id="{D57F1E4F-1CFF-5643-939E-217C01CDF565}" type="slidenum">
+              <a:rPr lang="en-US" smtClean="0"/>
+              <a:pPr/>
+              <a:t>20</a:t>
+            </a:fld>
+            <a:endParaRPr lang="en-US" dirty="0"/>
+          </a:p>
+        </p:txBody>
+      </p:sp>
+      <p:sp>
+        <p:nvSpPr>
+          <p:cNvPr id="5" name="Datumsplatzhalter 4"/>
+          <p:cNvSpPr>
+            <a:spLocks noGrp="1"/>
+          </p:cNvSpPr>
+          <p:nvPr>
+            <p:ph type="dt" sz="half" idx="13"/>
+          </p:nvPr>
+        </p:nvSpPr>
+        <p:spPr/>
+        <p:txBody>
+          <a:bodyPr/>
+          <a:lstStyle/>
+          <a:p>
+            <a:r>
+              <a:rPr lang="de-CH" b="1" dirty="0" smtClean="0"/>
+              <a:t>02.06.2017</a:t>
+            </a:r>
+            <a:endParaRPr lang="en-US" sz="1000" b="1" dirty="0"/>
+          </a:p>
+        </p:txBody>
+      </p:sp>
+      <p:sp>
+        <p:nvSpPr>
+          <p:cNvPr id="6" name="Fußzeilenplatzhalter 5"/>
+          <p:cNvSpPr>
+            <a:spLocks noGrp="1"/>
+          </p:cNvSpPr>
+          <p:nvPr>
+            <p:ph type="ftr" sz="quarter" idx="14"/>
+          </p:nvPr>
+        </p:nvSpPr>
+        <p:spPr/>
+        <p:txBody>
+          <a:bodyPr/>
+          <a:lstStyle/>
+          <a:p>
+            <a:r>
+              <a:rPr lang="en-US" b="1" dirty="0" smtClean="0"/>
+              <a:t>Referent: </a:t>
+            </a:r>
+            <a:r>
+              <a:rPr lang="en-US" b="1" dirty="0" err="1" smtClean="0"/>
+              <a:t>Carigiet</a:t>
+            </a:r>
+            <a:r>
+              <a:rPr lang="en-US" b="1" dirty="0" smtClean="0"/>
+              <a:t> </a:t>
+            </a:r>
+            <a:r>
+              <a:rPr lang="en-US" b="1" dirty="0" err="1" smtClean="0"/>
+              <a:t>Nico</a:t>
+            </a:r>
+            <a:endParaRPr lang="en-US" b="1" dirty="0"/>
+          </a:p>
+        </p:txBody>
+      </p:sp>
+    </p:spTree>
+    <p:extLst>
+      <p:ext uri="{BB962C8B-B14F-4D97-AF65-F5344CB8AC3E}">
+        <p14:creationId xmlns:p14="http://schemas.microsoft.com/office/powerpoint/2010/main" val="2689393552"/>
+      </p:ext>
+    </p:extLst>
+  </p:cSld>
+  <p:clrMapOvr>
+    <a:masterClrMapping/>
+  </p:clrMapOvr>
+  <p:timing>
+    <p:tnLst>
+      <p:par>
+        <p:cTn id="1" dur="indefinite" restart="never" nodeType="tmRoot"/>
+      </p:par>
+    </p:tnLst>
+  </p:timing>
+</p:sld>
+</file>
+
+<file path=ppt/slides/slide21.xml><?xml version="1.0" encoding="utf-8"?>
+<p:sld xmlns:a="http://schemas.openxmlformats.org/drawingml/2006/main" xmlns:r="http://schemas.openxmlformats.org/officeDocument/2006/relationships" xmlns:p="http://schemas.openxmlformats.org/presentationml/2006/main">
+  <p:cSld>
+    <p:spTree>
+      <p:nvGrpSpPr>
+        <p:cNvPr id="1" name=""/>
+        <p:cNvGrpSpPr/>
+        <p:nvPr/>
+      </p:nvGrpSpPr>
+      <p:grpSpPr>
+        <a:xfrm>
+          <a:off x="0" y="0"/>
+          <a:ext cx="0" cy="0"/>
+          <a:chOff x="0" y="0"/>
+          <a:chExt cx="0" cy="0"/>
+        </a:xfrm>
+      </p:grpSpPr>
+      <p:sp>
+        <p:nvSpPr>
+          <p:cNvPr id="2" name="Titel 1"/>
+          <p:cNvSpPr>
+            <a:spLocks noGrp="1"/>
+          </p:cNvSpPr>
+          <p:nvPr>
+            <p:ph type="ctrTitle"/>
+          </p:nvPr>
+        </p:nvSpPr>
+        <p:spPr>
+          <a:xfrm>
+            <a:off x="2589212" y="1279982"/>
+            <a:ext cx="8915399" cy="1683981"/>
+          </a:xfrm>
+        </p:spPr>
+        <p:txBody>
+          <a:bodyPr/>
+          <a:lstStyle/>
+          <a:p>
+            <a:r>
+              <a:rPr lang="de-CH" dirty="0" smtClean="0"/>
+              <a:t>IPA Demonstration</a:t>
+            </a:r>
+            <a:endParaRPr lang="de-CH" dirty="0"/>
+          </a:p>
+        </p:txBody>
+      </p:sp>
+      <p:sp>
+        <p:nvSpPr>
+          <p:cNvPr id="3" name="Untertitel 2"/>
+          <p:cNvSpPr>
+            <a:spLocks noGrp="1"/>
+          </p:cNvSpPr>
+          <p:nvPr>
+            <p:ph type="subTitle" idx="1"/>
+          </p:nvPr>
+        </p:nvSpPr>
+        <p:spPr>
+          <a:xfrm>
+            <a:off x="2589212" y="3530869"/>
+            <a:ext cx="8915399" cy="1126283"/>
+          </a:xfrm>
+        </p:spPr>
+        <p:txBody>
+          <a:bodyPr>
+            <a:normAutofit fontScale="92500"/>
+          </a:bodyPr>
+          <a:lstStyle/>
+          <a:p>
+            <a:r>
+              <a:rPr lang="de-CH" sz="2800" dirty="0"/>
+              <a:t>Installation Client/Serveranlage für KMU mit Windows Server 2012 R2 und Windows 10 Professional.</a:t>
+            </a:r>
+          </a:p>
+          <a:p>
+            <a:endParaRPr lang="de-CH" dirty="0"/>
+          </a:p>
+        </p:txBody>
+      </p:sp>
+      <p:sp>
+        <p:nvSpPr>
+          <p:cNvPr id="4" name="Datumsplatzhalter 3"/>
+          <p:cNvSpPr>
+            <a:spLocks noGrp="1"/>
+          </p:cNvSpPr>
+          <p:nvPr>
+            <p:ph type="dt" sz="half" idx="10"/>
+          </p:nvPr>
+        </p:nvSpPr>
+        <p:spPr/>
+        <p:txBody>
+          <a:bodyPr/>
+          <a:lstStyle/>
+          <a:p>
+            <a:r>
+              <a:rPr lang="de-CH" smtClean="0"/>
+              <a:t>02.06.2017</a:t>
+            </a:r>
+            <a:endParaRPr lang="en-US" dirty="0"/>
+          </a:p>
+        </p:txBody>
+      </p:sp>
+      <p:sp>
+        <p:nvSpPr>
+          <p:cNvPr id="5" name="Fußzeilenplatzhalter 4"/>
+          <p:cNvSpPr>
+            <a:spLocks noGrp="1"/>
+          </p:cNvSpPr>
+          <p:nvPr>
+            <p:ph type="ftr" sz="quarter" idx="11"/>
+          </p:nvPr>
+        </p:nvSpPr>
+        <p:spPr/>
+        <p:txBody>
+          <a:bodyPr/>
+          <a:lstStyle/>
+          <a:p>
+            <a:r>
+              <a:rPr lang="en-US" smtClean="0"/>
+              <a:t>Referent: Carigiet Nico</a:t>
+            </a:r>
+            <a:endParaRPr lang="en-US" dirty="0"/>
+          </a:p>
+        </p:txBody>
+      </p:sp>
+      <p:sp>
+        <p:nvSpPr>
+          <p:cNvPr id="6" name="Foliennummernplatzhalter 5"/>
+          <p:cNvSpPr>
+            <a:spLocks noGrp="1"/>
+          </p:cNvSpPr>
+          <p:nvPr>
+            <p:ph type="sldNum" sz="quarter" idx="12"/>
+          </p:nvPr>
+        </p:nvSpPr>
+        <p:spPr/>
+        <p:txBody>
+          <a:bodyPr/>
+          <a:lstStyle/>
+          <a:p>
+            <a:fld id="{D57F1E4F-1CFF-5643-939E-217C01CDF565}" type="slidenum">
+              <a:rPr lang="en-US" smtClean="0"/>
+              <a:pPr/>
+              <a:t>21</a:t>
+            </a:fld>
+            <a:endParaRPr lang="en-US" dirty="0"/>
+          </a:p>
+        </p:txBody>
+      </p:sp>
+    </p:spTree>
+    <p:extLst>
+      <p:ext uri="{BB962C8B-B14F-4D97-AF65-F5344CB8AC3E}">
+        <p14:creationId xmlns:p14="http://schemas.microsoft.com/office/powerpoint/2010/main" val="587708582"/>
+      </p:ext>
+    </p:extLst>
+  </p:cSld>
+  <p:clrMapOvr>
+    <a:masterClrMapping/>
+  </p:clrMapOvr>
+  <p:timing>
+    <p:tnLst>
+      <p:par>
+        <p:cTn id="1" dur="indefinite" restart="never" nodeType="tmRoot"/>
+      </p:par>
+    </p:tnLst>
+  </p:timing>
+</p:sld>
+</file>
+
+<file path=ppt/slides/slide22.xml><?xml version="1.0" encoding="utf-8"?>
+<p:sld xmlns:a="http://schemas.openxmlformats.org/drawingml/2006/main" xmlns:r="http://schemas.openxmlformats.org/officeDocument/2006/relationships" xmlns:p="http://schemas.openxmlformats.org/presentationml/2006/main">
+  <p:cSld>
+    <p:spTree>
+      <p:nvGrpSpPr>
+        <p:cNvPr id="1" name=""/>
+        <p:cNvGrpSpPr/>
+        <p:nvPr/>
+      </p:nvGrpSpPr>
+      <p:grpSpPr>
+        <a:xfrm>
+          <a:off x="0" y="0"/>
+          <a:ext cx="0" cy="0"/>
+          <a:chOff x="0" y="0"/>
+          <a:chExt cx="0" cy="0"/>
+        </a:xfrm>
+      </p:grpSpPr>
+      <p:sp>
+        <p:nvSpPr>
+          <p:cNvPr id="2" name="Titel 1"/>
+          <p:cNvSpPr>
+            <a:spLocks noGrp="1"/>
+          </p:cNvSpPr>
+          <p:nvPr>
+            <p:ph type="title"/>
+          </p:nvPr>
+        </p:nvSpPr>
+        <p:spPr>
+          <a:xfrm>
+            <a:off x="2592925" y="624110"/>
+            <a:ext cx="8911687" cy="728440"/>
+          </a:xfrm>
+        </p:spPr>
+        <p:txBody>
+          <a:bodyPr>
+            <a:normAutofit/>
+          </a:bodyPr>
+          <a:lstStyle/>
+          <a:p>
+            <a:r>
+              <a:rPr lang="de-CH" dirty="0" smtClean="0"/>
+              <a:t>Ablauf Demonstration</a:t>
+            </a:r>
+            <a:endParaRPr lang="de-CH" sz="4000" dirty="0"/>
+          </a:p>
+        </p:txBody>
+      </p:sp>
+      <p:sp>
+        <p:nvSpPr>
+          <p:cNvPr id="4" name="Foliennummernplatzhalter 3"/>
+          <p:cNvSpPr>
+            <a:spLocks noGrp="1"/>
+          </p:cNvSpPr>
+          <p:nvPr>
+            <p:ph type="sldNum" sz="quarter" idx="12"/>
+          </p:nvPr>
+        </p:nvSpPr>
+        <p:spPr/>
+        <p:txBody>
+          <a:bodyPr/>
+          <a:lstStyle/>
+          <a:p>
+            <a:fld id="{D57F1E4F-1CFF-5643-939E-217C01CDF565}" type="slidenum">
+              <a:rPr lang="en-US" smtClean="0"/>
+              <a:pPr/>
+              <a:t>22</a:t>
+            </a:fld>
+            <a:endParaRPr lang="en-US" dirty="0"/>
+          </a:p>
+        </p:txBody>
+      </p:sp>
+      <p:sp>
+        <p:nvSpPr>
+          <p:cNvPr id="5" name="Datumsplatzhalter 4"/>
+          <p:cNvSpPr>
+            <a:spLocks noGrp="1"/>
+          </p:cNvSpPr>
+          <p:nvPr>
+            <p:ph type="dt" sz="half" idx="13"/>
+          </p:nvPr>
+        </p:nvSpPr>
+        <p:spPr/>
+        <p:txBody>
+          <a:bodyPr/>
+          <a:lstStyle/>
+          <a:p>
+            <a:r>
+              <a:rPr lang="de-CH" b="1" dirty="0" smtClean="0"/>
+              <a:t>02.06.2017</a:t>
+            </a:r>
+            <a:endParaRPr lang="en-US" sz="1000" b="1" dirty="0"/>
+          </a:p>
+        </p:txBody>
+      </p:sp>
+      <p:sp>
+        <p:nvSpPr>
+          <p:cNvPr id="6" name="Fußzeilenplatzhalter 5"/>
+          <p:cNvSpPr>
+            <a:spLocks noGrp="1"/>
+          </p:cNvSpPr>
+          <p:nvPr>
+            <p:ph type="ftr" sz="quarter" idx="14"/>
+          </p:nvPr>
+        </p:nvSpPr>
+        <p:spPr/>
+        <p:txBody>
+          <a:bodyPr/>
+          <a:lstStyle/>
+          <a:p>
+            <a:r>
+              <a:rPr lang="en-US" b="1" dirty="0" smtClean="0"/>
+              <a:t>Referent: </a:t>
+            </a:r>
+            <a:r>
+              <a:rPr lang="en-US" b="1" dirty="0" err="1" smtClean="0"/>
+              <a:t>Carigiet</a:t>
+            </a:r>
+            <a:r>
+              <a:rPr lang="en-US" b="1" dirty="0" smtClean="0"/>
+              <a:t> </a:t>
+            </a:r>
+            <a:r>
+              <a:rPr lang="en-US" b="1" dirty="0" err="1" smtClean="0"/>
+              <a:t>Nico</a:t>
+            </a:r>
+            <a:endParaRPr lang="en-US" b="1" dirty="0"/>
+          </a:p>
+        </p:txBody>
+      </p:sp>
+      <p:sp>
+        <p:nvSpPr>
+          <p:cNvPr id="7" name="Inhaltsplatzhalter 2"/>
+          <p:cNvSpPr>
+            <a:spLocks noGrp="1"/>
+          </p:cNvSpPr>
+          <p:nvPr>
+            <p:ph idx="1"/>
+          </p:nvPr>
+        </p:nvSpPr>
+        <p:spPr>
+          <a:xfrm>
+            <a:off x="2589212" y="1628776"/>
+            <a:ext cx="8915400" cy="4286249"/>
+          </a:xfrm>
+        </p:spPr>
+        <p:txBody>
+          <a:bodyPr>
+            <a:normAutofit/>
+          </a:bodyPr>
+          <a:lstStyle/>
+          <a:p>
+            <a:endParaRPr lang="de-CH" dirty="0"/>
+          </a:p>
+        </p:txBody>
+      </p:sp>
+    </p:spTree>
+    <p:extLst>
+      <p:ext uri="{BB962C8B-B14F-4D97-AF65-F5344CB8AC3E}">
+        <p14:creationId xmlns:p14="http://schemas.microsoft.com/office/powerpoint/2010/main" val="3947416861"/>
       </p:ext>
     </p:extLst>
   </p:cSld>
@@ -9055,9 +11850,10 @@
           <a:lstStyle/>
           <a:p>
             <a:r>
-              <a:rPr lang="de-CH" sz="4000" dirty="0"/>
-              <a:t>Ablauf</a:t>
-            </a:r>
+              <a:rPr lang="de-CH" dirty="0"/>
+              <a:t>Ablauf Präsentation 2</a:t>
+            </a:r>
+            <a:endParaRPr lang="de-CH" sz="4000" dirty="0"/>
           </a:p>
         </p:txBody>
       </p:sp>
@@ -9165,6 +11961,66 @@
           </a:bodyPr>
           <a:lstStyle/>
           <a:p>
+            <a:endParaRPr lang="de-CH" dirty="0" smtClean="0"/>
+          </a:p>
+          <a:p>
+            <a:r>
+              <a:rPr lang="de-CH" dirty="0" smtClean="0"/>
+              <a:t>Zeitsynchronisation </a:t>
+            </a:r>
+            <a:r>
+              <a:rPr lang="de-CH" dirty="0"/>
+              <a:t>NTP</a:t>
+            </a:r>
+          </a:p>
+          <a:p>
+            <a:r>
+              <a:rPr lang="de-CH" dirty="0" smtClean="0"/>
+              <a:t>Gruppenrichtlinien GPO</a:t>
+            </a:r>
+          </a:p>
+          <a:p>
+            <a:r>
+              <a:rPr lang="de-CH" dirty="0" smtClean="0"/>
+              <a:t>Datenbanksystem MS SQL</a:t>
+            </a:r>
+          </a:p>
+          <a:p>
+            <a:r>
+              <a:rPr lang="de-CH" dirty="0" smtClean="0"/>
+              <a:t>Updatedienst WSUS</a:t>
+            </a:r>
+          </a:p>
+          <a:p>
+            <a:r>
+              <a:rPr lang="de-CH" dirty="0" smtClean="0"/>
+              <a:t>Antivirus G-DATA</a:t>
+            </a:r>
+          </a:p>
+          <a:p>
+            <a:r>
+              <a:rPr lang="de-CH" dirty="0" smtClean="0"/>
+              <a:t>Netzwerkspeicher </a:t>
+            </a:r>
+            <a:r>
+              <a:rPr lang="de-CH" dirty="0" err="1" smtClean="0"/>
+              <a:t>Synology</a:t>
+            </a:r>
+            <a:r>
+              <a:rPr lang="de-CH" dirty="0" smtClean="0"/>
+              <a:t> NAS</a:t>
+            </a:r>
+          </a:p>
+          <a:p>
+            <a:r>
+              <a:rPr lang="de-CH" dirty="0" smtClean="0"/>
+              <a:t>Backupsoftware Acronis</a:t>
+            </a:r>
+          </a:p>
+          <a:p>
+            <a:pPr marL="0" indent="0">
+              <a:buNone/>
+            </a:pPr>
             <a:endParaRPr lang="de-CH" dirty="0"/>
           </a:p>
         </p:txBody>
@@ -9229,9 +12085,10 @@
           <a:lstStyle/>
           <a:p>
             <a:r>
-              <a:rPr lang="de-CH" sz="4000" dirty="0"/>
-              <a:t>Ablauf</a:t>
-            </a:r>
+              <a:rPr lang="de-CH" dirty="0" smtClean="0"/>
+              <a:t>Netzwerk</a:t>
+            </a:r>
+            <a:endParaRPr lang="de-CH" sz="4000" dirty="0"/>
           </a:p>
         </p:txBody>
       </p:sp>
@@ -9339,10 +12196,111 @@
           </a:bodyPr>
           <a:lstStyle/>
           <a:p>
+            <a:endParaRPr lang="de-CH" dirty="0" smtClean="0"/>
+          </a:p>
+          <a:p>
+            <a:r>
+              <a:rPr lang="de-CH" dirty="0" smtClean="0"/>
+              <a:t>Hardware</a:t>
+            </a:r>
+          </a:p>
+          <a:p>
+            <a:endParaRPr lang="de-CH" dirty="0" smtClean="0"/>
+          </a:p>
+          <a:p>
+            <a:r>
+              <a:rPr lang="de-CH" dirty="0" smtClean="0"/>
+              <a:t>Netzwerkunterteilung</a:t>
+            </a:r>
+          </a:p>
+          <a:p>
             <a:endParaRPr lang="de-CH" dirty="0"/>
           </a:p>
-        </p:txBody>
-      </p:sp>
+          <a:p>
+            <a:r>
+              <a:rPr lang="de-CH" dirty="0" smtClean="0"/>
+              <a:t>Netzwerkkonfiguration</a:t>
+            </a:r>
+            <a:endParaRPr lang="de-CH" dirty="0"/>
+          </a:p>
+          <a:p>
+            <a:r>
+              <a:rPr lang="de-CH" dirty="0" smtClean="0"/>
+              <a:t>Systemkonfiguration</a:t>
+            </a:r>
+          </a:p>
+          <a:p>
+            <a:endParaRPr lang="de-CH" dirty="0"/>
+          </a:p>
+          <a:p>
+            <a:r>
+              <a:rPr lang="de-CH" dirty="0" smtClean="0"/>
+              <a:t>Datensicherungsnetzwerk</a:t>
+            </a:r>
+            <a:endParaRPr lang="de-CH" dirty="0"/>
+          </a:p>
+        </p:txBody>
+      </p:sp>
+      <p:pic>
+        <p:nvPicPr>
+          <p:cNvPr id="3" name="Grafik 2"/>
+          <p:cNvPicPr>
+            <a:picLocks noChangeAspect="1"/>
+          </p:cNvPicPr>
+          <p:nvPr/>
+        </p:nvPicPr>
+        <p:blipFill>
+          <a:blip r:embed="rId2">
+            <a:extLst>
+              <a:ext uri="{28A0092B-C50C-407E-A947-70E740481C1C}">
+                <a14:useLocalDpi xmlns:a14="http://schemas.microsoft.com/office/drawing/2010/main" val="0"/>
+              </a:ext>
+            </a:extLst>
+          </a:blip>
+          <a:stretch>
+            <a:fillRect/>
+          </a:stretch>
+        </p:blipFill>
+        <p:spPr>
+          <a:xfrm>
+            <a:off x="7991475" y="1628775"/>
+            <a:ext cx="2423303" cy="1267595"/>
+          </a:xfrm>
+          <a:prstGeom prst="rect">
+            <a:avLst/>
+          </a:prstGeom>
+        </p:spPr>
+      </p:pic>
+      <p:pic>
+        <p:nvPicPr>
+          <p:cNvPr id="8" name="Grafik 7"/>
+          <p:cNvPicPr>
+            <a:picLocks noChangeAspect="1"/>
+          </p:cNvPicPr>
+          <p:nvPr/>
+        </p:nvPicPr>
+        <p:blipFill>
+          <a:blip r:embed="rId3">
+            <a:extLst>
+              <a:ext uri="{28A0092B-C50C-407E-A947-70E740481C1C}">
+                <a14:useLocalDpi xmlns:a14="http://schemas.microsoft.com/office/drawing/2010/main" val="0"/>
+              </a:ext>
+            </a:extLst>
+          </a:blip>
+          <a:stretch>
+            <a:fillRect/>
+          </a:stretch>
+        </p:blipFill>
+        <p:spPr>
+          <a:xfrm>
+            <a:off x="7991475" y="3582944"/>
+            <a:ext cx="2423302" cy="1630502"/>
+          </a:xfrm>
+          <a:prstGeom prst="rect">
+            <a:avLst/>
+          </a:prstGeom>
+        </p:spPr>
+      </p:pic>
     </p:spTree>
     <p:extLst>
       <p:ext uri="{BB962C8B-B14F-4D97-AF65-F5344CB8AC3E}">
@@ -9403,9 +12361,10 @@
           <a:lstStyle/>
           <a:p>
             <a:r>
-              <a:rPr lang="de-CH" sz="4000" dirty="0"/>
-              <a:t>Ablauf</a:t>
-            </a:r>
+              <a:rPr lang="de-CH" dirty="0" smtClean="0"/>
+              <a:t>Netzwerk</a:t>
+            </a:r>
+            <a:endParaRPr lang="de-CH" sz="4000" dirty="0"/>
           </a:p>
         </p:txBody>
       </p:sp>
@@ -9491,36 +12450,39 @@
           </a:p>
         </p:txBody>
       </p:sp>
-      <p:sp>
-        <p:nvSpPr>
-          <p:cNvPr id="7" name="Inhaltsplatzhalter 2"/>
-          <p:cNvSpPr>
-            <a:spLocks noGrp="1"/>
-          </p:cNvSpPr>
+      <p:pic>
+        <p:nvPicPr>
+          <p:cNvPr id="9" name="Inhaltsplatzhalter 8"/>
+          <p:cNvPicPr>
+            <a:picLocks noGrp="1" noChangeAspect="1"/>
+          </p:cNvPicPr>
           <p:nvPr>
             <p:ph idx="1"/>
           </p:nvPr>
-        </p:nvSpPr>
+        </p:nvPicPr>
+        <p:blipFill>
+          <a:blip r:embed="rId2">
+            <a:extLst>
+              <a:ext uri="{28A0092B-C50C-407E-A947-70E740481C1C}">
+                <a14:useLocalDpi xmlns:a14="http://schemas.microsoft.com/office/drawing/2010/main" val="0"/>
+              </a:ext>
+            </a:extLst>
+          </a:blip>
+          <a:stretch>
+            <a:fillRect/>
+          </a:stretch>
+        </p:blipFill>
         <p:spPr>
           <a:xfrm>
-            <a:off x="2589212" y="1628776"/>
-            <a:ext cx="8915400" cy="4286249"/>
+            <a:off x="2830392" y="1350539"/>
+            <a:ext cx="8436751" cy="4779898"/>
           </a:xfrm>
         </p:spPr>
-        <p:txBody>
-          <a:bodyPr>
-            <a:normAutofit/>
-          </a:bodyPr>
-          <a:lstStyle/>
-          <a:p>
-            <a:endParaRPr lang="de-CH" dirty="0"/>
-          </a:p>
-        </p:txBody>
-      </p:sp>
+      </p:pic>
     </p:spTree>
     <p:extLst>
       <p:ext uri="{BB962C8B-B14F-4D97-AF65-F5344CB8AC3E}">
-        <p14:creationId xmlns:p14="http://schemas.microsoft.com/office/powerpoint/2010/main" val="3723607131"/>
+        <p14:creationId xmlns:p14="http://schemas.microsoft.com/office/powerpoint/2010/main" val="3824620426"/>
       </p:ext>
     </p:extLst>
   </p:cSld>
@@ -9577,9 +12539,10 @@
           <a:lstStyle/>
           <a:p>
             <a:r>
-              <a:rPr lang="de-CH" sz="4000" dirty="0"/>
-              <a:t>Ablauf</a:t>
-            </a:r>
+              <a:rPr lang="de-CH" sz="4000" dirty="0" smtClean="0"/>
+              <a:t>Physischer Server</a:t>
+            </a:r>
+            <a:endParaRPr lang="de-CH" sz="4000" dirty="0"/>
           </a:p>
         </p:txBody>
       </p:sp>
@@ -9687,14 +12650,97 @@
           </a:bodyPr>
           <a:lstStyle/>
           <a:p>
+            <a:endParaRPr lang="de-CH" dirty="0" smtClean="0"/>
+          </a:p>
+          <a:p>
+            <a:r>
+              <a:rPr lang="de-CH" dirty="0" smtClean="0"/>
+              <a:t>Systemkonfiguration</a:t>
+            </a:r>
+          </a:p>
+          <a:p>
             <a:endParaRPr lang="de-CH" dirty="0"/>
           </a:p>
-        </p:txBody>
-      </p:sp>
+          <a:p>
+            <a:r>
+              <a:rPr lang="de-CH" dirty="0" smtClean="0"/>
+              <a:t>Netzwerkkonfiguration</a:t>
+            </a:r>
+          </a:p>
+          <a:p>
+            <a:endParaRPr lang="de-CH" dirty="0"/>
+          </a:p>
+          <a:p>
+            <a:r>
+              <a:rPr lang="de-CH" dirty="0" smtClean="0"/>
+              <a:t>Software</a:t>
+            </a:r>
+            <a:endParaRPr lang="de-CH" dirty="0"/>
+          </a:p>
+        </p:txBody>
+      </p:sp>
+      <p:pic>
+        <p:nvPicPr>
+          <p:cNvPr id="3" name="Grafik 2"/>
+          <p:cNvPicPr>
+            <a:picLocks noChangeAspect="1"/>
+          </p:cNvPicPr>
+          <p:nvPr/>
+        </p:nvPicPr>
+        <p:blipFill rotWithShape="1">
+          <a:blip r:embed="rId2">
+            <a:extLst>
+              <a:ext uri="{28A0092B-C50C-407E-A947-70E740481C1C}">
+                <a14:useLocalDpi xmlns:a14="http://schemas.microsoft.com/office/drawing/2010/main" val="0"/>
+              </a:ext>
+            </a:extLst>
+          </a:blip>
+          <a:srcRect l="15149" t="33800" r="15237" b="42382"/>
+          <a:stretch/>
+        </p:blipFill>
+        <p:spPr>
+          <a:xfrm>
+            <a:off x="7937388" y="3599627"/>
+            <a:ext cx="2817628" cy="723014"/>
+          </a:xfrm>
+          <a:prstGeom prst="rect">
+            <a:avLst/>
+          </a:prstGeom>
+        </p:spPr>
+      </p:pic>
+      <p:pic>
+        <p:nvPicPr>
+          <p:cNvPr id="9" name="Grafik 8"/>
+          <p:cNvPicPr>
+            <a:picLocks noChangeAspect="1"/>
+          </p:cNvPicPr>
+          <p:nvPr/>
+        </p:nvPicPr>
+        <p:blipFill rotWithShape="1">
+          <a:blip r:embed="rId3">
+            <a:extLst>
+              <a:ext uri="{28A0092B-C50C-407E-A947-70E740481C1C}">
+                <a14:useLocalDpi xmlns:a14="http://schemas.microsoft.com/office/drawing/2010/main" val="0"/>
+              </a:ext>
+            </a:extLst>
+          </a:blip>
+          <a:srcRect l="23342" t="11744" r="23216" b="11846"/>
+          <a:stretch/>
+        </p:blipFill>
+        <p:spPr>
+          <a:xfrm>
+            <a:off x="7187793" y="4543424"/>
+            <a:ext cx="4316819" cy="1371601"/>
+          </a:xfrm>
+          <a:prstGeom prst="rect">
+            <a:avLst/>
+          </a:prstGeom>
+        </p:spPr>
+      </p:pic>
     </p:spTree>
     <p:extLst>
       <p:ext uri="{BB962C8B-B14F-4D97-AF65-F5344CB8AC3E}">
-        <p14:creationId xmlns:p14="http://schemas.microsoft.com/office/powerpoint/2010/main" val="969093849"/>
+        <p14:creationId xmlns:p14="http://schemas.microsoft.com/office/powerpoint/2010/main" val="3723607131"/>
       </p:ext>
     </p:extLst>
   </p:cSld>
@@ -9751,9 +12797,10 @@
           <a:lstStyle/>
           <a:p>
             <a:r>
-              <a:rPr lang="de-CH" sz="4000" dirty="0"/>
-              <a:t>Ablauf</a:t>
-            </a:r>
+              <a:rPr lang="de-CH" dirty="0" smtClean="0"/>
+              <a:t>Virtualisierung mit Hyper-V</a:t>
+            </a:r>
+            <a:endParaRPr lang="de-CH" sz="4000" dirty="0"/>
           </a:p>
         </p:txBody>
       </p:sp>
@@ -9861,6 +12908,247 @@
           </a:bodyPr>
           <a:lstStyle/>
           <a:p>
+            <a:endParaRPr lang="de-CH" dirty="0" smtClean="0"/>
+          </a:p>
+          <a:p>
+            <a:r>
+              <a:rPr lang="de-CH" dirty="0" smtClean="0"/>
+              <a:t>Virtuelle </a:t>
+            </a:r>
+            <a:r>
+              <a:rPr lang="de-CH" dirty="0"/>
+              <a:t>Switch</a:t>
+            </a:r>
+          </a:p>
+          <a:p>
+            <a:endParaRPr lang="de-CH" dirty="0"/>
+          </a:p>
+          <a:p>
+            <a:r>
+              <a:rPr lang="de-CH" dirty="0" smtClean="0"/>
+              <a:t>Virtuelle Maschinen</a:t>
+            </a:r>
+          </a:p>
+          <a:p>
+            <a:pPr marL="0" indent="0">
+              <a:buNone/>
+            </a:pPr>
+            <a:endParaRPr lang="de-CH" dirty="0"/>
+          </a:p>
+          <a:p>
+            <a:r>
+              <a:rPr lang="de-CH" dirty="0" smtClean="0"/>
+              <a:t>Verhalten</a:t>
+            </a:r>
+            <a:endParaRPr lang="de-CH" dirty="0"/>
+          </a:p>
+          <a:p>
+            <a:endParaRPr lang="de-CH" dirty="0" smtClean="0"/>
+          </a:p>
+          <a:p>
+            <a:endParaRPr lang="de-CH" dirty="0" smtClean="0"/>
+          </a:p>
+        </p:txBody>
+      </p:sp>
+    </p:spTree>
+    <p:extLst>
+      <p:ext uri="{BB962C8B-B14F-4D97-AF65-F5344CB8AC3E}">
+        <p14:creationId xmlns:p14="http://schemas.microsoft.com/office/powerpoint/2010/main" val="969093849"/>
+      </p:ext>
+    </p:extLst>
+  </p:cSld>
+  <p:clrMapOvr>
+    <a:masterClrMapping/>
+  </p:clrMapOvr>
+  <p:timing>
+    <p:tnLst>
+      <p:par>
+        <p:cTn id="1" dur="indefinite" restart="never" nodeType="tmRoot"/>
+      </p:par>
+    </p:tnLst>
+  </p:timing>
+</p:sld>
+</file>
+
+<file path=ppt/slides/slide8.xml><?xml version="1.0" encoding="utf-8"?>
+<p:sld xmlns:a="http://schemas.openxmlformats.org/drawingml/2006/main" xmlns:r="http://schemas.openxmlformats.org/officeDocument/2006/relationships" xmlns:p="http://schemas.openxmlformats.org/presentationml/2006/main">
+  <p:cSld>
+    <p:spTree>
+      <p:nvGrpSpPr>
+        <p:cNvPr id="1" name=""/>
+        <p:cNvGrpSpPr/>
+        <p:nvPr/>
+      </p:nvGrpSpPr>
+      <p:grpSpPr>
+        <a:xfrm>
+          <a:off x="0" y="0"/>
+          <a:ext cx="0" cy="0"/>
+          <a:chOff x="0" y="0"/>
+          <a:chExt cx="0" cy="0"/>
+        </a:xfrm>
+      </p:grpSpPr>
+      <p:sp>
+        <p:nvSpPr>
+          <p:cNvPr id="2" name="Titel 1"/>
+          <p:cNvSpPr>
+            <a:spLocks noGrp="1"/>
+          </p:cNvSpPr>
+          <p:nvPr>
+            <p:ph type="title"/>
+          </p:nvPr>
+        </p:nvSpPr>
+        <p:spPr>
+          <a:xfrm>
+            <a:off x="2592925" y="624110"/>
+            <a:ext cx="8911687" cy="728440"/>
+          </a:xfrm>
+        </p:spPr>
+        <p:txBody>
+          <a:bodyPr>
+            <a:normAutofit/>
+          </a:bodyPr>
+          <a:lstStyle/>
+          <a:p>
+            <a:r>
+              <a:rPr lang="de-CH" dirty="0" smtClean="0"/>
+              <a:t>Virtuelle Server 1</a:t>
+            </a:r>
+            <a:endParaRPr lang="de-CH" sz="4000" dirty="0"/>
+          </a:p>
+        </p:txBody>
+      </p:sp>
+      <p:sp>
+        <p:nvSpPr>
+          <p:cNvPr id="4" name="Foliennummernplatzhalter 3"/>
+          <p:cNvSpPr>
+            <a:spLocks noGrp="1"/>
+          </p:cNvSpPr>
+          <p:nvPr>
+            <p:ph type="sldNum" sz="quarter" idx="12"/>
+          </p:nvPr>
+        </p:nvSpPr>
+        <p:spPr/>
+        <p:txBody>
+          <a:bodyPr/>
+          <a:lstStyle/>
+          <a:p>
+            <a:fld id="{D57F1E4F-1CFF-5643-939E-217C01CDF565}" type="slidenum">
+              <a:rPr lang="en-US" smtClean="0"/>
+              <a:pPr/>
+              <a:t>8</a:t>
+            </a:fld>
+            <a:endParaRPr lang="en-US" dirty="0"/>
+          </a:p>
+        </p:txBody>
+      </p:sp>
+      <p:sp>
+        <p:nvSpPr>
+          <p:cNvPr id="5" name="Datumsplatzhalter 4"/>
+          <p:cNvSpPr>
+            <a:spLocks noGrp="1"/>
+          </p:cNvSpPr>
+          <p:nvPr>
+            <p:ph type="dt" sz="half" idx="13"/>
+          </p:nvPr>
+        </p:nvSpPr>
+        <p:spPr/>
+        <p:txBody>
+          <a:bodyPr/>
+          <a:lstStyle/>
+          <a:p>
+            <a:r>
+              <a:rPr lang="de-CH" b="1" dirty="0" smtClean="0"/>
+              <a:t>02.06.2017</a:t>
+            </a:r>
+            <a:endParaRPr lang="en-US" sz="1000" b="1" dirty="0"/>
+          </a:p>
+        </p:txBody>
+      </p:sp>
+      <p:sp>
+        <p:nvSpPr>
+          <p:cNvPr id="6" name="Fußzeilenplatzhalter 5"/>
+          <p:cNvSpPr>
+            <a:spLocks noGrp="1"/>
+          </p:cNvSpPr>
+          <p:nvPr>
+            <p:ph type="ftr" sz="quarter" idx="14"/>
+          </p:nvPr>
+        </p:nvSpPr>
+        <p:spPr/>
+        <p:txBody>
+          <a:bodyPr/>
+          <a:lstStyle/>
+          <a:p>
+            <a:r>
+              <a:rPr lang="en-US" b="1" dirty="0" smtClean="0"/>
+              <a:t>Referent: </a:t>
+            </a:r>
+            <a:r>
+              <a:rPr lang="en-US" b="1" dirty="0" err="1" smtClean="0"/>
+              <a:t>Carigiet</a:t>
+            </a:r>
+            <a:r>
+              <a:rPr lang="en-US" b="1" dirty="0" smtClean="0"/>
+              <a:t> </a:t>
+            </a:r>
+            <a:r>
+              <a:rPr lang="en-US" b="1" dirty="0" err="1" smtClean="0"/>
+              <a:t>Nico</a:t>
+            </a:r>
+            <a:endParaRPr lang="en-US" b="1" dirty="0"/>
+          </a:p>
+        </p:txBody>
+      </p:sp>
+      <p:sp>
+        <p:nvSpPr>
+          <p:cNvPr id="7" name="Inhaltsplatzhalter 2"/>
+          <p:cNvSpPr>
+            <a:spLocks noGrp="1"/>
+          </p:cNvSpPr>
+          <p:nvPr>
+            <p:ph idx="1"/>
+          </p:nvPr>
+        </p:nvSpPr>
+        <p:spPr>
+          <a:xfrm>
+            <a:off x="2589212" y="1628776"/>
+            <a:ext cx="8915400" cy="4286249"/>
+          </a:xfrm>
+        </p:spPr>
+        <p:txBody>
+          <a:bodyPr>
+            <a:normAutofit/>
+          </a:bodyPr>
+          <a:lstStyle/>
+          <a:p>
+            <a:endParaRPr lang="de-CH" dirty="0" smtClean="0"/>
+          </a:p>
+          <a:p>
+            <a:r>
+              <a:rPr lang="de-CH" dirty="0" smtClean="0"/>
+              <a:t>Systemkonfiguration</a:t>
+            </a:r>
+            <a:endParaRPr lang="de-CH" dirty="0"/>
+          </a:p>
+          <a:p>
+            <a:endParaRPr lang="de-CH" dirty="0"/>
+          </a:p>
+          <a:p>
+            <a:r>
+              <a:rPr lang="de-CH" dirty="0"/>
+              <a:t>Netzwerkkonfiguration</a:t>
+            </a:r>
+          </a:p>
+          <a:p>
+            <a:endParaRPr lang="de-CH" dirty="0"/>
+          </a:p>
+          <a:p>
+            <a:r>
+              <a:rPr lang="de-CH" dirty="0"/>
+              <a:t>Software</a:t>
+            </a:r>
+          </a:p>
+          <a:p>
             <a:endParaRPr lang="de-CH" dirty="0"/>
           </a:p>
         </p:txBody>
@@ -9869,6 +13157,209 @@
     <p:extLst>
       <p:ext uri="{BB962C8B-B14F-4D97-AF65-F5344CB8AC3E}">
         <p14:creationId xmlns:p14="http://schemas.microsoft.com/office/powerpoint/2010/main" val="1642295933"/>
+      </p:ext>
+    </p:extLst>
+  </p:cSld>
+  <p:clrMapOvr>
+    <a:masterClrMapping/>
+  </p:clrMapOvr>
+  <p:timing>
+    <p:tnLst>
+      <p:par>
+        <p:cTn id="1" dur="indefinite" restart="never" nodeType="tmRoot"/>
+      </p:par>
+    </p:tnLst>
+  </p:timing>
+</p:sld>
+</file>
+
+<file path=ppt/slides/slide9.xml><?xml version="1.0" encoding="utf-8"?>
+<p:sld xmlns:a="http://schemas.openxmlformats.org/drawingml/2006/main" xmlns:r="http://schemas.openxmlformats.org/officeDocument/2006/relationships" xmlns:p="http://schemas.openxmlformats.org/presentationml/2006/main">
+  <p:cSld>
+    <p:spTree>
+      <p:nvGrpSpPr>
+        <p:cNvPr id="1" name=""/>
+        <p:cNvGrpSpPr/>
+        <p:nvPr/>
+      </p:nvGrpSpPr>
+      <p:grpSpPr>
+        <a:xfrm>
+          <a:off x="0" y="0"/>
+          <a:ext cx="0" cy="0"/>
+          <a:chOff x="0" y="0"/>
+          <a:chExt cx="0" cy="0"/>
+        </a:xfrm>
+      </p:grpSpPr>
+      <p:sp>
+        <p:nvSpPr>
+          <p:cNvPr id="2" name="Titel 1"/>
+          <p:cNvSpPr>
+            <a:spLocks noGrp="1"/>
+          </p:cNvSpPr>
+          <p:nvPr>
+            <p:ph type="title"/>
+          </p:nvPr>
+        </p:nvSpPr>
+        <p:spPr>
+          <a:xfrm>
+            <a:off x="2592925" y="624110"/>
+            <a:ext cx="8911687" cy="728440"/>
+          </a:xfrm>
+        </p:spPr>
+        <p:txBody>
+          <a:bodyPr>
+            <a:normAutofit/>
+          </a:bodyPr>
+          <a:lstStyle/>
+          <a:p>
+            <a:r>
+              <a:rPr lang="de-CH" dirty="0" smtClean="0"/>
+              <a:t>Virtuelle Server 2</a:t>
+            </a:r>
+            <a:endParaRPr lang="de-CH" sz="4000" dirty="0"/>
+          </a:p>
+        </p:txBody>
+      </p:sp>
+      <p:sp>
+        <p:nvSpPr>
+          <p:cNvPr id="4" name="Foliennummernplatzhalter 3"/>
+          <p:cNvSpPr>
+            <a:spLocks noGrp="1"/>
+          </p:cNvSpPr>
+          <p:nvPr>
+            <p:ph type="sldNum" sz="quarter" idx="12"/>
+          </p:nvPr>
+        </p:nvSpPr>
+        <p:spPr/>
+        <p:txBody>
+          <a:bodyPr/>
+          <a:lstStyle/>
+          <a:p>
+            <a:fld id="{D57F1E4F-1CFF-5643-939E-217C01CDF565}" type="slidenum">
+              <a:rPr lang="en-US" smtClean="0"/>
+              <a:pPr/>
+              <a:t>9</a:t>
+            </a:fld>
+            <a:endParaRPr lang="en-US" dirty="0"/>
+          </a:p>
+        </p:txBody>
+      </p:sp>
+      <p:sp>
+        <p:nvSpPr>
+          <p:cNvPr id="5" name="Datumsplatzhalter 4"/>
+          <p:cNvSpPr>
+            <a:spLocks noGrp="1"/>
+          </p:cNvSpPr>
+          <p:nvPr>
+            <p:ph type="dt" sz="half" idx="13"/>
+          </p:nvPr>
+        </p:nvSpPr>
+        <p:spPr/>
+        <p:txBody>
+          <a:bodyPr/>
+          <a:lstStyle/>
+          <a:p>
+            <a:r>
+              <a:rPr lang="de-CH" b="1" dirty="0" smtClean="0"/>
+              <a:t>02.06.2017</a:t>
+            </a:r>
+            <a:endParaRPr lang="en-US" sz="1000" b="1" dirty="0"/>
+          </a:p>
+        </p:txBody>
+      </p:sp>
+      <p:sp>
+        <p:nvSpPr>
+          <p:cNvPr id="6" name="Fußzeilenplatzhalter 5"/>
+          <p:cNvSpPr>
+            <a:spLocks noGrp="1"/>
+          </p:cNvSpPr>
+          <p:nvPr>
+            <p:ph type="ftr" sz="quarter" idx="14"/>
+          </p:nvPr>
+        </p:nvSpPr>
+        <p:spPr/>
+        <p:txBody>
+          <a:bodyPr/>
+          <a:lstStyle/>
+          <a:p>
+            <a:r>
+              <a:rPr lang="en-US" b="1" dirty="0" smtClean="0"/>
+              <a:t>Referent: </a:t>
+            </a:r>
+            <a:r>
+              <a:rPr lang="en-US" b="1" dirty="0" err="1" smtClean="0"/>
+              <a:t>Carigiet</a:t>
+            </a:r>
+            <a:r>
+              <a:rPr lang="en-US" b="1" dirty="0" smtClean="0"/>
+              <a:t> </a:t>
+            </a:r>
+            <a:r>
+              <a:rPr lang="en-US" b="1" dirty="0" err="1" smtClean="0"/>
+              <a:t>Nico</a:t>
+            </a:r>
+            <a:endParaRPr lang="en-US" b="1" dirty="0"/>
+          </a:p>
+        </p:txBody>
+      </p:sp>
+      <p:sp>
+        <p:nvSpPr>
+          <p:cNvPr id="7" name="Inhaltsplatzhalter 2"/>
+          <p:cNvSpPr>
+            <a:spLocks noGrp="1"/>
+          </p:cNvSpPr>
+          <p:nvPr>
+            <p:ph idx="1"/>
+          </p:nvPr>
+        </p:nvSpPr>
+        <p:spPr>
+          <a:xfrm>
+            <a:off x="2589212" y="1628776"/>
+            <a:ext cx="8915400" cy="4286249"/>
+          </a:xfrm>
+        </p:spPr>
+        <p:txBody>
+          <a:bodyPr>
+            <a:normAutofit/>
+          </a:bodyPr>
+          <a:lstStyle/>
+          <a:p>
+            <a:endParaRPr lang="de-CH" dirty="0" smtClean="0"/>
+          </a:p>
+          <a:p>
+            <a:r>
+              <a:rPr lang="de-CH" dirty="0" smtClean="0"/>
+              <a:t>Systemkonfiguration</a:t>
+            </a:r>
+            <a:endParaRPr lang="de-CH" dirty="0"/>
+          </a:p>
+          <a:p>
+            <a:endParaRPr lang="de-CH" dirty="0"/>
+          </a:p>
+          <a:p>
+            <a:r>
+              <a:rPr lang="de-CH" dirty="0"/>
+              <a:t>Netzwerkkonfiguration</a:t>
+            </a:r>
+          </a:p>
+          <a:p>
+            <a:endParaRPr lang="de-CH" dirty="0"/>
+          </a:p>
+          <a:p>
+            <a:r>
+              <a:rPr lang="de-CH" dirty="0"/>
+              <a:t>Software</a:t>
+            </a:r>
+          </a:p>
+          <a:p>
+            <a:endParaRPr lang="de-CH" dirty="0"/>
+          </a:p>
+        </p:txBody>
+      </p:sp>
+    </p:spTree>
+    <p:extLst>
+      <p:ext uri="{BB962C8B-B14F-4D97-AF65-F5344CB8AC3E}">
+        <p14:creationId xmlns:p14="http://schemas.microsoft.com/office/powerpoint/2010/main" val="885970287"/>
       </p:ext>
     </p:extLst>
   </p:cSld>

--- a/4_Dokumente/48_Präsentation & Demonstration/IPA_Präsentation_Carigiet_Nico_20170529.pptx
+++ b/4_Dokumente/48_Präsentation & Demonstration/IPA_Präsentation_Carigiet_Nico_20170529.pptx
@@ -5,31 +5,29 @@
     <p:sldMasterId id="2147483648" r:id="rId1"/>
   </p:sldMasterIdLst>
   <p:notesMasterIdLst>
-    <p:notesMasterId r:id="rId24"/>
+    <p:notesMasterId r:id="rId22"/>
   </p:notesMasterIdLst>
   <p:sldIdLst>
     <p:sldId id="262" r:id="rId2"/>
     <p:sldId id="261" r:id="rId3"/>
     <p:sldId id="263" r:id="rId4"/>
     <p:sldId id="267" r:id="rId5"/>
-    <p:sldId id="281" r:id="rId6"/>
-    <p:sldId id="266" r:id="rId7"/>
-    <p:sldId id="265" r:id="rId8"/>
-    <p:sldId id="264" r:id="rId9"/>
-    <p:sldId id="282" r:id="rId10"/>
-    <p:sldId id="268" r:id="rId11"/>
-    <p:sldId id="269" r:id="rId12"/>
-    <p:sldId id="270" r:id="rId13"/>
-    <p:sldId id="271" r:id="rId14"/>
-    <p:sldId id="272" r:id="rId15"/>
-    <p:sldId id="273" r:id="rId16"/>
-    <p:sldId id="274" r:id="rId17"/>
-    <p:sldId id="275" r:id="rId18"/>
-    <p:sldId id="276" r:id="rId19"/>
-    <p:sldId id="277" r:id="rId20"/>
-    <p:sldId id="278" r:id="rId21"/>
-    <p:sldId id="280" r:id="rId22"/>
-    <p:sldId id="279" r:id="rId23"/>
+    <p:sldId id="266" r:id="rId6"/>
+    <p:sldId id="265" r:id="rId7"/>
+    <p:sldId id="282" r:id="rId8"/>
+    <p:sldId id="268" r:id="rId9"/>
+    <p:sldId id="269" r:id="rId10"/>
+    <p:sldId id="270" r:id="rId11"/>
+    <p:sldId id="271" r:id="rId12"/>
+    <p:sldId id="272" r:id="rId13"/>
+    <p:sldId id="273" r:id="rId14"/>
+    <p:sldId id="274" r:id="rId15"/>
+    <p:sldId id="277" r:id="rId16"/>
+    <p:sldId id="276" r:id="rId17"/>
+    <p:sldId id="283" r:id="rId18"/>
+    <p:sldId id="278" r:id="rId19"/>
+    <p:sldId id="280" r:id="rId20"/>
+    <p:sldId id="279" r:id="rId21"/>
   </p:sldIdLst>
   <p:sldSz cx="12192000" cy="6858000"/>
   <p:notesSz cx="6858000" cy="9144000"/>
@@ -229,7 +227,7 @@
           <a:p>
             <a:fld id="{5E6328E6-ADD7-4F93-B5D9-B133993AEF8D}" type="datetimeFigureOut">
               <a:rPr lang="de-CH" smtClean="0"/>
-              <a:t>30.05.2017</a:t>
+              <a:t>01.06.2017</a:t>
             </a:fld>
             <a:endParaRPr lang="de-CH"/>
           </a:p>
@@ -8984,22 +8982,18 @@
         <p:spPr>
           <a:xfrm>
             <a:off x="2592925" y="624110"/>
-            <a:ext cx="8911687" cy="728440"/>
+            <a:ext cx="9033018" cy="728440"/>
           </a:xfrm>
         </p:spPr>
         <p:txBody>
           <a:bodyPr>
-            <a:normAutofit/>
+            <a:noAutofit/>
           </a:bodyPr>
           <a:lstStyle/>
           <a:p>
             <a:r>
-              <a:rPr lang="de-CH" dirty="0" err="1" smtClean="0"/>
-              <a:t>Active</a:t>
-            </a:r>
-            <a:r>
-              <a:rPr lang="de-CH" dirty="0" smtClean="0"/>
-              <a:t> Directory AD</a:t>
+              <a:rPr lang="de-CH" sz="4000" dirty="0" smtClean="0"/>
+              <a:t>Dynamische Adressverteilung DHCP</a:t>
             </a:r>
             <a:endParaRPr lang="de-CH" sz="4000" dirty="0"/>
           </a:p>
@@ -9114,48 +9108,34 @@
           <a:p>
             <a:r>
               <a:rPr lang="de-CH" dirty="0" smtClean="0"/>
-              <a:t>Domänenstruktur</a:t>
-            </a:r>
-          </a:p>
-          <a:p>
-            <a:endParaRPr lang="de-CH" dirty="0" smtClean="0"/>
+              <a:t>Bereich</a:t>
+            </a:r>
+          </a:p>
+          <a:p>
+            <a:endParaRPr lang="de-CH" dirty="0"/>
           </a:p>
           <a:p>
             <a:r>
               <a:rPr lang="de-CH" dirty="0" smtClean="0"/>
-              <a:t>Organisationseinheit</a:t>
-            </a:r>
-          </a:p>
-          <a:p>
-            <a:endParaRPr lang="de-CH" dirty="0" smtClean="0"/>
+              <a:t>Reservierungen</a:t>
+            </a:r>
+          </a:p>
+          <a:p>
+            <a:endParaRPr lang="de-CH" dirty="0"/>
           </a:p>
           <a:p>
             <a:r>
               <a:rPr lang="de-CH" dirty="0" smtClean="0"/>
-              <a:t>Benutzer und Gruppen Konzept</a:t>
-            </a:r>
-          </a:p>
-          <a:p>
-            <a:endParaRPr lang="de-CH" dirty="0" smtClean="0"/>
-          </a:p>
-          <a:p>
-            <a:r>
-              <a:rPr lang="de-CH" dirty="0"/>
-              <a:t>Freigaben und Rechte</a:t>
-            </a:r>
-          </a:p>
-          <a:p>
-            <a:pPr marL="0" indent="0">
-              <a:buNone/>
-            </a:pPr>
-            <a:endParaRPr lang="de-CH" dirty="0" smtClean="0"/>
+              <a:t>Einstellungen für Clients</a:t>
+            </a:r>
+            <a:endParaRPr lang="de-CH" dirty="0"/>
           </a:p>
         </p:txBody>
       </p:sp>
     </p:spTree>
     <p:extLst>
       <p:ext uri="{BB962C8B-B14F-4D97-AF65-F5344CB8AC3E}">
-        <p14:creationId xmlns:p14="http://schemas.microsoft.com/office/powerpoint/2010/main" val="3267587248"/>
+        <p14:creationId xmlns:p14="http://schemas.microsoft.com/office/powerpoint/2010/main" val="151852067"/>
       </p:ext>
     </p:extLst>
   </p:cSld>
@@ -9213,7 +9193,7 @@
           <a:p>
             <a:r>
               <a:rPr lang="de-CH" dirty="0" smtClean="0"/>
-              <a:t>Namensauflösung DNS</a:t>
+              <a:t>Zeitsynchronisation NTP</a:t>
             </a:r>
             <a:endParaRPr lang="de-CH" sz="4000" dirty="0"/>
           </a:p>
@@ -9328,7 +9308,16 @@
           <a:p>
             <a:r>
               <a:rPr lang="de-CH" dirty="0" smtClean="0"/>
-              <a:t>Zonen</a:t>
+              <a:t>Synchronisierungsmethode</a:t>
+            </a:r>
+          </a:p>
+          <a:p>
+            <a:endParaRPr lang="de-CH" dirty="0" smtClean="0"/>
+          </a:p>
+          <a:p>
+            <a:r>
+              <a:rPr lang="de-CH" dirty="0" smtClean="0"/>
+              <a:t>WMI Filter</a:t>
             </a:r>
           </a:p>
           <a:p>
@@ -9337,34 +9326,45 @@
           <a:p>
             <a:r>
               <a:rPr lang="de-CH" dirty="0" smtClean="0"/>
-              <a:t>Einträge</a:t>
-            </a:r>
-          </a:p>
-          <a:p>
+              <a:t>Gruppenrichtlinien</a:t>
+            </a:r>
             <a:endParaRPr lang="de-CH" dirty="0"/>
           </a:p>
-          <a:p>
-            <a:r>
-              <a:rPr lang="de-CH" dirty="0" err="1" smtClean="0"/>
-              <a:t>Forwarder</a:t>
-            </a:r>
-            <a:endParaRPr lang="de-CH" dirty="0" smtClean="0"/>
-          </a:p>
-          <a:p>
-            <a:endParaRPr lang="de-CH" dirty="0"/>
-          </a:p>
-          <a:p>
-            <a:r>
-              <a:rPr lang="de-CH" dirty="0" smtClean="0"/>
-              <a:t>IP Version</a:t>
-            </a:r>
-          </a:p>
-        </p:txBody>
-      </p:sp>
+        </p:txBody>
+      </p:sp>
+      <p:pic>
+        <p:nvPicPr>
+          <p:cNvPr id="8" name="Grafik 7"/>
+          <p:cNvPicPr>
+            <a:picLocks noChangeAspect="1"/>
+          </p:cNvPicPr>
+          <p:nvPr/>
+        </p:nvPicPr>
+        <p:blipFill rotWithShape="1">
+          <a:blip r:embed="rId2">
+            <a:extLst>
+              <a:ext uri="{28A0092B-C50C-407E-A947-70E740481C1C}">
+                <a14:useLocalDpi xmlns:a14="http://schemas.microsoft.com/office/drawing/2010/main" val="0"/>
+              </a:ext>
+            </a:extLst>
+          </a:blip>
+          <a:srcRect l="22049" r="21973" b="54235"/>
+          <a:stretch/>
+        </p:blipFill>
+        <p:spPr>
+          <a:xfrm>
+            <a:off x="7226154" y="1973584"/>
+            <a:ext cx="4278458" cy="3596632"/>
+          </a:xfrm>
+          <a:prstGeom prst="rect">
+            <a:avLst/>
+          </a:prstGeom>
+        </p:spPr>
+      </p:pic>
     </p:spTree>
     <p:extLst>
       <p:ext uri="{BB962C8B-B14F-4D97-AF65-F5344CB8AC3E}">
-        <p14:creationId xmlns:p14="http://schemas.microsoft.com/office/powerpoint/2010/main" val="3813655589"/>
+        <p14:creationId xmlns:p14="http://schemas.microsoft.com/office/powerpoint/2010/main" val="4253251796"/>
       </p:ext>
     </p:extLst>
   </p:cSld>
@@ -9411,18 +9411,18 @@
         <p:spPr>
           <a:xfrm>
             <a:off x="2592925" y="624110"/>
-            <a:ext cx="9033018" cy="728440"/>
+            <a:ext cx="8911687" cy="728440"/>
           </a:xfrm>
         </p:spPr>
         <p:txBody>
           <a:bodyPr>
-            <a:noAutofit/>
+            <a:normAutofit/>
           </a:bodyPr>
           <a:lstStyle/>
           <a:p>
             <a:r>
-              <a:rPr lang="de-CH" sz="4000" dirty="0" smtClean="0"/>
-              <a:t>Dynamische Adressverteilung DHCP</a:t>
+              <a:rPr lang="de-CH" dirty="0" smtClean="0"/>
+              <a:t>Gruppenrichtlinien GPO</a:t>
             </a:r>
             <a:endParaRPr lang="de-CH" sz="4000" dirty="0"/>
           </a:p>
@@ -9537,34 +9537,59 @@
           <a:p>
             <a:r>
               <a:rPr lang="de-CH" dirty="0" smtClean="0"/>
-              <a:t>Bereich</a:t>
-            </a:r>
-          </a:p>
-          <a:p>
-            <a:endParaRPr lang="de-CH" dirty="0"/>
+              <a:t>Unterteilung</a:t>
+            </a:r>
+          </a:p>
+          <a:p>
+            <a:endParaRPr lang="de-CH" dirty="0" smtClean="0"/>
           </a:p>
           <a:p>
             <a:r>
               <a:rPr lang="de-CH" dirty="0" smtClean="0"/>
-              <a:t>Reservierungen</a:t>
-            </a:r>
-          </a:p>
-          <a:p>
-            <a:endParaRPr lang="de-CH" dirty="0"/>
-          </a:p>
-          <a:p>
+              <a:t>Servergespeicherte </a:t>
+            </a:r>
+            <a:r>
+              <a:rPr lang="de-CH" dirty="0"/>
+              <a:t>Profile und </a:t>
+            </a:r>
             <a:r>
               <a:rPr lang="de-CH" dirty="0" smtClean="0"/>
-              <a:t>Einstellungen für Clients</a:t>
-            </a:r>
-            <a:endParaRPr lang="de-CH" dirty="0"/>
+              <a:t>Basisordner</a:t>
+            </a:r>
+            <a:endParaRPr lang="de-CH" dirty="0" smtClean="0"/>
+          </a:p>
+          <a:p>
+            <a:r>
+              <a:rPr lang="de-CH" dirty="0"/>
+              <a:t>Offline </a:t>
+            </a:r>
+            <a:r>
+              <a:rPr lang="de-CH" dirty="0" smtClean="0"/>
+              <a:t>Dateien</a:t>
+            </a:r>
+          </a:p>
+          <a:p>
+            <a:endParaRPr lang="de-CH" dirty="0" smtClean="0"/>
+          </a:p>
+          <a:p>
+            <a:r>
+              <a:rPr lang="de-CH" dirty="0" smtClean="0"/>
+              <a:t>Laufwerkzuordnung</a:t>
+            </a:r>
+            <a:endParaRPr lang="de-CH" dirty="0" smtClean="0"/>
+          </a:p>
+          <a:p>
+            <a:r>
+              <a:rPr lang="de-CH" dirty="0" smtClean="0"/>
+              <a:t>Office 2013 Vorlagen und Speicherort</a:t>
+            </a:r>
           </a:p>
         </p:txBody>
       </p:sp>
     </p:spTree>
     <p:extLst>
       <p:ext uri="{BB962C8B-B14F-4D97-AF65-F5344CB8AC3E}">
-        <p14:creationId xmlns:p14="http://schemas.microsoft.com/office/powerpoint/2010/main" val="151852067"/>
+        <p14:creationId xmlns:p14="http://schemas.microsoft.com/office/powerpoint/2010/main" val="2138057589"/>
       </p:ext>
     </p:extLst>
   </p:cSld>
@@ -9622,7 +9647,7 @@
           <a:p>
             <a:r>
               <a:rPr lang="de-CH" dirty="0" smtClean="0"/>
-              <a:t>Zeitsynchronisation NTP</a:t>
+              <a:t>Datenbanksystem MS SQL</a:t>
             </a:r>
             <a:endParaRPr lang="de-CH" sz="4000" dirty="0"/>
           </a:p>
@@ -9737,16 +9762,16 @@
           <a:p>
             <a:r>
               <a:rPr lang="de-CH" dirty="0" smtClean="0"/>
-              <a:t>Synchronisierungsmethode</a:t>
-            </a:r>
-          </a:p>
-          <a:p>
-            <a:endParaRPr lang="de-CH" dirty="0" smtClean="0"/>
+              <a:t>Authentifizierung und Verbindung</a:t>
+            </a:r>
+          </a:p>
+          <a:p>
+            <a:endParaRPr lang="de-CH" dirty="0"/>
           </a:p>
           <a:p>
             <a:r>
               <a:rPr lang="de-CH" dirty="0" smtClean="0"/>
-              <a:t>WMI Filter</a:t>
+              <a:t>Ablage</a:t>
             </a:r>
           </a:p>
           <a:p>
@@ -9755,46 +9780,16 @@
           <a:p>
             <a:r>
               <a:rPr lang="de-CH" dirty="0" smtClean="0"/>
-              <a:t>Gruppenrichtlinien</a:t>
+              <a:t>Sicherung</a:t>
             </a:r>
             <a:endParaRPr lang="de-CH" dirty="0"/>
           </a:p>
         </p:txBody>
       </p:sp>
-      <p:pic>
-        <p:nvPicPr>
-          <p:cNvPr id="3" name="Grafik 2"/>
-          <p:cNvPicPr>
-            <a:picLocks noChangeAspect="1"/>
-          </p:cNvPicPr>
-          <p:nvPr/>
-        </p:nvPicPr>
-        <p:blipFill>
-          <a:blip r:embed="rId2">
-            <a:extLst>
-              <a:ext uri="{28A0092B-C50C-407E-A947-70E740481C1C}">
-                <a14:useLocalDpi xmlns:a14="http://schemas.microsoft.com/office/drawing/2010/main" val="0"/>
-              </a:ext>
-            </a:extLst>
-          </a:blip>
-          <a:stretch>
-            <a:fillRect/>
-          </a:stretch>
-        </p:blipFill>
-        <p:spPr>
-          <a:xfrm>
-            <a:off x="7493030" y="1628776"/>
-            <a:ext cx="4011582" cy="4286249"/>
-          </a:xfrm>
-          <a:prstGeom prst="rect">
-            <a:avLst/>
-          </a:prstGeom>
-        </p:spPr>
-      </p:pic>
     </p:spTree>
     <p:extLst>
       <p:ext uri="{BB962C8B-B14F-4D97-AF65-F5344CB8AC3E}">
-        <p14:creationId xmlns:p14="http://schemas.microsoft.com/office/powerpoint/2010/main" val="4253251796"/>
+        <p14:creationId xmlns:p14="http://schemas.microsoft.com/office/powerpoint/2010/main" val="176109624"/>
       </p:ext>
     </p:extLst>
   </p:cSld>
@@ -9852,7 +9847,7 @@
           <a:p>
             <a:r>
               <a:rPr lang="de-CH" dirty="0" smtClean="0"/>
-              <a:t>Gruppenrichtlinien GPO</a:t>
+              <a:t>Updatedienst WSUS</a:t>
             </a:r>
             <a:endParaRPr lang="de-CH" sz="4000" dirty="0"/>
           </a:p>
@@ -9967,58 +9962,46 @@
           <a:p>
             <a:r>
               <a:rPr lang="de-CH" dirty="0" smtClean="0"/>
-              <a:t>Unterteilung</a:t>
-            </a:r>
-          </a:p>
-          <a:p>
-            <a:endParaRPr lang="de-CH" dirty="0" smtClean="0"/>
-          </a:p>
-          <a:p>
+              <a:t>Servereinstellungen</a:t>
+            </a:r>
+          </a:p>
+          <a:p>
+            <a:pPr lvl="1"/>
             <a:r>
               <a:rPr lang="de-CH" dirty="0" smtClean="0"/>
-              <a:t>Servergespeicherte </a:t>
-            </a:r>
-            <a:r>
-              <a:rPr lang="de-CH" dirty="0"/>
-              <a:t>Profile und </a:t>
-            </a:r>
+              <a:t>Datenbank</a:t>
+            </a:r>
+          </a:p>
+          <a:p>
+            <a:pPr lvl="1"/>
             <a:r>
               <a:rPr lang="de-CH" dirty="0" smtClean="0"/>
-              <a:t>Basisordner</a:t>
-            </a:r>
-          </a:p>
-          <a:p>
-            <a:r>
-              <a:rPr lang="de-CH" dirty="0"/>
-              <a:t>Offline </a:t>
-            </a:r>
+              <a:t>Synchronisation</a:t>
+            </a:r>
+          </a:p>
+          <a:p>
+            <a:pPr lvl="1"/>
+            <a:endParaRPr lang="de-CH" dirty="0"/>
+          </a:p>
+          <a:p>
             <a:r>
               <a:rPr lang="de-CH" dirty="0" smtClean="0"/>
-              <a:t>Dateien</a:t>
-            </a:r>
-          </a:p>
-          <a:p>
+              <a:t>Gruppenrichtlinien</a:t>
+            </a:r>
+            <a:endParaRPr lang="de-CH" dirty="0"/>
+          </a:p>
+          <a:p>
+            <a:pPr lvl="1"/>
             <a:r>
               <a:rPr lang="de-CH" dirty="0" smtClean="0"/>
-              <a:t>Laufwerkzuordnung</a:t>
-            </a:r>
-          </a:p>
-          <a:p>
-            <a:r>
-              <a:rPr lang="de-CH" dirty="0"/>
-              <a:t>Ordnerumleitung</a:t>
-            </a:r>
-          </a:p>
-          <a:p>
+              <a:t>Computergruppe</a:t>
+            </a:r>
+          </a:p>
+          <a:p>
+            <a:pPr lvl="1"/>
             <a:r>
               <a:rPr lang="de-CH" dirty="0" smtClean="0"/>
-              <a:t>Lokale Admins</a:t>
-            </a:r>
-          </a:p>
-          <a:p>
-            <a:r>
-              <a:rPr lang="de-CH" dirty="0" smtClean="0"/>
-              <a:t>Office 2013 Vorlagen und Speicherort</a:t>
+              <a:t>Updateverhalten</a:t>
             </a:r>
           </a:p>
         </p:txBody>
@@ -10026,7 +10009,7 @@
     </p:spTree>
     <p:extLst>
       <p:ext uri="{BB962C8B-B14F-4D97-AF65-F5344CB8AC3E}">
-        <p14:creationId xmlns:p14="http://schemas.microsoft.com/office/powerpoint/2010/main" val="2138057589"/>
+        <p14:creationId xmlns:p14="http://schemas.microsoft.com/office/powerpoint/2010/main" val="1172241110"/>
       </p:ext>
     </p:extLst>
   </p:cSld>
@@ -10084,7 +10067,7 @@
           <a:p>
             <a:r>
               <a:rPr lang="de-CH" dirty="0" smtClean="0"/>
-              <a:t>Datenbanksystem MS SQL</a:t>
+              <a:t>Backupsoftware Acronis</a:t>
             </a:r>
             <a:endParaRPr lang="de-CH" sz="4000" dirty="0"/>
           </a:p>
@@ -10199,7 +10182,21 @@
           <a:p>
             <a:r>
               <a:rPr lang="de-CH" dirty="0" smtClean="0"/>
-              <a:t>Authentifizierung und Verbindung</a:t>
+              <a:t>Installationsart </a:t>
+            </a:r>
+            <a:r>
+              <a:rPr lang="de-CH" smtClean="0"/>
+              <a:t>&amp; Verwaltung</a:t>
+            </a:r>
+            <a:endParaRPr lang="de-CH" dirty="0" smtClean="0"/>
+          </a:p>
+          <a:p>
+            <a:endParaRPr lang="de-CH" dirty="0" smtClean="0"/>
+          </a:p>
+          <a:p>
+            <a:r>
+              <a:rPr lang="de-CH" dirty="0" smtClean="0"/>
+              <a:t>Backupziel</a:t>
             </a:r>
           </a:p>
           <a:p>
@@ -10208,17 +10205,14 @@
           <a:p>
             <a:r>
               <a:rPr lang="de-CH" dirty="0" smtClean="0"/>
-              <a:t>Ablage</a:t>
-            </a:r>
-          </a:p>
-          <a:p>
+              <a:t>Backupauftrag</a:t>
+            </a:r>
             <a:endParaRPr lang="de-CH" dirty="0"/>
           </a:p>
           <a:p>
-            <a:r>
-              <a:rPr lang="de-CH" dirty="0" smtClean="0"/>
-              <a:t>Sicherung</a:t>
-            </a:r>
+            <a:pPr marL="0" indent="0">
+              <a:buNone/>
+            </a:pPr>
             <a:endParaRPr lang="de-CH" dirty="0"/>
           </a:p>
         </p:txBody>
@@ -10226,7 +10220,7 @@
     </p:spTree>
     <p:extLst>
       <p:ext uri="{BB962C8B-B14F-4D97-AF65-F5344CB8AC3E}">
-        <p14:creationId xmlns:p14="http://schemas.microsoft.com/office/powerpoint/2010/main" val="176109624"/>
+        <p14:creationId xmlns:p14="http://schemas.microsoft.com/office/powerpoint/2010/main" val="387608748"/>
       </p:ext>
     </p:extLst>
   </p:cSld>
@@ -10284,7 +10278,15 @@
           <a:p>
             <a:r>
               <a:rPr lang="de-CH" dirty="0" smtClean="0"/>
-              <a:t>Updatedienst WSUS</a:t>
+              <a:t>Netzwerkspeicher </a:t>
+            </a:r>
+            <a:r>
+              <a:rPr lang="de-CH" dirty="0" err="1" smtClean="0"/>
+              <a:t>Synology</a:t>
+            </a:r>
+            <a:r>
+              <a:rPr lang="de-CH" dirty="0" smtClean="0"/>
+              <a:t> NAS</a:t>
             </a:r>
             <a:endParaRPr lang="de-CH" sz="4000" dirty="0"/>
           </a:p>
@@ -10399,46 +10401,29 @@
           <a:p>
             <a:r>
               <a:rPr lang="de-CH" dirty="0" smtClean="0"/>
-              <a:t>Servereinstellungen</a:t>
-            </a:r>
-          </a:p>
-          <a:p>
-            <a:pPr lvl="1"/>
+              <a:t>Systemkonfiguration</a:t>
+            </a:r>
+          </a:p>
+          <a:p>
             <a:r>
               <a:rPr lang="de-CH" dirty="0" smtClean="0"/>
-              <a:t>Datenbank</a:t>
-            </a:r>
-          </a:p>
-          <a:p>
-            <a:pPr lvl="1"/>
+              <a:t>Netzwerkkonfiguration</a:t>
+            </a:r>
+          </a:p>
+          <a:p>
+            <a:endParaRPr lang="de-CH" dirty="0" smtClean="0"/>
+          </a:p>
+          <a:p>
             <a:r>
               <a:rPr lang="de-CH" dirty="0" smtClean="0"/>
-              <a:t>Synchronisation</a:t>
-            </a:r>
-          </a:p>
-          <a:p>
-            <a:pPr lvl="1"/>
+              <a:t>Freigabe Benutzer und Rechte</a:t>
+            </a:r>
             <a:endParaRPr lang="de-CH" dirty="0"/>
           </a:p>
           <a:p>
             <a:r>
               <a:rPr lang="de-CH" dirty="0" smtClean="0"/>
-              <a:t>Gruppenrichtlinien</a:t>
-            </a:r>
-            <a:endParaRPr lang="de-CH" dirty="0"/>
-          </a:p>
-          <a:p>
-            <a:pPr lvl="1"/>
-            <a:r>
-              <a:rPr lang="de-CH" dirty="0" smtClean="0"/>
-              <a:t>Computergruppe</a:t>
-            </a:r>
-          </a:p>
-          <a:p>
-            <a:pPr lvl="1"/>
-            <a:r>
-              <a:rPr lang="de-CH" dirty="0" smtClean="0"/>
-              <a:t>Updateverhalten</a:t>
+              <a:t>Backupsoftware und Backupaufträge</a:t>
             </a:r>
           </a:p>
         </p:txBody>
@@ -10446,7 +10431,7 @@
     </p:spTree>
     <p:extLst>
       <p:ext uri="{BB962C8B-B14F-4D97-AF65-F5344CB8AC3E}">
-        <p14:creationId xmlns:p14="http://schemas.microsoft.com/office/powerpoint/2010/main" val="1172241110"/>
+        <p14:creationId xmlns:p14="http://schemas.microsoft.com/office/powerpoint/2010/main" val="1975432854"/>
       </p:ext>
     </p:extLst>
   </p:cSld>
@@ -10503,8 +10488,8 @@
           <a:lstStyle/>
           <a:p>
             <a:r>
-              <a:rPr lang="de-CH" dirty="0" smtClean="0"/>
-              <a:t>Antivirus G-DATA</a:t>
+              <a:rPr lang="de-CH" sz="4000" dirty="0" smtClean="0"/>
+              <a:t>Backup Ablauf</a:t>
             </a:r>
             <a:endParaRPr lang="de-CH" sz="4000" dirty="0"/>
           </a:p>
@@ -10619,16 +10604,21 @@
           <a:p>
             <a:r>
               <a:rPr lang="de-CH" dirty="0" smtClean="0"/>
-              <a:t>Serverstruktur</a:t>
-            </a:r>
-          </a:p>
-          <a:p>
+              <a:t>Installationsart </a:t>
+            </a:r>
+            <a:r>
+              <a:rPr lang="de-CH" smtClean="0"/>
+              <a:t>&amp; Verwaltung</a:t>
+            </a:r>
             <a:endParaRPr lang="de-CH" dirty="0" smtClean="0"/>
           </a:p>
           <a:p>
+            <a:endParaRPr lang="de-CH" dirty="0" smtClean="0"/>
+          </a:p>
+          <a:p>
             <a:r>
               <a:rPr lang="de-CH" dirty="0" smtClean="0"/>
-              <a:t>Datenbank</a:t>
+              <a:t>Backupziel</a:t>
             </a:r>
           </a:p>
           <a:p>
@@ -10637,7 +10627,7 @@
           <a:p>
             <a:r>
               <a:rPr lang="de-CH" dirty="0" smtClean="0"/>
-              <a:t>Clienteinbindung</a:t>
+              <a:t>Backupauftrag</a:t>
             </a:r>
             <a:endParaRPr lang="de-CH" dirty="0"/>
           </a:p>
@@ -10645,12 +10635,6 @@
             <a:pPr marL="0" indent="0">
               <a:buNone/>
             </a:pPr>
-            <a:endParaRPr lang="de-CH" dirty="0" smtClean="0"/>
-          </a:p>
-          <a:p>
-            <a:endParaRPr lang="de-CH" dirty="0"/>
-          </a:p>
-          <a:p>
             <a:endParaRPr lang="de-CH" dirty="0"/>
           </a:p>
         </p:txBody>
@@ -10658,7 +10642,7 @@
     </p:spTree>
     <p:extLst>
       <p:ext uri="{BB962C8B-B14F-4D97-AF65-F5344CB8AC3E}">
-        <p14:creationId xmlns:p14="http://schemas.microsoft.com/office/powerpoint/2010/main" val="1088694241"/>
+        <p14:creationId xmlns:p14="http://schemas.microsoft.com/office/powerpoint/2010/main" val="3497088249"/>
       </p:ext>
     </p:extLst>
   </p:cSld>
@@ -10704,7 +10688,7 @@
         </p:nvSpPr>
         <p:spPr>
           <a:xfrm>
-            <a:off x="2592925" y="624110"/>
+            <a:off x="2589212" y="2730496"/>
             <a:ext cx="8911687" cy="728440"/>
           </a:xfrm>
         </p:spPr>
@@ -10714,17 +10698,10 @@
           </a:bodyPr>
           <a:lstStyle/>
           <a:p>
-            <a:r>
-              <a:rPr lang="de-CH" dirty="0" smtClean="0"/>
-              <a:t>Netzwerkspeicher </a:t>
-            </a:r>
-            <a:r>
-              <a:rPr lang="de-CH" dirty="0" err="1" smtClean="0"/>
-              <a:t>Synology</a:t>
-            </a:r>
-            <a:r>
-              <a:rPr lang="de-CH" dirty="0" smtClean="0"/>
-              <a:t> NAS</a:t>
+            <a:pPr algn="ctr"/>
+            <a:r>
+              <a:rPr lang="de-CH" sz="4000" dirty="0" smtClean="0"/>
+              <a:t>Vielen Dank für die Aufmerksamkeit</a:t>
             </a:r>
             <a:endParaRPr lang="de-CH" sz="4000" dirty="0"/>
           </a:p>
@@ -10812,64 +10789,10 @@
           </a:p>
         </p:txBody>
       </p:sp>
-      <p:sp>
-        <p:nvSpPr>
-          <p:cNvPr id="7" name="Inhaltsplatzhalter 2"/>
-          <p:cNvSpPr>
-            <a:spLocks noGrp="1"/>
-          </p:cNvSpPr>
-          <p:nvPr>
-            <p:ph idx="1"/>
-          </p:nvPr>
-        </p:nvSpPr>
-        <p:spPr>
-          <a:xfrm>
-            <a:off x="2589212" y="1628776"/>
-            <a:ext cx="8915400" cy="4286249"/>
-          </a:xfrm>
-        </p:spPr>
-        <p:txBody>
-          <a:bodyPr>
-            <a:normAutofit/>
-          </a:bodyPr>
-          <a:lstStyle/>
-          <a:p>
-            <a:endParaRPr lang="de-CH" dirty="0" smtClean="0"/>
-          </a:p>
-          <a:p>
-            <a:r>
-              <a:rPr lang="de-CH" dirty="0" smtClean="0"/>
-              <a:t>Systemkonfiguration</a:t>
-            </a:r>
-          </a:p>
-          <a:p>
-            <a:r>
-              <a:rPr lang="de-CH" dirty="0" smtClean="0"/>
-              <a:t>Netzwerkkonfiguration</a:t>
-            </a:r>
-          </a:p>
-          <a:p>
-            <a:endParaRPr lang="de-CH" dirty="0" smtClean="0"/>
-          </a:p>
-          <a:p>
-            <a:r>
-              <a:rPr lang="de-CH" dirty="0" smtClean="0"/>
-              <a:t>Freigabe Benutzer und Rechte</a:t>
-            </a:r>
-            <a:endParaRPr lang="de-CH" dirty="0"/>
-          </a:p>
-          <a:p>
-            <a:r>
-              <a:rPr lang="de-CH" dirty="0" smtClean="0"/>
-              <a:t>Backupsoftware und Backupaufträge</a:t>
-            </a:r>
-          </a:p>
-        </p:txBody>
-      </p:sp>
     </p:spTree>
     <p:extLst>
       <p:ext uri="{BB962C8B-B14F-4D97-AF65-F5344CB8AC3E}">
-        <p14:creationId xmlns:p14="http://schemas.microsoft.com/office/powerpoint/2010/main" val="1975432854"/>
+        <p14:creationId xmlns:p14="http://schemas.microsoft.com/office/powerpoint/2010/main" val="2689393552"/>
       </p:ext>
     </p:extLst>
   </p:cSld>
@@ -10910,32 +10833,108 @@
             <a:spLocks noGrp="1"/>
           </p:cNvSpPr>
           <p:nvPr>
-            <p:ph type="title"/>
+            <p:ph type="ctrTitle"/>
           </p:nvPr>
         </p:nvSpPr>
         <p:spPr>
           <a:xfrm>
-            <a:off x="2592925" y="624110"/>
-            <a:ext cx="8911687" cy="728440"/>
+            <a:off x="2589212" y="1279982"/>
+            <a:ext cx="8915399" cy="1683981"/>
           </a:xfrm>
         </p:spPr>
         <p:txBody>
+          <a:bodyPr/>
+          <a:lstStyle/>
+          <a:p>
+            <a:r>
+              <a:rPr lang="de-CH" dirty="0" smtClean="0"/>
+              <a:t>IPA Demonstration</a:t>
+            </a:r>
+            <a:endParaRPr lang="de-CH" dirty="0"/>
+          </a:p>
+        </p:txBody>
+      </p:sp>
+      <p:sp>
+        <p:nvSpPr>
+          <p:cNvPr id="3" name="Untertitel 2"/>
+          <p:cNvSpPr>
+            <a:spLocks noGrp="1"/>
+          </p:cNvSpPr>
+          <p:nvPr>
+            <p:ph type="subTitle" idx="1"/>
+          </p:nvPr>
+        </p:nvSpPr>
+        <p:spPr>
+          <a:xfrm>
+            <a:off x="2589212" y="3530869"/>
+            <a:ext cx="8915399" cy="1126283"/>
+          </a:xfrm>
+        </p:spPr>
+        <p:txBody>
           <a:bodyPr>
-            <a:normAutofit/>
+            <a:normAutofit fontScale="92500"/>
           </a:bodyPr>
           <a:lstStyle/>
           <a:p>
             <a:r>
-              <a:rPr lang="de-CH" dirty="0" smtClean="0"/>
-              <a:t>Backupsoftware Acronis</a:t>
-            </a:r>
-            <a:endParaRPr lang="de-CH" sz="4000" dirty="0"/>
-          </a:p>
-        </p:txBody>
-      </p:sp>
-      <p:sp>
-        <p:nvSpPr>
-          <p:cNvPr id="4" name="Foliennummernplatzhalter 3"/>
+              <a:rPr lang="de-CH" sz="2800" dirty="0"/>
+              <a:t>Installation Client/Serveranlage für KMU mit Windows Server 2012 R2 und Windows 10 Professional.</a:t>
+            </a:r>
+          </a:p>
+          <a:p>
+            <a:endParaRPr lang="de-CH" dirty="0"/>
+          </a:p>
+        </p:txBody>
+      </p:sp>
+      <p:sp>
+        <p:nvSpPr>
+          <p:cNvPr id="4" name="Datumsplatzhalter 3"/>
+          <p:cNvSpPr>
+            <a:spLocks noGrp="1"/>
+          </p:cNvSpPr>
+          <p:nvPr>
+            <p:ph type="dt" sz="half" idx="10"/>
+          </p:nvPr>
+        </p:nvSpPr>
+        <p:spPr/>
+        <p:txBody>
+          <a:bodyPr/>
+          <a:lstStyle/>
+          <a:p>
+            <a:r>
+              <a:rPr lang="de-CH" smtClean="0"/>
+              <a:t>02.06.2017</a:t>
+            </a:r>
+            <a:endParaRPr lang="en-US" dirty="0"/>
+          </a:p>
+        </p:txBody>
+      </p:sp>
+      <p:sp>
+        <p:nvSpPr>
+          <p:cNvPr id="5" name="Fußzeilenplatzhalter 4"/>
+          <p:cNvSpPr>
+            <a:spLocks noGrp="1"/>
+          </p:cNvSpPr>
+          <p:nvPr>
+            <p:ph type="ftr" sz="quarter" idx="11"/>
+          </p:nvPr>
+        </p:nvSpPr>
+        <p:spPr/>
+        <p:txBody>
+          <a:bodyPr/>
+          <a:lstStyle/>
+          <a:p>
+            <a:r>
+              <a:rPr lang="en-US" smtClean="0"/>
+              <a:t>Referent: Carigiet Nico</a:t>
+            </a:r>
+            <a:endParaRPr lang="en-US" dirty="0"/>
+          </a:p>
+        </p:txBody>
+      </p:sp>
+      <p:sp>
+        <p:nvSpPr>
+          <p:cNvPr id="6" name="Foliennummernplatzhalter 5"/>
           <p:cNvSpPr>
             <a:spLocks noGrp="1"/>
           </p:cNvSpPr>
@@ -10957,130 +10956,10 @@
           </a:p>
         </p:txBody>
       </p:sp>
-      <p:sp>
-        <p:nvSpPr>
-          <p:cNvPr id="5" name="Datumsplatzhalter 4"/>
-          <p:cNvSpPr>
-            <a:spLocks noGrp="1"/>
-          </p:cNvSpPr>
-          <p:nvPr>
-            <p:ph type="dt" sz="half" idx="13"/>
-          </p:nvPr>
-        </p:nvSpPr>
-        <p:spPr/>
-        <p:txBody>
-          <a:bodyPr/>
-          <a:lstStyle/>
-          <a:p>
-            <a:r>
-              <a:rPr lang="de-CH" b="1" dirty="0" smtClean="0"/>
-              <a:t>02.06.2017</a:t>
-            </a:r>
-            <a:endParaRPr lang="en-US" sz="1000" b="1" dirty="0"/>
-          </a:p>
-        </p:txBody>
-      </p:sp>
-      <p:sp>
-        <p:nvSpPr>
-          <p:cNvPr id="6" name="Fußzeilenplatzhalter 5"/>
-          <p:cNvSpPr>
-            <a:spLocks noGrp="1"/>
-          </p:cNvSpPr>
-          <p:nvPr>
-            <p:ph type="ftr" sz="quarter" idx="14"/>
-          </p:nvPr>
-        </p:nvSpPr>
-        <p:spPr/>
-        <p:txBody>
-          <a:bodyPr/>
-          <a:lstStyle/>
-          <a:p>
-            <a:r>
-              <a:rPr lang="en-US" b="1" dirty="0" smtClean="0"/>
-              <a:t>Referent: </a:t>
-            </a:r>
-            <a:r>
-              <a:rPr lang="en-US" b="1" dirty="0" err="1" smtClean="0"/>
-              <a:t>Carigiet</a:t>
-            </a:r>
-            <a:r>
-              <a:rPr lang="en-US" b="1" dirty="0" smtClean="0"/>
-              <a:t> </a:t>
-            </a:r>
-            <a:r>
-              <a:rPr lang="en-US" b="1" dirty="0" err="1" smtClean="0"/>
-              <a:t>Nico</a:t>
-            </a:r>
-            <a:endParaRPr lang="en-US" b="1" dirty="0"/>
-          </a:p>
-        </p:txBody>
-      </p:sp>
-      <p:sp>
-        <p:nvSpPr>
-          <p:cNvPr id="7" name="Inhaltsplatzhalter 2"/>
-          <p:cNvSpPr>
-            <a:spLocks noGrp="1"/>
-          </p:cNvSpPr>
-          <p:nvPr>
-            <p:ph idx="1"/>
-          </p:nvPr>
-        </p:nvSpPr>
-        <p:spPr>
-          <a:xfrm>
-            <a:off x="2589212" y="1628776"/>
-            <a:ext cx="8915400" cy="4286249"/>
-          </a:xfrm>
-        </p:spPr>
-        <p:txBody>
-          <a:bodyPr>
-            <a:normAutofit/>
-          </a:bodyPr>
-          <a:lstStyle/>
-          <a:p>
-            <a:endParaRPr lang="de-CH" dirty="0" smtClean="0"/>
-          </a:p>
-          <a:p>
-            <a:r>
-              <a:rPr lang="de-CH" dirty="0" smtClean="0"/>
-              <a:t>Installationsart </a:t>
-            </a:r>
-            <a:r>
-              <a:rPr lang="de-CH" smtClean="0"/>
-              <a:t>&amp; Verwaltung</a:t>
-            </a:r>
-            <a:endParaRPr lang="de-CH" dirty="0" smtClean="0"/>
-          </a:p>
-          <a:p>
-            <a:endParaRPr lang="de-CH" dirty="0" smtClean="0"/>
-          </a:p>
-          <a:p>
-            <a:r>
-              <a:rPr lang="de-CH" dirty="0" smtClean="0"/>
-              <a:t>Backupziel</a:t>
-            </a:r>
-          </a:p>
-          <a:p>
-            <a:endParaRPr lang="de-CH" dirty="0"/>
-          </a:p>
-          <a:p>
-            <a:r>
-              <a:rPr lang="de-CH" dirty="0" smtClean="0"/>
-              <a:t>Backupauftrag</a:t>
-            </a:r>
-            <a:endParaRPr lang="de-CH" dirty="0"/>
-          </a:p>
-          <a:p>
-            <a:pPr marL="0" indent="0">
-              <a:buNone/>
-            </a:pPr>
-            <a:endParaRPr lang="de-CH" dirty="0"/>
-          </a:p>
-        </p:txBody>
-      </p:sp>
     </p:spTree>
     <p:extLst>
       <p:ext uri="{BB962C8B-B14F-4D97-AF65-F5344CB8AC3E}">
-        <p14:creationId xmlns:p14="http://schemas.microsoft.com/office/powerpoint/2010/main" val="387608748"/>
+        <p14:creationId xmlns:p14="http://schemas.microsoft.com/office/powerpoint/2010/main" val="587708582"/>
       </p:ext>
     </p:extLst>
   </p:cSld>
@@ -11347,7 +11226,7 @@
         </p:nvSpPr>
         <p:spPr>
           <a:xfrm>
-            <a:off x="2589212" y="2730496"/>
+            <a:off x="2592925" y="624110"/>
             <a:ext cx="8911687" cy="728440"/>
           </a:xfrm>
         </p:spPr>
@@ -11357,10 +11236,9 @@
           </a:bodyPr>
           <a:lstStyle/>
           <a:p>
-            <a:pPr algn="ctr"/>
-            <a:r>
-              <a:rPr lang="de-CH" sz="4000" dirty="0" smtClean="0"/>
-              <a:t>Vielen Dank für die Aufmerksamkeit</a:t>
+            <a:r>
+              <a:rPr lang="de-CH" dirty="0" smtClean="0"/>
+              <a:t>Ablauf Demonstration</a:t>
             </a:r>
             <a:endParaRPr lang="de-CH" sz="4000" dirty="0"/>
           </a:p>
@@ -11385,322 +11263,6 @@
               <a:rPr lang="en-US" smtClean="0"/>
               <a:pPr/>
               <a:t>20</a:t>
-            </a:fld>
-            <a:endParaRPr lang="en-US" dirty="0"/>
-          </a:p>
-        </p:txBody>
-      </p:sp>
-      <p:sp>
-        <p:nvSpPr>
-          <p:cNvPr id="5" name="Datumsplatzhalter 4"/>
-          <p:cNvSpPr>
-            <a:spLocks noGrp="1"/>
-          </p:cNvSpPr>
-          <p:nvPr>
-            <p:ph type="dt" sz="half" idx="13"/>
-          </p:nvPr>
-        </p:nvSpPr>
-        <p:spPr/>
-        <p:txBody>
-          <a:bodyPr/>
-          <a:lstStyle/>
-          <a:p>
-            <a:r>
-              <a:rPr lang="de-CH" b="1" dirty="0" smtClean="0"/>
-              <a:t>02.06.2017</a:t>
-            </a:r>
-            <a:endParaRPr lang="en-US" sz="1000" b="1" dirty="0"/>
-          </a:p>
-        </p:txBody>
-      </p:sp>
-      <p:sp>
-        <p:nvSpPr>
-          <p:cNvPr id="6" name="Fußzeilenplatzhalter 5"/>
-          <p:cNvSpPr>
-            <a:spLocks noGrp="1"/>
-          </p:cNvSpPr>
-          <p:nvPr>
-            <p:ph type="ftr" sz="quarter" idx="14"/>
-          </p:nvPr>
-        </p:nvSpPr>
-        <p:spPr/>
-        <p:txBody>
-          <a:bodyPr/>
-          <a:lstStyle/>
-          <a:p>
-            <a:r>
-              <a:rPr lang="en-US" b="1" dirty="0" smtClean="0"/>
-              <a:t>Referent: </a:t>
-            </a:r>
-            <a:r>
-              <a:rPr lang="en-US" b="1" dirty="0" err="1" smtClean="0"/>
-              <a:t>Carigiet</a:t>
-            </a:r>
-            <a:r>
-              <a:rPr lang="en-US" b="1" dirty="0" smtClean="0"/>
-              <a:t> </a:t>
-            </a:r>
-            <a:r>
-              <a:rPr lang="en-US" b="1" dirty="0" err="1" smtClean="0"/>
-              <a:t>Nico</a:t>
-            </a:r>
-            <a:endParaRPr lang="en-US" b="1" dirty="0"/>
-          </a:p>
-        </p:txBody>
-      </p:sp>
-    </p:spTree>
-    <p:extLst>
-      <p:ext uri="{BB962C8B-B14F-4D97-AF65-F5344CB8AC3E}">
-        <p14:creationId xmlns:p14="http://schemas.microsoft.com/office/powerpoint/2010/main" val="2689393552"/>
-      </p:ext>
-    </p:extLst>
-  </p:cSld>
-  <p:clrMapOvr>
-    <a:masterClrMapping/>
-  </p:clrMapOvr>
-  <p:timing>
-    <p:tnLst>
-      <p:par>
-        <p:cTn id="1" dur="indefinite" restart="never" nodeType="tmRoot"/>
-      </p:par>
-    </p:tnLst>
-  </p:timing>
-</p:sld>
-</file>
-
-<file path=ppt/slides/slide21.xml><?xml version="1.0" encoding="utf-8"?>
-<p:sld xmlns:a="http://schemas.openxmlformats.org/drawingml/2006/main" xmlns:r="http://schemas.openxmlformats.org/officeDocument/2006/relationships" xmlns:p="http://schemas.openxmlformats.org/presentationml/2006/main">
-  <p:cSld>
-    <p:spTree>
-      <p:nvGrpSpPr>
-        <p:cNvPr id="1" name=""/>
-        <p:cNvGrpSpPr/>
-        <p:nvPr/>
-      </p:nvGrpSpPr>
-      <p:grpSpPr>
-        <a:xfrm>
-          <a:off x="0" y="0"/>
-          <a:ext cx="0" cy="0"/>
-          <a:chOff x="0" y="0"/>
-          <a:chExt cx="0" cy="0"/>
-        </a:xfrm>
-      </p:grpSpPr>
-      <p:sp>
-        <p:nvSpPr>
-          <p:cNvPr id="2" name="Titel 1"/>
-          <p:cNvSpPr>
-            <a:spLocks noGrp="1"/>
-          </p:cNvSpPr>
-          <p:nvPr>
-            <p:ph type="ctrTitle"/>
-          </p:nvPr>
-        </p:nvSpPr>
-        <p:spPr>
-          <a:xfrm>
-            <a:off x="2589212" y="1279982"/>
-            <a:ext cx="8915399" cy="1683981"/>
-          </a:xfrm>
-        </p:spPr>
-        <p:txBody>
-          <a:bodyPr/>
-          <a:lstStyle/>
-          <a:p>
-            <a:r>
-              <a:rPr lang="de-CH" dirty="0" smtClean="0"/>
-              <a:t>IPA Demonstration</a:t>
-            </a:r>
-            <a:endParaRPr lang="de-CH" dirty="0"/>
-          </a:p>
-        </p:txBody>
-      </p:sp>
-      <p:sp>
-        <p:nvSpPr>
-          <p:cNvPr id="3" name="Untertitel 2"/>
-          <p:cNvSpPr>
-            <a:spLocks noGrp="1"/>
-          </p:cNvSpPr>
-          <p:nvPr>
-            <p:ph type="subTitle" idx="1"/>
-          </p:nvPr>
-        </p:nvSpPr>
-        <p:spPr>
-          <a:xfrm>
-            <a:off x="2589212" y="3530869"/>
-            <a:ext cx="8915399" cy="1126283"/>
-          </a:xfrm>
-        </p:spPr>
-        <p:txBody>
-          <a:bodyPr>
-            <a:normAutofit fontScale="92500"/>
-          </a:bodyPr>
-          <a:lstStyle/>
-          <a:p>
-            <a:r>
-              <a:rPr lang="de-CH" sz="2800" dirty="0"/>
-              <a:t>Installation Client/Serveranlage für KMU mit Windows Server 2012 R2 und Windows 10 Professional.</a:t>
-            </a:r>
-          </a:p>
-          <a:p>
-            <a:endParaRPr lang="de-CH" dirty="0"/>
-          </a:p>
-        </p:txBody>
-      </p:sp>
-      <p:sp>
-        <p:nvSpPr>
-          <p:cNvPr id="4" name="Datumsplatzhalter 3"/>
-          <p:cNvSpPr>
-            <a:spLocks noGrp="1"/>
-          </p:cNvSpPr>
-          <p:nvPr>
-            <p:ph type="dt" sz="half" idx="10"/>
-          </p:nvPr>
-        </p:nvSpPr>
-        <p:spPr/>
-        <p:txBody>
-          <a:bodyPr/>
-          <a:lstStyle/>
-          <a:p>
-            <a:r>
-              <a:rPr lang="de-CH" smtClean="0"/>
-              <a:t>02.06.2017</a:t>
-            </a:r>
-            <a:endParaRPr lang="en-US" dirty="0"/>
-          </a:p>
-        </p:txBody>
-      </p:sp>
-      <p:sp>
-        <p:nvSpPr>
-          <p:cNvPr id="5" name="Fußzeilenplatzhalter 4"/>
-          <p:cNvSpPr>
-            <a:spLocks noGrp="1"/>
-          </p:cNvSpPr>
-          <p:nvPr>
-            <p:ph type="ftr" sz="quarter" idx="11"/>
-          </p:nvPr>
-        </p:nvSpPr>
-        <p:spPr/>
-        <p:txBody>
-          <a:bodyPr/>
-          <a:lstStyle/>
-          <a:p>
-            <a:r>
-              <a:rPr lang="en-US" smtClean="0"/>
-              <a:t>Referent: Carigiet Nico</a:t>
-            </a:r>
-            <a:endParaRPr lang="en-US" dirty="0"/>
-          </a:p>
-        </p:txBody>
-      </p:sp>
-      <p:sp>
-        <p:nvSpPr>
-          <p:cNvPr id="6" name="Foliennummernplatzhalter 5"/>
-          <p:cNvSpPr>
-            <a:spLocks noGrp="1"/>
-          </p:cNvSpPr>
-          <p:nvPr>
-            <p:ph type="sldNum" sz="quarter" idx="12"/>
-          </p:nvPr>
-        </p:nvSpPr>
-        <p:spPr/>
-        <p:txBody>
-          <a:bodyPr/>
-          <a:lstStyle/>
-          <a:p>
-            <a:fld id="{D57F1E4F-1CFF-5643-939E-217C01CDF565}" type="slidenum">
-              <a:rPr lang="en-US" smtClean="0"/>
-              <a:pPr/>
-              <a:t>21</a:t>
-            </a:fld>
-            <a:endParaRPr lang="en-US" dirty="0"/>
-          </a:p>
-        </p:txBody>
-      </p:sp>
-    </p:spTree>
-    <p:extLst>
-      <p:ext uri="{BB962C8B-B14F-4D97-AF65-F5344CB8AC3E}">
-        <p14:creationId xmlns:p14="http://schemas.microsoft.com/office/powerpoint/2010/main" val="587708582"/>
-      </p:ext>
-    </p:extLst>
-  </p:cSld>
-  <p:clrMapOvr>
-    <a:masterClrMapping/>
-  </p:clrMapOvr>
-  <p:timing>
-    <p:tnLst>
-      <p:par>
-        <p:cTn id="1" dur="indefinite" restart="never" nodeType="tmRoot"/>
-      </p:par>
-    </p:tnLst>
-  </p:timing>
-</p:sld>
-</file>
-
-<file path=ppt/slides/slide22.xml><?xml version="1.0" encoding="utf-8"?>
-<p:sld xmlns:a="http://schemas.openxmlformats.org/drawingml/2006/main" xmlns:r="http://schemas.openxmlformats.org/officeDocument/2006/relationships" xmlns:p="http://schemas.openxmlformats.org/presentationml/2006/main">
-  <p:cSld>
-    <p:spTree>
-      <p:nvGrpSpPr>
-        <p:cNvPr id="1" name=""/>
-        <p:cNvGrpSpPr/>
-        <p:nvPr/>
-      </p:nvGrpSpPr>
-      <p:grpSpPr>
-        <a:xfrm>
-          <a:off x="0" y="0"/>
-          <a:ext cx="0" cy="0"/>
-          <a:chOff x="0" y="0"/>
-          <a:chExt cx="0" cy="0"/>
-        </a:xfrm>
-      </p:grpSpPr>
-      <p:sp>
-        <p:nvSpPr>
-          <p:cNvPr id="2" name="Titel 1"/>
-          <p:cNvSpPr>
-            <a:spLocks noGrp="1"/>
-          </p:cNvSpPr>
-          <p:nvPr>
-            <p:ph type="title"/>
-          </p:nvPr>
-        </p:nvSpPr>
-        <p:spPr>
-          <a:xfrm>
-            <a:off x="2592925" y="624110"/>
-            <a:ext cx="8911687" cy="728440"/>
-          </a:xfrm>
-        </p:spPr>
-        <p:txBody>
-          <a:bodyPr>
-            <a:normAutofit/>
-          </a:bodyPr>
-          <a:lstStyle/>
-          <a:p>
-            <a:r>
-              <a:rPr lang="de-CH" dirty="0" smtClean="0"/>
-              <a:t>Ablauf Demonstration</a:t>
-            </a:r>
-            <a:endParaRPr lang="de-CH" sz="4000" dirty="0"/>
-          </a:p>
-        </p:txBody>
-      </p:sp>
-      <p:sp>
-        <p:nvSpPr>
-          <p:cNvPr id="4" name="Foliennummernplatzhalter 3"/>
-          <p:cNvSpPr>
-            <a:spLocks noGrp="1"/>
-          </p:cNvSpPr>
-          <p:nvPr>
-            <p:ph type="sldNum" sz="quarter" idx="12"/>
-          </p:nvPr>
-        </p:nvSpPr>
-        <p:spPr/>
-        <p:txBody>
-          <a:bodyPr/>
-          <a:lstStyle/>
-          <a:p>
-            <a:fld id="{D57F1E4F-1CFF-5643-939E-217C01CDF565}" type="slidenum">
-              <a:rPr lang="en-US" smtClean="0"/>
-              <a:pPr/>
-              <a:t>22</a:t>
             </a:fld>
             <a:endParaRPr lang="en-US" dirty="0"/>
           </a:p>
@@ -11988,13 +11550,17 @@
           <a:p>
             <a:r>
               <a:rPr lang="de-CH" dirty="0" smtClean="0"/>
-              <a:t>Updatedienst WSUS</a:t>
-            </a:r>
-          </a:p>
-          <a:p>
+              <a:t>Updatedienst </a:t>
+            </a:r>
             <a:r>
               <a:rPr lang="de-CH" dirty="0" smtClean="0"/>
-              <a:t>Antivirus G-DATA</a:t>
+              <a:t>WSUS</a:t>
+            </a:r>
+          </a:p>
+          <a:p>
+            <a:r>
+              <a:rPr lang="de-CH" dirty="0"/>
+              <a:t>Backupsoftware Acronis</a:t>
             </a:r>
           </a:p>
           <a:p>
@@ -12009,12 +11575,6 @@
             <a:r>
               <a:rPr lang="de-CH" dirty="0" smtClean="0"/>
               <a:t> NAS</a:t>
-            </a:r>
-          </a:p>
-          <a:p>
-            <a:r>
-              <a:rPr lang="de-CH" dirty="0" smtClean="0"/>
-              <a:t>Backupsoftware Acronis</a:t>
             </a:r>
           </a:p>
           <a:p>
@@ -12361,8 +11921,8 @@
           <a:lstStyle/>
           <a:p>
             <a:r>
-              <a:rPr lang="de-CH" dirty="0" smtClean="0"/>
-              <a:t>Netzwerk</a:t>
+              <a:rPr lang="de-CH" sz="4000" dirty="0" smtClean="0"/>
+              <a:t>Physischer Server</a:t>
             </a:r>
             <a:endParaRPr lang="de-CH" sz="4000" dirty="0"/>
           </a:p>
@@ -12450,184 +12010,6 @@
           </a:p>
         </p:txBody>
       </p:sp>
-      <p:pic>
-        <p:nvPicPr>
-          <p:cNvPr id="9" name="Inhaltsplatzhalter 8"/>
-          <p:cNvPicPr>
-            <a:picLocks noGrp="1" noChangeAspect="1"/>
-          </p:cNvPicPr>
-          <p:nvPr>
-            <p:ph idx="1"/>
-          </p:nvPr>
-        </p:nvPicPr>
-        <p:blipFill>
-          <a:blip r:embed="rId2">
-            <a:extLst>
-              <a:ext uri="{28A0092B-C50C-407E-A947-70E740481C1C}">
-                <a14:useLocalDpi xmlns:a14="http://schemas.microsoft.com/office/drawing/2010/main" val="0"/>
-              </a:ext>
-            </a:extLst>
-          </a:blip>
-          <a:stretch>
-            <a:fillRect/>
-          </a:stretch>
-        </p:blipFill>
-        <p:spPr>
-          <a:xfrm>
-            <a:off x="2830392" y="1350539"/>
-            <a:ext cx="8436751" cy="4779898"/>
-          </a:xfrm>
-        </p:spPr>
-      </p:pic>
-    </p:spTree>
-    <p:extLst>
-      <p:ext uri="{BB962C8B-B14F-4D97-AF65-F5344CB8AC3E}">
-        <p14:creationId xmlns:p14="http://schemas.microsoft.com/office/powerpoint/2010/main" val="3824620426"/>
-      </p:ext>
-    </p:extLst>
-  </p:cSld>
-  <p:clrMapOvr>
-    <a:masterClrMapping/>
-  </p:clrMapOvr>
-  <p:timing>
-    <p:tnLst>
-      <p:par>
-        <p:cTn id="1" dur="indefinite" restart="never" nodeType="tmRoot"/>
-      </p:par>
-    </p:tnLst>
-  </p:timing>
-</p:sld>
-</file>
-
-<file path=ppt/slides/slide6.xml><?xml version="1.0" encoding="utf-8"?>
-<p:sld xmlns:a="http://schemas.openxmlformats.org/drawingml/2006/main" xmlns:r="http://schemas.openxmlformats.org/officeDocument/2006/relationships" xmlns:p="http://schemas.openxmlformats.org/presentationml/2006/main">
-  <p:cSld>
-    <p:spTree>
-      <p:nvGrpSpPr>
-        <p:cNvPr id="1" name=""/>
-        <p:cNvGrpSpPr/>
-        <p:nvPr/>
-      </p:nvGrpSpPr>
-      <p:grpSpPr>
-        <a:xfrm>
-          <a:off x="0" y="0"/>
-          <a:ext cx="0" cy="0"/>
-          <a:chOff x="0" y="0"/>
-          <a:chExt cx="0" cy="0"/>
-        </a:xfrm>
-      </p:grpSpPr>
-      <p:sp>
-        <p:nvSpPr>
-          <p:cNvPr id="2" name="Titel 1"/>
-          <p:cNvSpPr>
-            <a:spLocks noGrp="1"/>
-          </p:cNvSpPr>
-          <p:nvPr>
-            <p:ph type="title"/>
-          </p:nvPr>
-        </p:nvSpPr>
-        <p:spPr>
-          <a:xfrm>
-            <a:off x="2592925" y="624110"/>
-            <a:ext cx="8911687" cy="728440"/>
-          </a:xfrm>
-        </p:spPr>
-        <p:txBody>
-          <a:bodyPr>
-            <a:normAutofit/>
-          </a:bodyPr>
-          <a:lstStyle/>
-          <a:p>
-            <a:r>
-              <a:rPr lang="de-CH" sz="4000" dirty="0" smtClean="0"/>
-              <a:t>Physischer Server</a:t>
-            </a:r>
-            <a:endParaRPr lang="de-CH" sz="4000" dirty="0"/>
-          </a:p>
-        </p:txBody>
-      </p:sp>
-      <p:sp>
-        <p:nvSpPr>
-          <p:cNvPr id="4" name="Foliennummernplatzhalter 3"/>
-          <p:cNvSpPr>
-            <a:spLocks noGrp="1"/>
-          </p:cNvSpPr>
-          <p:nvPr>
-            <p:ph type="sldNum" sz="quarter" idx="12"/>
-          </p:nvPr>
-        </p:nvSpPr>
-        <p:spPr/>
-        <p:txBody>
-          <a:bodyPr/>
-          <a:lstStyle/>
-          <a:p>
-            <a:fld id="{D57F1E4F-1CFF-5643-939E-217C01CDF565}" type="slidenum">
-              <a:rPr lang="en-US" smtClean="0"/>
-              <a:pPr/>
-              <a:t>6</a:t>
-            </a:fld>
-            <a:endParaRPr lang="en-US" dirty="0"/>
-          </a:p>
-        </p:txBody>
-      </p:sp>
-      <p:sp>
-        <p:nvSpPr>
-          <p:cNvPr id="5" name="Datumsplatzhalter 4"/>
-          <p:cNvSpPr>
-            <a:spLocks noGrp="1"/>
-          </p:cNvSpPr>
-          <p:nvPr>
-            <p:ph type="dt" sz="half" idx="13"/>
-          </p:nvPr>
-        </p:nvSpPr>
-        <p:spPr/>
-        <p:txBody>
-          <a:bodyPr/>
-          <a:lstStyle/>
-          <a:p>
-            <a:r>
-              <a:rPr lang="de-CH" b="1" dirty="0" smtClean="0"/>
-              <a:t>02.06.2017</a:t>
-            </a:r>
-            <a:endParaRPr lang="en-US" sz="1000" b="1" dirty="0"/>
-          </a:p>
-        </p:txBody>
-      </p:sp>
-      <p:sp>
-        <p:nvSpPr>
-          <p:cNvPr id="6" name="Fußzeilenplatzhalter 5"/>
-          <p:cNvSpPr>
-            <a:spLocks noGrp="1"/>
-          </p:cNvSpPr>
-          <p:nvPr>
-            <p:ph type="ftr" sz="quarter" idx="14"/>
-          </p:nvPr>
-        </p:nvSpPr>
-        <p:spPr/>
-        <p:txBody>
-          <a:bodyPr/>
-          <a:lstStyle/>
-          <a:p>
-            <a:r>
-              <a:rPr lang="en-US" b="1" dirty="0" smtClean="0"/>
-              <a:t>Referent: </a:t>
-            </a:r>
-            <a:r>
-              <a:rPr lang="en-US" b="1" dirty="0" err="1" smtClean="0"/>
-              <a:t>Carigiet</a:t>
-            </a:r>
-            <a:r>
-              <a:rPr lang="en-US" b="1" dirty="0" smtClean="0"/>
-              <a:t> </a:t>
-            </a:r>
-            <a:r>
-              <a:rPr lang="en-US" b="1" dirty="0" err="1" smtClean="0"/>
-              <a:t>Nico</a:t>
-            </a:r>
-            <a:endParaRPr lang="en-US" b="1" dirty="0"/>
-          </a:p>
-        </p:txBody>
-      </p:sp>
       <p:sp>
         <p:nvSpPr>
           <p:cNvPr id="7" name="Inhaltsplatzhalter 2"/>
@@ -12657,8 +12039,6 @@
               <a:rPr lang="de-CH" dirty="0" smtClean="0"/>
               <a:t>Systemkonfiguration</a:t>
             </a:r>
-          </a:p>
-          <a:p>
             <a:endParaRPr lang="de-CH" dirty="0"/>
           </a:p>
           <a:p>
@@ -12668,12 +12048,40 @@
             </a:r>
           </a:p>
           <a:p>
+            <a:pPr lvl="1"/>
+            <a:r>
+              <a:rPr lang="de-CH" dirty="0" smtClean="0"/>
+              <a:t>Produktiv</a:t>
+            </a:r>
+          </a:p>
+          <a:p>
+            <a:pPr lvl="1"/>
+            <a:r>
+              <a:rPr lang="de-CH" dirty="0" smtClean="0"/>
+              <a:t>Datensicherung</a:t>
+            </a:r>
+          </a:p>
+          <a:p>
             <a:endParaRPr lang="de-CH" dirty="0"/>
           </a:p>
           <a:p>
             <a:r>
               <a:rPr lang="de-CH" dirty="0" smtClean="0"/>
               <a:t>Software</a:t>
+            </a:r>
+          </a:p>
+          <a:p>
+            <a:pPr lvl="1"/>
+            <a:r>
+              <a:rPr lang="de-CH" dirty="0" smtClean="0"/>
+              <a:t>Acronis Backup</a:t>
+            </a:r>
+          </a:p>
+          <a:p>
+            <a:pPr lvl="1"/>
+            <a:r>
+              <a:rPr lang="de-CH" dirty="0" smtClean="0"/>
+              <a:t>Hyper-V</a:t>
             </a:r>
             <a:endParaRPr lang="de-CH" dirty="0"/>
           </a:p>
@@ -12757,6 +12165,233 @@
 </p:sld>
 </file>
 
+<file path=ppt/slides/slide6.xml><?xml version="1.0" encoding="utf-8"?>
+<p:sld xmlns:a="http://schemas.openxmlformats.org/drawingml/2006/main" xmlns:r="http://schemas.openxmlformats.org/officeDocument/2006/relationships" xmlns:p="http://schemas.openxmlformats.org/presentationml/2006/main">
+  <p:cSld>
+    <p:spTree>
+      <p:nvGrpSpPr>
+        <p:cNvPr id="1" name=""/>
+        <p:cNvGrpSpPr/>
+        <p:nvPr/>
+      </p:nvGrpSpPr>
+      <p:grpSpPr>
+        <a:xfrm>
+          <a:off x="0" y="0"/>
+          <a:ext cx="0" cy="0"/>
+          <a:chOff x="0" y="0"/>
+          <a:chExt cx="0" cy="0"/>
+        </a:xfrm>
+      </p:grpSpPr>
+      <p:sp>
+        <p:nvSpPr>
+          <p:cNvPr id="2" name="Titel 1"/>
+          <p:cNvSpPr>
+            <a:spLocks noGrp="1"/>
+          </p:cNvSpPr>
+          <p:nvPr>
+            <p:ph type="title"/>
+          </p:nvPr>
+        </p:nvSpPr>
+        <p:spPr>
+          <a:xfrm>
+            <a:off x="2592925" y="624110"/>
+            <a:ext cx="8911687" cy="728440"/>
+          </a:xfrm>
+        </p:spPr>
+        <p:txBody>
+          <a:bodyPr>
+            <a:normAutofit/>
+          </a:bodyPr>
+          <a:lstStyle/>
+          <a:p>
+            <a:r>
+              <a:rPr lang="de-CH" dirty="0" smtClean="0"/>
+              <a:t>Virtualisierung mit Hyper-V</a:t>
+            </a:r>
+            <a:endParaRPr lang="de-CH" sz="4000" dirty="0"/>
+          </a:p>
+        </p:txBody>
+      </p:sp>
+      <p:sp>
+        <p:nvSpPr>
+          <p:cNvPr id="4" name="Foliennummernplatzhalter 3"/>
+          <p:cNvSpPr>
+            <a:spLocks noGrp="1"/>
+          </p:cNvSpPr>
+          <p:nvPr>
+            <p:ph type="sldNum" sz="quarter" idx="12"/>
+          </p:nvPr>
+        </p:nvSpPr>
+        <p:spPr/>
+        <p:txBody>
+          <a:bodyPr/>
+          <a:lstStyle/>
+          <a:p>
+            <a:fld id="{D57F1E4F-1CFF-5643-939E-217C01CDF565}" type="slidenum">
+              <a:rPr lang="en-US" smtClean="0"/>
+              <a:pPr/>
+              <a:t>6</a:t>
+            </a:fld>
+            <a:endParaRPr lang="en-US" dirty="0"/>
+          </a:p>
+        </p:txBody>
+      </p:sp>
+      <p:sp>
+        <p:nvSpPr>
+          <p:cNvPr id="5" name="Datumsplatzhalter 4"/>
+          <p:cNvSpPr>
+            <a:spLocks noGrp="1"/>
+          </p:cNvSpPr>
+          <p:nvPr>
+            <p:ph type="dt" sz="half" idx="13"/>
+          </p:nvPr>
+        </p:nvSpPr>
+        <p:spPr/>
+        <p:txBody>
+          <a:bodyPr/>
+          <a:lstStyle/>
+          <a:p>
+            <a:r>
+              <a:rPr lang="de-CH" b="1" dirty="0" smtClean="0"/>
+              <a:t>02.06.2017</a:t>
+            </a:r>
+            <a:endParaRPr lang="en-US" sz="1000" b="1" dirty="0"/>
+          </a:p>
+        </p:txBody>
+      </p:sp>
+      <p:sp>
+        <p:nvSpPr>
+          <p:cNvPr id="6" name="Fußzeilenplatzhalter 5"/>
+          <p:cNvSpPr>
+            <a:spLocks noGrp="1"/>
+          </p:cNvSpPr>
+          <p:nvPr>
+            <p:ph type="ftr" sz="quarter" idx="14"/>
+          </p:nvPr>
+        </p:nvSpPr>
+        <p:spPr/>
+        <p:txBody>
+          <a:bodyPr/>
+          <a:lstStyle/>
+          <a:p>
+            <a:r>
+              <a:rPr lang="en-US" b="1" dirty="0" smtClean="0"/>
+              <a:t>Referent: </a:t>
+            </a:r>
+            <a:r>
+              <a:rPr lang="en-US" b="1" dirty="0" err="1" smtClean="0"/>
+              <a:t>Carigiet</a:t>
+            </a:r>
+            <a:r>
+              <a:rPr lang="en-US" b="1" dirty="0" smtClean="0"/>
+              <a:t> </a:t>
+            </a:r>
+            <a:r>
+              <a:rPr lang="en-US" b="1" dirty="0" err="1" smtClean="0"/>
+              <a:t>Nico</a:t>
+            </a:r>
+            <a:endParaRPr lang="en-US" b="1" dirty="0"/>
+          </a:p>
+        </p:txBody>
+      </p:sp>
+      <p:sp>
+        <p:nvSpPr>
+          <p:cNvPr id="7" name="Inhaltsplatzhalter 2"/>
+          <p:cNvSpPr>
+            <a:spLocks noGrp="1"/>
+          </p:cNvSpPr>
+          <p:nvPr>
+            <p:ph idx="1"/>
+          </p:nvPr>
+        </p:nvSpPr>
+        <p:spPr>
+          <a:xfrm>
+            <a:off x="2589212" y="1628776"/>
+            <a:ext cx="8915400" cy="4286249"/>
+          </a:xfrm>
+        </p:spPr>
+        <p:txBody>
+          <a:bodyPr>
+            <a:normAutofit/>
+          </a:bodyPr>
+          <a:lstStyle/>
+          <a:p>
+            <a:endParaRPr lang="de-CH" dirty="0" smtClean="0"/>
+          </a:p>
+          <a:p>
+            <a:r>
+              <a:rPr lang="de-CH" dirty="0" smtClean="0"/>
+              <a:t>Virtuelle </a:t>
+            </a:r>
+            <a:r>
+              <a:rPr lang="de-CH" dirty="0"/>
+              <a:t>Switch</a:t>
+            </a:r>
+          </a:p>
+          <a:p>
+            <a:endParaRPr lang="de-CH" dirty="0"/>
+          </a:p>
+          <a:p>
+            <a:r>
+              <a:rPr lang="de-CH" dirty="0" smtClean="0"/>
+              <a:t>Virtuelle Maschinen</a:t>
+            </a:r>
+          </a:p>
+          <a:p>
+            <a:pPr marL="0" indent="0">
+              <a:buNone/>
+            </a:pPr>
+            <a:endParaRPr lang="de-CH" dirty="0"/>
+          </a:p>
+          <a:p>
+            <a:r>
+              <a:rPr lang="de-CH" dirty="0" smtClean="0"/>
+              <a:t>Verhalten</a:t>
+            </a:r>
+          </a:p>
+          <a:p>
+            <a:pPr lvl="1"/>
+            <a:r>
+              <a:rPr lang="de-CH" dirty="0" smtClean="0"/>
+              <a:t>Startverhalten</a:t>
+            </a:r>
+          </a:p>
+          <a:p>
+            <a:pPr lvl="1"/>
+            <a:r>
+              <a:rPr lang="de-CH" dirty="0" smtClean="0"/>
+              <a:t>Stoppverhalten</a:t>
+            </a:r>
+            <a:endParaRPr lang="de-CH" dirty="0"/>
+          </a:p>
+          <a:p>
+            <a:endParaRPr lang="de-CH" dirty="0" smtClean="0"/>
+          </a:p>
+          <a:p>
+            <a:endParaRPr lang="de-CH" dirty="0" smtClean="0"/>
+          </a:p>
+        </p:txBody>
+      </p:sp>
+    </p:spTree>
+    <p:extLst>
+      <p:ext uri="{BB962C8B-B14F-4D97-AF65-F5344CB8AC3E}">
+        <p14:creationId xmlns:p14="http://schemas.microsoft.com/office/powerpoint/2010/main" val="969093849"/>
+      </p:ext>
+    </p:extLst>
+  </p:cSld>
+  <p:clrMapOvr>
+    <a:masterClrMapping/>
+  </p:clrMapOvr>
+  <p:timing>
+    <p:tnLst>
+      <p:par>
+        <p:cTn id="1" dur="indefinite" restart="never" nodeType="tmRoot"/>
+      </p:par>
+    </p:tnLst>
+  </p:timing>
+</p:sld>
+</file>
+
 <file path=ppt/slides/slide7.xml><?xml version="1.0" encoding="utf-8"?>
 <p:sld xmlns:a="http://schemas.openxmlformats.org/drawingml/2006/main" xmlns:r="http://schemas.openxmlformats.org/officeDocument/2006/relationships" xmlns:p="http://schemas.openxmlformats.org/presentationml/2006/main">
   <p:cSld>
@@ -12798,7 +12433,7 @@
           <a:p>
             <a:r>
               <a:rPr lang="de-CH" dirty="0" smtClean="0"/>
-              <a:t>Virtualisierung mit Hyper-V</a:t>
+              <a:t>Virtuelle Server</a:t>
             </a:r>
             <a:endParaRPr lang="de-CH" sz="4000" dirty="0"/>
           </a:p>
@@ -12898,8 +12533,8 @@
         </p:nvSpPr>
         <p:spPr>
           <a:xfrm>
-            <a:off x="2589212" y="1628776"/>
-            <a:ext cx="8915400" cy="4286249"/>
+            <a:off x="2589212" y="1628777"/>
+            <a:ext cx="8915400" cy="4261036"/>
           </a:xfrm>
         </p:spPr>
         <p:txBody>
@@ -12913,21 +12548,16 @@
           <a:p>
             <a:r>
               <a:rPr lang="de-CH" dirty="0" smtClean="0"/>
-              <a:t>Virtuelle </a:t>
-            </a:r>
-            <a:r>
-              <a:rPr lang="de-CH" dirty="0"/>
-              <a:t>Switch</a:t>
-            </a:r>
-          </a:p>
-          <a:p>
+              <a:t>Systemkonfiguration</a:t>
+            </a:r>
             <a:endParaRPr lang="de-CH" dirty="0"/>
           </a:p>
           <a:p>
             <a:r>
               <a:rPr lang="de-CH" dirty="0" smtClean="0"/>
-              <a:t>Virtuelle Maschinen</a:t>
-            </a:r>
+              <a:t>Netzwerkkonfiguration</a:t>
+            </a:r>
+            <a:endParaRPr lang="de-CH" dirty="0"/>
           </a:p>
           <a:p>
             <a:pPr marL="0" indent="0">
@@ -12935,25 +12565,566 @@
             </a:pPr>
             <a:endParaRPr lang="de-CH" dirty="0"/>
           </a:p>
+        </p:txBody>
+      </p:sp>
+      <p:sp>
+        <p:nvSpPr>
+          <p:cNvPr id="8" name="Inhaltsplatzhalter 2"/>
+          <p:cNvSpPr txBox="1">
+            <a:spLocks/>
+          </p:cNvSpPr>
+          <p:nvPr/>
+        </p:nvSpPr>
+        <p:spPr>
+          <a:xfrm>
+            <a:off x="2589212" y="3428999"/>
+            <a:ext cx="4120870" cy="2706809"/>
+          </a:xfrm>
+          <a:prstGeom prst="rect">
+            <a:avLst/>
+          </a:prstGeom>
+        </p:spPr>
+        <p:txBody>
+          <a:bodyPr vert="horz" lIns="91440" tIns="45720" rIns="91440" bIns="45720" rtlCol="0">
+            <a:normAutofit/>
+          </a:bodyPr>
+          <a:lstStyle>
+            <a:lvl1pPr marL="342900" indent="-342900" algn="l" defTabSz="457200" rtl="0" eaLnBrk="1" latinLnBrk="0" hangingPunct="1">
+              <a:spcBef>
+                <a:spcPts val="1000"/>
+              </a:spcBef>
+              <a:spcAft>
+                <a:spcPts val="0"/>
+              </a:spcAft>
+              <a:buClr>
+                <a:schemeClr val="accent1"/>
+              </a:buClr>
+              <a:buFont typeface="Wingdings 3" charset="2"/>
+              <a:buChar char=""/>
+              <a:defRPr sz="2200" kern="1200">
+                <a:solidFill>
+                  <a:schemeClr val="tx1">
+                    <a:lumMod val="75000"/>
+                    <a:lumOff val="25000"/>
+                  </a:schemeClr>
+                </a:solidFill>
+                <a:latin typeface="+mn-lt"/>
+                <a:ea typeface="+mn-ea"/>
+                <a:cs typeface="+mn-cs"/>
+              </a:defRPr>
+            </a:lvl1pPr>
+            <a:lvl2pPr marL="742950" indent="-285750" algn="l" defTabSz="457200" rtl="0" eaLnBrk="1" latinLnBrk="0" hangingPunct="1">
+              <a:spcBef>
+                <a:spcPts val="1000"/>
+              </a:spcBef>
+              <a:spcAft>
+                <a:spcPts val="0"/>
+              </a:spcAft>
+              <a:buClr>
+                <a:schemeClr val="accent1"/>
+              </a:buClr>
+              <a:buFont typeface="Wingdings 3" charset="2"/>
+              <a:buChar char=""/>
+              <a:defRPr sz="2000" kern="1200">
+                <a:solidFill>
+                  <a:schemeClr val="tx1">
+                    <a:lumMod val="75000"/>
+                    <a:lumOff val="25000"/>
+                  </a:schemeClr>
+                </a:solidFill>
+                <a:latin typeface="+mn-lt"/>
+                <a:ea typeface="+mn-ea"/>
+                <a:cs typeface="+mn-cs"/>
+              </a:defRPr>
+            </a:lvl2pPr>
+            <a:lvl3pPr marL="1143000" indent="-228600" algn="l" defTabSz="457200" rtl="0" eaLnBrk="1" latinLnBrk="0" hangingPunct="1">
+              <a:spcBef>
+                <a:spcPts val="1000"/>
+              </a:spcBef>
+              <a:spcAft>
+                <a:spcPts val="0"/>
+              </a:spcAft>
+              <a:buClr>
+                <a:schemeClr val="accent1"/>
+              </a:buClr>
+              <a:buFont typeface="Wingdings 3" charset="2"/>
+              <a:buChar char=""/>
+              <a:defRPr sz="1800" kern="1200">
+                <a:solidFill>
+                  <a:schemeClr val="tx1">
+                    <a:lumMod val="75000"/>
+                    <a:lumOff val="25000"/>
+                  </a:schemeClr>
+                </a:solidFill>
+                <a:latin typeface="+mn-lt"/>
+                <a:ea typeface="+mn-ea"/>
+                <a:cs typeface="+mn-cs"/>
+              </a:defRPr>
+            </a:lvl3pPr>
+            <a:lvl4pPr marL="1600200" indent="-228600" algn="l" defTabSz="457200" rtl="0" eaLnBrk="1" latinLnBrk="0" hangingPunct="1">
+              <a:spcBef>
+                <a:spcPts val="1000"/>
+              </a:spcBef>
+              <a:spcAft>
+                <a:spcPts val="0"/>
+              </a:spcAft>
+              <a:buClr>
+                <a:schemeClr val="accent1"/>
+              </a:buClr>
+              <a:buFont typeface="Wingdings 3" charset="2"/>
+              <a:buChar char=""/>
+              <a:defRPr sz="1600" kern="1200">
+                <a:solidFill>
+                  <a:schemeClr val="tx1">
+                    <a:lumMod val="75000"/>
+                    <a:lumOff val="25000"/>
+                  </a:schemeClr>
+                </a:solidFill>
+                <a:latin typeface="+mn-lt"/>
+                <a:ea typeface="+mn-ea"/>
+                <a:cs typeface="+mn-cs"/>
+              </a:defRPr>
+            </a:lvl4pPr>
+            <a:lvl5pPr marL="1828800" indent="0" algn="l" defTabSz="457200" rtl="0" eaLnBrk="1" latinLnBrk="0" hangingPunct="1">
+              <a:spcBef>
+                <a:spcPts val="1000"/>
+              </a:spcBef>
+              <a:spcAft>
+                <a:spcPts val="0"/>
+              </a:spcAft>
+              <a:buClr>
+                <a:schemeClr val="accent1"/>
+              </a:buClr>
+              <a:buFont typeface="Wingdings 3" charset="2"/>
+              <a:buNone/>
+              <a:defRPr sz="1200" kern="1200">
+                <a:solidFill>
+                  <a:schemeClr val="tx1">
+                    <a:lumMod val="75000"/>
+                    <a:lumOff val="25000"/>
+                  </a:schemeClr>
+                </a:solidFill>
+                <a:latin typeface="+mn-lt"/>
+                <a:ea typeface="+mn-ea"/>
+                <a:cs typeface="+mn-cs"/>
+              </a:defRPr>
+            </a:lvl5pPr>
+            <a:lvl6pPr marL="2514600" indent="-228600" algn="l" defTabSz="457200" rtl="0" eaLnBrk="1" latinLnBrk="0" hangingPunct="1">
+              <a:spcBef>
+                <a:spcPts val="1000"/>
+              </a:spcBef>
+              <a:spcAft>
+                <a:spcPts val="0"/>
+              </a:spcAft>
+              <a:buClr>
+                <a:schemeClr val="accent1"/>
+              </a:buClr>
+              <a:buFont typeface="Wingdings 3" charset="2"/>
+              <a:buChar char=""/>
+              <a:defRPr sz="1200" kern="1200">
+                <a:solidFill>
+                  <a:schemeClr val="tx1">
+                    <a:lumMod val="75000"/>
+                    <a:lumOff val="25000"/>
+                  </a:schemeClr>
+                </a:solidFill>
+                <a:latin typeface="+mn-lt"/>
+                <a:ea typeface="+mn-ea"/>
+                <a:cs typeface="+mn-cs"/>
+              </a:defRPr>
+            </a:lvl6pPr>
+            <a:lvl7pPr marL="2971800" indent="-228600" algn="l" defTabSz="457200" rtl="0" eaLnBrk="1" latinLnBrk="0" hangingPunct="1">
+              <a:spcBef>
+                <a:spcPts val="1000"/>
+              </a:spcBef>
+              <a:spcAft>
+                <a:spcPts val="0"/>
+              </a:spcAft>
+              <a:buClr>
+                <a:schemeClr val="accent1"/>
+              </a:buClr>
+              <a:buFont typeface="Wingdings 3" charset="2"/>
+              <a:buChar char=""/>
+              <a:defRPr sz="1200" kern="1200">
+                <a:solidFill>
+                  <a:schemeClr val="tx1">
+                    <a:lumMod val="75000"/>
+                    <a:lumOff val="25000"/>
+                  </a:schemeClr>
+                </a:solidFill>
+                <a:latin typeface="+mn-lt"/>
+                <a:ea typeface="+mn-ea"/>
+                <a:cs typeface="+mn-cs"/>
+              </a:defRPr>
+            </a:lvl7pPr>
+            <a:lvl8pPr marL="3429000" indent="-228600" algn="l" defTabSz="457200" rtl="0" eaLnBrk="1" latinLnBrk="0" hangingPunct="1">
+              <a:spcBef>
+                <a:spcPts val="1000"/>
+              </a:spcBef>
+              <a:spcAft>
+                <a:spcPts val="0"/>
+              </a:spcAft>
+              <a:buClr>
+                <a:schemeClr val="accent1"/>
+              </a:buClr>
+              <a:buFont typeface="Wingdings 3" charset="2"/>
+              <a:buChar char=""/>
+              <a:defRPr sz="1200" kern="1200">
+                <a:solidFill>
+                  <a:schemeClr val="tx1">
+                    <a:lumMod val="75000"/>
+                    <a:lumOff val="25000"/>
+                  </a:schemeClr>
+                </a:solidFill>
+                <a:latin typeface="+mn-lt"/>
+                <a:ea typeface="+mn-ea"/>
+                <a:cs typeface="+mn-cs"/>
+              </a:defRPr>
+            </a:lvl8pPr>
+            <a:lvl9pPr marL="3886200" indent="-228600" algn="l" defTabSz="457200" rtl="0" eaLnBrk="1" latinLnBrk="0" hangingPunct="1">
+              <a:spcBef>
+                <a:spcPts val="1000"/>
+              </a:spcBef>
+              <a:spcAft>
+                <a:spcPts val="0"/>
+              </a:spcAft>
+              <a:buClr>
+                <a:schemeClr val="accent1"/>
+              </a:buClr>
+              <a:buFont typeface="Wingdings 3" charset="2"/>
+              <a:buChar char=""/>
+              <a:defRPr sz="1200" kern="1200">
+                <a:solidFill>
+                  <a:schemeClr val="tx1">
+                    <a:lumMod val="75000"/>
+                    <a:lumOff val="25000"/>
+                  </a:schemeClr>
+                </a:solidFill>
+                <a:latin typeface="+mn-lt"/>
+                <a:ea typeface="+mn-ea"/>
+                <a:cs typeface="+mn-cs"/>
+              </a:defRPr>
+            </a:lvl9pPr>
+          </a:lstStyle>
           <a:p>
             <a:r>
               <a:rPr lang="de-CH" dirty="0" smtClean="0"/>
-              <a:t>Verhalten</a:t>
-            </a:r>
-            <a:endParaRPr lang="de-CH" dirty="0"/>
-          </a:p>
-          <a:p>
+              <a:t>Software Server 01</a:t>
+            </a:r>
+          </a:p>
+          <a:p>
+            <a:pPr lvl="1"/>
+            <a:r>
+              <a:rPr lang="de-CH" dirty="0" smtClean="0"/>
+              <a:t>AD</a:t>
+            </a:r>
+          </a:p>
+          <a:p>
+            <a:pPr lvl="1"/>
+            <a:r>
+              <a:rPr lang="de-CH" dirty="0" smtClean="0"/>
+              <a:t>DNS</a:t>
+            </a:r>
+          </a:p>
+          <a:p>
+            <a:pPr lvl="1"/>
+            <a:r>
+              <a:rPr lang="de-CH" dirty="0" smtClean="0"/>
+              <a:t>DHCP</a:t>
+            </a:r>
+          </a:p>
+          <a:p>
+            <a:pPr lvl="1"/>
+            <a:r>
+              <a:rPr lang="de-CH" dirty="0" smtClean="0"/>
+              <a:t>NTP</a:t>
+            </a:r>
+          </a:p>
+          <a:p>
+            <a:pPr lvl="1"/>
             <a:endParaRPr lang="de-CH" dirty="0" smtClean="0"/>
           </a:p>
-          <a:p>
-            <a:endParaRPr lang="de-CH" dirty="0" smtClean="0"/>
+        </p:txBody>
+      </p:sp>
+      <p:sp>
+        <p:nvSpPr>
+          <p:cNvPr id="9" name="Inhaltsplatzhalter 2"/>
+          <p:cNvSpPr txBox="1">
+            <a:spLocks/>
+          </p:cNvSpPr>
+          <p:nvPr/>
+        </p:nvSpPr>
+        <p:spPr>
+          <a:xfrm>
+            <a:off x="7120217" y="3428999"/>
+            <a:ext cx="3974259" cy="2701437"/>
+          </a:xfrm>
+          <a:prstGeom prst="rect">
+            <a:avLst/>
+          </a:prstGeom>
+        </p:spPr>
+        <p:txBody>
+          <a:bodyPr vert="horz" lIns="91440" tIns="45720" rIns="91440" bIns="45720" rtlCol="0">
+            <a:normAutofit/>
+          </a:bodyPr>
+          <a:lstStyle>
+            <a:lvl1pPr marL="342900" indent="-342900" algn="l" defTabSz="457200" rtl="0" eaLnBrk="1" latinLnBrk="0" hangingPunct="1">
+              <a:spcBef>
+                <a:spcPts val="1000"/>
+              </a:spcBef>
+              <a:spcAft>
+                <a:spcPts val="0"/>
+              </a:spcAft>
+              <a:buClr>
+                <a:schemeClr val="accent1"/>
+              </a:buClr>
+              <a:buFont typeface="Wingdings 3" charset="2"/>
+              <a:buChar char=""/>
+              <a:defRPr sz="2200" kern="1200">
+                <a:solidFill>
+                  <a:schemeClr val="tx1">
+                    <a:lumMod val="75000"/>
+                    <a:lumOff val="25000"/>
+                  </a:schemeClr>
+                </a:solidFill>
+                <a:latin typeface="+mn-lt"/>
+                <a:ea typeface="+mn-ea"/>
+                <a:cs typeface="+mn-cs"/>
+              </a:defRPr>
+            </a:lvl1pPr>
+            <a:lvl2pPr marL="742950" indent="-285750" algn="l" defTabSz="457200" rtl="0" eaLnBrk="1" latinLnBrk="0" hangingPunct="1">
+              <a:spcBef>
+                <a:spcPts val="1000"/>
+              </a:spcBef>
+              <a:spcAft>
+                <a:spcPts val="0"/>
+              </a:spcAft>
+              <a:buClr>
+                <a:schemeClr val="accent1"/>
+              </a:buClr>
+              <a:buFont typeface="Wingdings 3" charset="2"/>
+              <a:buChar char=""/>
+              <a:defRPr sz="2000" kern="1200">
+                <a:solidFill>
+                  <a:schemeClr val="tx1">
+                    <a:lumMod val="75000"/>
+                    <a:lumOff val="25000"/>
+                  </a:schemeClr>
+                </a:solidFill>
+                <a:latin typeface="+mn-lt"/>
+                <a:ea typeface="+mn-ea"/>
+                <a:cs typeface="+mn-cs"/>
+              </a:defRPr>
+            </a:lvl2pPr>
+            <a:lvl3pPr marL="1143000" indent="-228600" algn="l" defTabSz="457200" rtl="0" eaLnBrk="1" latinLnBrk="0" hangingPunct="1">
+              <a:spcBef>
+                <a:spcPts val="1000"/>
+              </a:spcBef>
+              <a:spcAft>
+                <a:spcPts val="0"/>
+              </a:spcAft>
+              <a:buClr>
+                <a:schemeClr val="accent1"/>
+              </a:buClr>
+              <a:buFont typeface="Wingdings 3" charset="2"/>
+              <a:buChar char=""/>
+              <a:defRPr sz="1800" kern="1200">
+                <a:solidFill>
+                  <a:schemeClr val="tx1">
+                    <a:lumMod val="75000"/>
+                    <a:lumOff val="25000"/>
+                  </a:schemeClr>
+                </a:solidFill>
+                <a:latin typeface="+mn-lt"/>
+                <a:ea typeface="+mn-ea"/>
+                <a:cs typeface="+mn-cs"/>
+              </a:defRPr>
+            </a:lvl3pPr>
+            <a:lvl4pPr marL="1600200" indent="-228600" algn="l" defTabSz="457200" rtl="0" eaLnBrk="1" latinLnBrk="0" hangingPunct="1">
+              <a:spcBef>
+                <a:spcPts val="1000"/>
+              </a:spcBef>
+              <a:spcAft>
+                <a:spcPts val="0"/>
+              </a:spcAft>
+              <a:buClr>
+                <a:schemeClr val="accent1"/>
+              </a:buClr>
+              <a:buFont typeface="Wingdings 3" charset="2"/>
+              <a:buChar char=""/>
+              <a:defRPr sz="1600" kern="1200">
+                <a:solidFill>
+                  <a:schemeClr val="tx1">
+                    <a:lumMod val="75000"/>
+                    <a:lumOff val="25000"/>
+                  </a:schemeClr>
+                </a:solidFill>
+                <a:latin typeface="+mn-lt"/>
+                <a:ea typeface="+mn-ea"/>
+                <a:cs typeface="+mn-cs"/>
+              </a:defRPr>
+            </a:lvl4pPr>
+            <a:lvl5pPr marL="1828800" indent="0" algn="l" defTabSz="457200" rtl="0" eaLnBrk="1" latinLnBrk="0" hangingPunct="1">
+              <a:spcBef>
+                <a:spcPts val="1000"/>
+              </a:spcBef>
+              <a:spcAft>
+                <a:spcPts val="0"/>
+              </a:spcAft>
+              <a:buClr>
+                <a:schemeClr val="accent1"/>
+              </a:buClr>
+              <a:buFont typeface="Wingdings 3" charset="2"/>
+              <a:buNone/>
+              <a:defRPr sz="1200" kern="1200">
+                <a:solidFill>
+                  <a:schemeClr val="tx1">
+                    <a:lumMod val="75000"/>
+                    <a:lumOff val="25000"/>
+                  </a:schemeClr>
+                </a:solidFill>
+                <a:latin typeface="+mn-lt"/>
+                <a:ea typeface="+mn-ea"/>
+                <a:cs typeface="+mn-cs"/>
+              </a:defRPr>
+            </a:lvl5pPr>
+            <a:lvl6pPr marL="2514600" indent="-228600" algn="l" defTabSz="457200" rtl="0" eaLnBrk="1" latinLnBrk="0" hangingPunct="1">
+              <a:spcBef>
+                <a:spcPts val="1000"/>
+              </a:spcBef>
+              <a:spcAft>
+                <a:spcPts val="0"/>
+              </a:spcAft>
+              <a:buClr>
+                <a:schemeClr val="accent1"/>
+              </a:buClr>
+              <a:buFont typeface="Wingdings 3" charset="2"/>
+              <a:buChar char=""/>
+              <a:defRPr sz="1200" kern="1200">
+                <a:solidFill>
+                  <a:schemeClr val="tx1">
+                    <a:lumMod val="75000"/>
+                    <a:lumOff val="25000"/>
+                  </a:schemeClr>
+                </a:solidFill>
+                <a:latin typeface="+mn-lt"/>
+                <a:ea typeface="+mn-ea"/>
+                <a:cs typeface="+mn-cs"/>
+              </a:defRPr>
+            </a:lvl6pPr>
+            <a:lvl7pPr marL="2971800" indent="-228600" algn="l" defTabSz="457200" rtl="0" eaLnBrk="1" latinLnBrk="0" hangingPunct="1">
+              <a:spcBef>
+                <a:spcPts val="1000"/>
+              </a:spcBef>
+              <a:spcAft>
+                <a:spcPts val="0"/>
+              </a:spcAft>
+              <a:buClr>
+                <a:schemeClr val="accent1"/>
+              </a:buClr>
+              <a:buFont typeface="Wingdings 3" charset="2"/>
+              <a:buChar char=""/>
+              <a:defRPr sz="1200" kern="1200">
+                <a:solidFill>
+                  <a:schemeClr val="tx1">
+                    <a:lumMod val="75000"/>
+                    <a:lumOff val="25000"/>
+                  </a:schemeClr>
+                </a:solidFill>
+                <a:latin typeface="+mn-lt"/>
+                <a:ea typeface="+mn-ea"/>
+                <a:cs typeface="+mn-cs"/>
+              </a:defRPr>
+            </a:lvl7pPr>
+            <a:lvl8pPr marL="3429000" indent="-228600" algn="l" defTabSz="457200" rtl="0" eaLnBrk="1" latinLnBrk="0" hangingPunct="1">
+              <a:spcBef>
+                <a:spcPts val="1000"/>
+              </a:spcBef>
+              <a:spcAft>
+                <a:spcPts val="0"/>
+              </a:spcAft>
+              <a:buClr>
+                <a:schemeClr val="accent1"/>
+              </a:buClr>
+              <a:buFont typeface="Wingdings 3" charset="2"/>
+              <a:buChar char=""/>
+              <a:defRPr sz="1200" kern="1200">
+                <a:solidFill>
+                  <a:schemeClr val="tx1">
+                    <a:lumMod val="75000"/>
+                    <a:lumOff val="25000"/>
+                  </a:schemeClr>
+                </a:solidFill>
+                <a:latin typeface="+mn-lt"/>
+                <a:ea typeface="+mn-ea"/>
+                <a:cs typeface="+mn-cs"/>
+              </a:defRPr>
+            </a:lvl8pPr>
+            <a:lvl9pPr marL="3886200" indent="-228600" algn="l" defTabSz="457200" rtl="0" eaLnBrk="1" latinLnBrk="0" hangingPunct="1">
+              <a:spcBef>
+                <a:spcPts val="1000"/>
+              </a:spcBef>
+              <a:spcAft>
+                <a:spcPts val="0"/>
+              </a:spcAft>
+              <a:buClr>
+                <a:schemeClr val="accent1"/>
+              </a:buClr>
+              <a:buFont typeface="Wingdings 3" charset="2"/>
+              <a:buChar char=""/>
+              <a:defRPr sz="1200" kern="1200">
+                <a:solidFill>
+                  <a:schemeClr val="tx1">
+                    <a:lumMod val="75000"/>
+                    <a:lumOff val="25000"/>
+                  </a:schemeClr>
+                </a:solidFill>
+                <a:latin typeface="+mn-lt"/>
+                <a:ea typeface="+mn-ea"/>
+                <a:cs typeface="+mn-cs"/>
+              </a:defRPr>
+            </a:lvl9pPr>
+          </a:lstStyle>
+          <a:p>
+            <a:r>
+              <a:rPr lang="de-CH" dirty="0" smtClean="0"/>
+              <a:t>Software Server 02</a:t>
+            </a:r>
+          </a:p>
+          <a:p>
+            <a:pPr lvl="1"/>
+            <a:r>
+              <a:rPr lang="de-CH" dirty="0" smtClean="0"/>
+              <a:t>SQL</a:t>
+            </a:r>
+          </a:p>
+          <a:p>
+            <a:pPr lvl="1"/>
+            <a:r>
+              <a:rPr lang="de-CH" dirty="0" smtClean="0"/>
+              <a:t>WSUS</a:t>
+            </a:r>
+          </a:p>
+          <a:p>
+            <a:pPr lvl="1"/>
+            <a:r>
+              <a:rPr lang="de-CH" dirty="0" smtClean="0"/>
+              <a:t>Exchange</a:t>
+            </a:r>
+          </a:p>
+          <a:p>
+            <a:pPr lvl="1"/>
+            <a:r>
+              <a:rPr lang="de-CH" dirty="0" smtClean="0"/>
+              <a:t>AV G-DATA</a:t>
+            </a:r>
           </a:p>
         </p:txBody>
       </p:sp>
     </p:spTree>
     <p:extLst>
       <p:ext uri="{BB962C8B-B14F-4D97-AF65-F5344CB8AC3E}">
-        <p14:creationId xmlns:p14="http://schemas.microsoft.com/office/powerpoint/2010/main" val="969093849"/>
+        <p14:creationId xmlns:p14="http://schemas.microsoft.com/office/powerpoint/2010/main" val="885970287"/>
       </p:ext>
     </p:extLst>
   </p:cSld>
@@ -13010,8 +13181,12 @@
           <a:lstStyle/>
           <a:p>
             <a:r>
+              <a:rPr lang="de-CH" dirty="0" err="1" smtClean="0"/>
+              <a:t>Active</a:t>
+            </a:r>
+            <a:r>
               <a:rPr lang="de-CH" dirty="0" smtClean="0"/>
-              <a:t>Virtuelle Server 1</a:t>
+              <a:t> Directory AD</a:t>
             </a:r>
             <a:endParaRPr lang="de-CH" sz="4000" dirty="0"/>
           </a:p>
@@ -13126,37 +13301,48 @@
           <a:p>
             <a:r>
               <a:rPr lang="de-CH" dirty="0" smtClean="0"/>
-              <a:t>Systemkonfiguration</a:t>
-            </a:r>
-            <a:endParaRPr lang="de-CH" dirty="0"/>
-          </a:p>
-          <a:p>
-            <a:endParaRPr lang="de-CH" dirty="0"/>
+              <a:t>Domänenstruktur</a:t>
+            </a:r>
+          </a:p>
+          <a:p>
+            <a:endParaRPr lang="de-CH" dirty="0" smtClean="0"/>
+          </a:p>
+          <a:p>
+            <a:r>
+              <a:rPr lang="de-CH" dirty="0" smtClean="0"/>
+              <a:t>Organisationseinheit</a:t>
+            </a:r>
+          </a:p>
+          <a:p>
+            <a:endParaRPr lang="de-CH" dirty="0" smtClean="0"/>
+          </a:p>
+          <a:p>
+            <a:r>
+              <a:rPr lang="de-CH" dirty="0" smtClean="0"/>
+              <a:t>Benutzer und Gruppen Konzept</a:t>
+            </a:r>
+          </a:p>
+          <a:p>
+            <a:endParaRPr lang="de-CH" dirty="0" smtClean="0"/>
           </a:p>
           <a:p>
             <a:r>
               <a:rPr lang="de-CH" dirty="0"/>
-              <a:t>Netzwerkkonfiguration</a:t>
-            </a:r>
-          </a:p>
-          <a:p>
-            <a:endParaRPr lang="de-CH" dirty="0"/>
-          </a:p>
-          <a:p>
-            <a:r>
-              <a:rPr lang="de-CH" dirty="0"/>
-              <a:t>Software</a:t>
-            </a:r>
-          </a:p>
-          <a:p>
-            <a:endParaRPr lang="de-CH" dirty="0"/>
+              <a:t>Freigaben und Rechte</a:t>
+            </a:r>
+          </a:p>
+          <a:p>
+            <a:pPr marL="0" indent="0">
+              <a:buNone/>
+            </a:pPr>
+            <a:endParaRPr lang="de-CH" dirty="0" smtClean="0"/>
           </a:p>
         </p:txBody>
       </p:sp>
     </p:spTree>
     <p:extLst>
       <p:ext uri="{BB962C8B-B14F-4D97-AF65-F5344CB8AC3E}">
-        <p14:creationId xmlns:p14="http://schemas.microsoft.com/office/powerpoint/2010/main" val="1642295933"/>
+        <p14:creationId xmlns:p14="http://schemas.microsoft.com/office/powerpoint/2010/main" val="3267587248"/>
       </p:ext>
     </p:extLst>
   </p:cSld>
@@ -13214,7 +13400,7 @@
           <a:p>
             <a:r>
               <a:rPr lang="de-CH" dirty="0" smtClean="0"/>
-              <a:t>Virtuelle Server 2</a:t>
+              <a:t>Namensauflösung DNS</a:t>
             </a:r>
             <a:endParaRPr lang="de-CH" sz="4000" dirty="0"/>
           </a:p>
@@ -13329,37 +13515,55 @@
           <a:p>
             <a:r>
               <a:rPr lang="de-CH" dirty="0" smtClean="0"/>
-              <a:t>Systemkonfiguration</a:t>
-            </a:r>
+              <a:t>Zonen</a:t>
+            </a:r>
+          </a:p>
+          <a:p>
             <a:endParaRPr lang="de-CH" dirty="0"/>
           </a:p>
           <a:p>
+            <a:r>
+              <a:rPr lang="de-CH" dirty="0" smtClean="0"/>
+              <a:t>Einträge</a:t>
+            </a:r>
+          </a:p>
+          <a:p>
+            <a:pPr lvl="1"/>
+            <a:r>
+              <a:rPr lang="de-CH" dirty="0" smtClean="0"/>
+              <a:t>Netzwerkgeräte</a:t>
+            </a:r>
+          </a:p>
+          <a:p>
+            <a:pPr lvl="1"/>
+            <a:r>
+              <a:rPr lang="de-CH" dirty="0" smtClean="0"/>
+              <a:t>Server</a:t>
+            </a:r>
+          </a:p>
+          <a:p>
+            <a:pPr lvl="1"/>
+            <a:r>
+              <a:rPr lang="de-CH" dirty="0" smtClean="0"/>
+              <a:t>NAS</a:t>
+            </a:r>
+          </a:p>
+          <a:p>
             <a:endParaRPr lang="de-CH" dirty="0"/>
           </a:p>
           <a:p>
             <a:r>
-              <a:rPr lang="de-CH" dirty="0"/>
-              <a:t>Netzwerkkonfiguration</a:t>
-            </a:r>
-          </a:p>
-          <a:p>
-            <a:endParaRPr lang="de-CH" dirty="0"/>
-          </a:p>
-          <a:p>
-            <a:r>
-              <a:rPr lang="de-CH" dirty="0"/>
-              <a:t>Software</a:t>
-            </a:r>
-          </a:p>
-          <a:p>
-            <a:endParaRPr lang="de-CH" dirty="0"/>
+              <a:rPr lang="de-CH" dirty="0" err="1" smtClean="0"/>
+              <a:t>Forwarder</a:t>
+            </a:r>
+            <a:endParaRPr lang="de-CH" dirty="0" smtClean="0"/>
           </a:p>
         </p:txBody>
       </p:sp>
     </p:spTree>
     <p:extLst>
       <p:ext uri="{BB962C8B-B14F-4D97-AF65-F5344CB8AC3E}">
-        <p14:creationId xmlns:p14="http://schemas.microsoft.com/office/powerpoint/2010/main" val="885970287"/>
+        <p14:creationId xmlns:p14="http://schemas.microsoft.com/office/powerpoint/2010/main" val="3813655589"/>
       </p:ext>
     </p:extLst>
   </p:cSld>
